--- a/teaching/cs513-autocps-fall-2024/slides/TimedModels.pptx
+++ b/teaching/cs513-autocps-fall-2024/slides/TimedModels.pptx
@@ -12,13 +12,13 @@
   </p:handoutMasterIdLst>
   <p:sldIdLst>
     <p:sldId id="256" r:id="rId2"/>
-    <p:sldId id="278" r:id="rId3"/>
-    <p:sldId id="364" r:id="rId4"/>
-    <p:sldId id="366" r:id="rId5"/>
-    <p:sldId id="315" r:id="rId6"/>
-    <p:sldId id="316" r:id="rId7"/>
-    <p:sldId id="312" r:id="rId8"/>
-    <p:sldId id="272" r:id="rId9"/>
+    <p:sldId id="364" r:id="rId3"/>
+    <p:sldId id="366" r:id="rId4"/>
+    <p:sldId id="315" r:id="rId5"/>
+    <p:sldId id="316" r:id="rId6"/>
+    <p:sldId id="312" r:id="rId7"/>
+    <p:sldId id="272" r:id="rId8"/>
+    <p:sldId id="367" r:id="rId9"/>
     <p:sldId id="289" r:id="rId10"/>
     <p:sldId id="313" r:id="rId11"/>
     <p:sldId id="314" r:id="rId12"/>
@@ -246,7 +246,7 @@
           <a:p>
             <a:fld id="{459B985A-4C37-4D1F-A437-E4A951A85D11}" type="datetimeFigureOut">
               <a:rPr lang="en-US" smtClean="0"/>
-              <a:t>8/27/2023</a:t>
+              <a:t>9/9/2024</a:t>
             </a:fld>
             <a:endParaRPr lang="en-US"/>
           </a:p>
@@ -341,36 +341,6 @@
 </p:handoutMaster>
 </file>
 
-<file path=ppt/ink/ink1.xml><?xml version="1.0" encoding="utf-8"?>
-<inkml:ink xmlns:inkml="http://www.w3.org/2003/InkML">
-  <inkml:definitions>
-    <inkml:context xml:id="ctx0">
-      <inkml:inkSource xml:id="inkSrc0">
-        <inkml:traceFormat>
-          <inkml:channel name="X" type="integer" max="1920" units="cm"/>
-          <inkml:channel name="Y" type="integer" max="1080" units="cm"/>
-          <inkml:channel name="T" type="integer" max="2.14748E9" units="dev"/>
-        </inkml:traceFormat>
-        <inkml:channelProperties>
-          <inkml:channelProperty channel="X" name="resolution" value="55.81395" units="1/cm"/>
-          <inkml:channelProperty channel="Y" name="resolution" value="55.95855" units="1/cm"/>
-          <inkml:channelProperty channel="T" name="resolution" value="1" units="1/dev"/>
-        </inkml:channelProperties>
-      </inkml:inkSource>
-      <inkml:timestamp xml:id="ts0" timeString="2023-08-28T05:14:25.999"/>
-    </inkml:context>
-    <inkml:brush xml:id="br0">
-      <inkml:brushProperty name="width" value="0.05292" units="cm"/>
-      <inkml:brushProperty name="height" value="0.05292" units="cm"/>
-      <inkml:brushProperty name="color" value="#FF0000"/>
-    </inkml:brush>
-  </inkml:definitions>
-  <inkml:trace contextRef="#ctx0" brushRef="#br0">5891 4639 0,'-17'18'16,"-1"-1"0,-17 36-1,0-18-15,-1 18 16,1 36-1,0-1 1,-18-35 0,53 88-1,35-53 1,0 36 15,36-19-31,17-16 16,36 16-1,-1-34 1,18-1 15,18-34-15,106 17 0,-71-53-1,-36 17 1,19-17-1,17 0 1,88 0 0,-123 0-1,17 0 1,53-17 0,71-19 15,-70 1-16,-72 17 1,125 18 0,-160 0-1,212 18 1,-141-18 0,0 0-1,71-35 1,-159 0-1,17 17 1,-70 0-16,53-17 31,17 17-31,18-35 32,-17 1-32,-71 34 31,17-35-31,1-18 15,-18 19 17,-18 16-32,-17-52 31,-18 35-15,-36-17-1,-69-89 1,-54 0-1,35 36 1,-105-89 0,53 88-1,-54 1 1,36 35 0,-88 0 15,88 70-16,-70 0 1,-54-17 0,124 35-1,18 0 1,-89 0 0,18 0-1,71 18 1,-177 17-1,88 0 1,1 36 0,52-36-1,-52 53 1,-142 53 0,212-35-1,-124 71 16,248-142-31,-142 88 32,142-87-17,34-1 1,-17 0 0,36-35 15,17 18-16,0-1-15,-18 1 32,18 0 30</inkml:trace>
-  <inkml:trace contextRef="#ctx0" brushRef="#br0" timeOffset="23155.71">12612 8326 0</inkml:trace>
-  <inkml:trace contextRef="#ctx0" brushRef="#br0" timeOffset="24986.44">13070 6967 0,'-17'0'62,"-18"36"-31,35-19-15,-36 71 0,19 1-1,-1-36-15,18-1 16,-18 72-1,18-71 1,0 53 0,18-36-1,0-17 1,-1-18 15,71 36-15,54 35-1,-54-71 1,-18-35-16,-17 18 16,88 17-1,0-35 1,71 0 0,17 18-1,-35-18 1,53 0-1,-88-36 1,35 36 0,-17-35-1,17 0 17,-53 17-32,-53-17 15,0-18 1,53 18-1,18 17 17,-89-17-17,89 17 1,-106 1 0,0-36-1,53 0 1,-88 35-1,34-35 1,90-35 0,-19 0 15,-70 52-31,18 1 16,-19 0-1,-34 17 16,17 18-15,-17 0 0,0 0 46,-18-17-15,0-1-31,-89 0-16,-34-70 15,35 53 1,-71-36 0,-35-17-1,-53 0 1,-35 0-1,-71 17 1,247 54 0,-105-1-16,-178 18 31,195 18-15,18 17-1,-124 35 1,89-34-1,34-19 1,-17 36 15,124-35-31,17 0 16,0-1 0,35 1-1</inkml:trace>
-</inkml:ink>
-</file>
-
 <file path=ppt/notesMasters/notesMaster1.xml><?xml version="1.0" encoding="utf-8"?>
 <p:notesMaster xmlns:a="http://schemas.openxmlformats.org/drawingml/2006/main" xmlns:r="http://schemas.openxmlformats.org/officeDocument/2006/relationships" xmlns:p="http://schemas.openxmlformats.org/presentationml/2006/main">
   <p:cSld>
@@ -453,7 +423,7 @@
           <a:p>
             <a:fld id="{6580C23F-98B7-41D4-A9FA-15A275A51486}" type="datetimeFigureOut">
               <a:rPr lang="en-US" smtClean="0"/>
-              <a:t>8/27/2023</a:t>
+              <a:t>9/9/2024</a:t>
             </a:fld>
             <a:endParaRPr lang="en-US"/>
           </a:p>
@@ -785,7 +755,7 @@
           <a:p>
             <a:fld id="{E586B107-AA8F-4C65-A94C-468C6EEC3A14}" type="slidenum">
               <a:rPr lang="en-US" smtClean="0"/>
-              <a:t>7</a:t>
+              <a:t>6</a:t>
             </a:fld>
             <a:endParaRPr lang="en-US"/>
           </a:p>
@@ -1174,7 +1144,7 @@
           <p:nvPr userDrawn="1"/>
         </p:nvPicPr>
         <mc:AlternateContent xmlns:mc="http://schemas.openxmlformats.org/markup-compatibility/2006">
-          <mc:Choice xmlns:ma="http://schemas.microsoft.com/office/mac/drawingml/2008/main" xmlns:mv="urn:schemas-microsoft-com:mac:vml" xmlns="" Requires="ma">
+          <mc:Choice xmlns="" xmlns:mv="urn:schemas-microsoft-com:mac:vml" xmlns:ma="http://schemas.microsoft.com/office/mac/drawingml/2008/main" Requires="ma">
             <p:blipFill>
               <a:blip r:embed="rId3"/>
               <a:stretch>
@@ -2144,7 +2114,7 @@
           <a:p>
             <a:r>
               <a:rPr lang="en-US" dirty="0"/>
-              <a:t>Fall 2023. CSCI 513.</a:t>
+              <a:t>Fall 2024. CSCI 513.</a:t>
             </a:r>
           </a:p>
           <a:p>
@@ -4290,6 +4260,276 @@
   <p:clrMapOvr>
     <a:masterClrMapping/>
   </p:clrMapOvr>
+  <p:timing>
+    <p:tnLst>
+      <p:par>
+        <p:cTn id="1" dur="indefinite" restart="never" nodeType="tmRoot">
+          <p:childTnLst>
+            <p:seq concurrent="1" nextAc="seek">
+              <p:cTn id="2" dur="indefinite" nodeType="mainSeq">
+                <p:childTnLst>
+                  <p:par>
+                    <p:cTn id="3" fill="hold">
+                      <p:stCondLst>
+                        <p:cond delay="indefinite"/>
+                      </p:stCondLst>
+                      <p:childTnLst>
+                        <p:par>
+                          <p:cTn id="4" fill="hold">
+                            <p:stCondLst>
+                              <p:cond delay="0"/>
+                            </p:stCondLst>
+                            <p:childTnLst>
+                              <p:par>
+                                <p:cTn id="5" presetID="1" presetClass="entr" presetSubtype="0" fill="hold" nodeType="clickEffect">
+                                  <p:stCondLst>
+                                    <p:cond delay="0"/>
+                                  </p:stCondLst>
+                                  <p:childTnLst>
+                                    <p:set>
+                                      <p:cBhvr>
+                                        <p:cTn id="6" dur="1" fill="hold">
+                                          <p:stCondLst>
+                                            <p:cond delay="0"/>
+                                          </p:stCondLst>
+                                        </p:cTn>
+                                        <p:tgtEl>
+                                          <p:spTgt spid="2">
+                                            <p:txEl>
+                                              <p:pRg st="0" end="0"/>
+                                            </p:txEl>
+                                          </p:spTgt>
+                                        </p:tgtEl>
+                                        <p:attrNameLst>
+                                          <p:attrName>style.visibility</p:attrName>
+                                        </p:attrNameLst>
+                                      </p:cBhvr>
+                                      <p:to>
+                                        <p:strVal val="visible"/>
+                                      </p:to>
+                                    </p:set>
+                                  </p:childTnLst>
+                                </p:cTn>
+                              </p:par>
+                              <p:par>
+                                <p:cTn id="7" presetID="1" presetClass="entr" presetSubtype="0" fill="hold" nodeType="withEffect">
+                                  <p:stCondLst>
+                                    <p:cond delay="0"/>
+                                  </p:stCondLst>
+                                  <p:childTnLst>
+                                    <p:set>
+                                      <p:cBhvr>
+                                        <p:cTn id="8" dur="1" fill="hold">
+                                          <p:stCondLst>
+                                            <p:cond delay="0"/>
+                                          </p:stCondLst>
+                                        </p:cTn>
+                                        <p:tgtEl>
+                                          <p:spTgt spid="2">
+                                            <p:txEl>
+                                              <p:pRg st="1" end="1"/>
+                                            </p:txEl>
+                                          </p:spTgt>
+                                        </p:tgtEl>
+                                        <p:attrNameLst>
+                                          <p:attrName>style.visibility</p:attrName>
+                                        </p:attrNameLst>
+                                      </p:cBhvr>
+                                      <p:to>
+                                        <p:strVal val="visible"/>
+                                      </p:to>
+                                    </p:set>
+                                  </p:childTnLst>
+                                </p:cTn>
+                              </p:par>
+                              <p:par>
+                                <p:cTn id="9" presetID="1" presetClass="entr" presetSubtype="0" fill="hold" nodeType="withEffect">
+                                  <p:stCondLst>
+                                    <p:cond delay="0"/>
+                                  </p:stCondLst>
+                                  <p:childTnLst>
+                                    <p:set>
+                                      <p:cBhvr>
+                                        <p:cTn id="10" dur="1" fill="hold">
+                                          <p:stCondLst>
+                                            <p:cond delay="0"/>
+                                          </p:stCondLst>
+                                        </p:cTn>
+                                        <p:tgtEl>
+                                          <p:spTgt spid="2">
+                                            <p:txEl>
+                                              <p:pRg st="2" end="2"/>
+                                            </p:txEl>
+                                          </p:spTgt>
+                                        </p:tgtEl>
+                                        <p:attrNameLst>
+                                          <p:attrName>style.visibility</p:attrName>
+                                        </p:attrNameLst>
+                                      </p:cBhvr>
+                                      <p:to>
+                                        <p:strVal val="visible"/>
+                                      </p:to>
+                                    </p:set>
+                                  </p:childTnLst>
+                                </p:cTn>
+                              </p:par>
+                            </p:childTnLst>
+                          </p:cTn>
+                        </p:par>
+                      </p:childTnLst>
+                    </p:cTn>
+                  </p:par>
+                  <p:par>
+                    <p:cTn id="11" fill="hold">
+                      <p:stCondLst>
+                        <p:cond delay="indefinite"/>
+                      </p:stCondLst>
+                      <p:childTnLst>
+                        <p:par>
+                          <p:cTn id="12" fill="hold">
+                            <p:stCondLst>
+                              <p:cond delay="0"/>
+                            </p:stCondLst>
+                            <p:childTnLst>
+                              <p:par>
+                                <p:cTn id="13" presetID="1" presetClass="entr" presetSubtype="0" fill="hold" nodeType="clickEffect">
+                                  <p:stCondLst>
+                                    <p:cond delay="0"/>
+                                  </p:stCondLst>
+                                  <p:childTnLst>
+                                    <p:set>
+                                      <p:cBhvr>
+                                        <p:cTn id="14" dur="1" fill="hold">
+                                          <p:stCondLst>
+                                            <p:cond delay="0"/>
+                                          </p:stCondLst>
+                                        </p:cTn>
+                                        <p:tgtEl>
+                                          <p:spTgt spid="2">
+                                            <p:txEl>
+                                              <p:pRg st="3" end="3"/>
+                                            </p:txEl>
+                                          </p:spTgt>
+                                        </p:tgtEl>
+                                        <p:attrNameLst>
+                                          <p:attrName>style.visibility</p:attrName>
+                                        </p:attrNameLst>
+                                      </p:cBhvr>
+                                      <p:to>
+                                        <p:strVal val="visible"/>
+                                      </p:to>
+                                    </p:set>
+                                  </p:childTnLst>
+                                </p:cTn>
+                              </p:par>
+                            </p:childTnLst>
+                          </p:cTn>
+                        </p:par>
+                      </p:childTnLst>
+                    </p:cTn>
+                  </p:par>
+                  <p:par>
+                    <p:cTn id="15" fill="hold">
+                      <p:stCondLst>
+                        <p:cond delay="indefinite"/>
+                      </p:stCondLst>
+                      <p:childTnLst>
+                        <p:par>
+                          <p:cTn id="16" fill="hold">
+                            <p:stCondLst>
+                              <p:cond delay="0"/>
+                            </p:stCondLst>
+                            <p:childTnLst>
+                              <p:par>
+                                <p:cTn id="17" presetID="1" presetClass="entr" presetSubtype="0" fill="hold" nodeType="clickEffect">
+                                  <p:stCondLst>
+                                    <p:cond delay="0"/>
+                                  </p:stCondLst>
+                                  <p:childTnLst>
+                                    <p:set>
+                                      <p:cBhvr>
+                                        <p:cTn id="18" dur="1" fill="hold">
+                                          <p:stCondLst>
+                                            <p:cond delay="0"/>
+                                          </p:stCondLst>
+                                        </p:cTn>
+                                        <p:tgtEl>
+                                          <p:spTgt spid="2">
+                                            <p:txEl>
+                                              <p:pRg st="4" end="4"/>
+                                            </p:txEl>
+                                          </p:spTgt>
+                                        </p:tgtEl>
+                                        <p:attrNameLst>
+                                          <p:attrName>style.visibility</p:attrName>
+                                        </p:attrNameLst>
+                                      </p:cBhvr>
+                                      <p:to>
+                                        <p:strVal val="visible"/>
+                                      </p:to>
+                                    </p:set>
+                                  </p:childTnLst>
+                                </p:cTn>
+                              </p:par>
+                              <p:par>
+                                <p:cTn id="19" presetID="1" presetClass="entr" presetSubtype="0" fill="hold" nodeType="withEffect">
+                                  <p:stCondLst>
+                                    <p:cond delay="0"/>
+                                  </p:stCondLst>
+                                  <p:childTnLst>
+                                    <p:set>
+                                      <p:cBhvr>
+                                        <p:cTn id="20" dur="1" fill="hold">
+                                          <p:stCondLst>
+                                            <p:cond delay="0"/>
+                                          </p:stCondLst>
+                                        </p:cTn>
+                                        <p:tgtEl>
+                                          <p:spTgt spid="2">
+                                            <p:txEl>
+                                              <p:pRg st="5" end="5"/>
+                                            </p:txEl>
+                                          </p:spTgt>
+                                        </p:tgtEl>
+                                        <p:attrNameLst>
+                                          <p:attrName>style.visibility</p:attrName>
+                                        </p:attrNameLst>
+                                      </p:cBhvr>
+                                      <p:to>
+                                        <p:strVal val="visible"/>
+                                      </p:to>
+                                    </p:set>
+                                  </p:childTnLst>
+                                </p:cTn>
+                              </p:par>
+                            </p:childTnLst>
+                          </p:cTn>
+                        </p:par>
+                      </p:childTnLst>
+                    </p:cTn>
+                  </p:par>
+                </p:childTnLst>
+              </p:cTn>
+              <p:prevCondLst>
+                <p:cond evt="onPrev" delay="0">
+                  <p:tgtEl>
+                    <p:sldTgt/>
+                  </p:tgtEl>
+                </p:cond>
+              </p:prevCondLst>
+              <p:nextCondLst>
+                <p:cond evt="onNext" delay="0">
+                  <p:tgtEl>
+                    <p:sldTgt/>
+                  </p:tgtEl>
+                </p:cond>
+              </p:nextCondLst>
+            </p:seq>
+          </p:childTnLst>
+        </p:cTn>
+      </p:par>
+    </p:tnLst>
+  </p:timing>
 </p:sld>
 </file>
 
@@ -19931,6 +20171,408 @@
   <p:clrMapOvr>
     <a:masterClrMapping/>
   </p:clrMapOvr>
+  <p:timing>
+    <p:tnLst>
+      <p:par>
+        <p:cTn id="1" dur="indefinite" restart="never" nodeType="tmRoot">
+          <p:childTnLst>
+            <p:seq concurrent="1" nextAc="seek">
+              <p:cTn id="2" dur="indefinite" nodeType="mainSeq">
+                <p:childTnLst>
+                  <p:par>
+                    <p:cTn id="3" fill="hold">
+                      <p:stCondLst>
+                        <p:cond delay="indefinite"/>
+                      </p:stCondLst>
+                      <p:childTnLst>
+                        <p:par>
+                          <p:cTn id="4" fill="hold">
+                            <p:stCondLst>
+                              <p:cond delay="0"/>
+                            </p:stCondLst>
+                            <p:childTnLst>
+                              <p:par>
+                                <p:cTn id="5" presetID="1" presetClass="entr" presetSubtype="0" fill="hold" grpId="0" nodeType="clickEffect">
+                                  <p:stCondLst>
+                                    <p:cond delay="0"/>
+                                  </p:stCondLst>
+                                  <p:childTnLst>
+                                    <p:set>
+                                      <p:cBhvr>
+                                        <p:cTn id="6" dur="1" fill="hold">
+                                          <p:stCondLst>
+                                            <p:cond delay="0"/>
+                                          </p:stCondLst>
+                                        </p:cTn>
+                                        <p:tgtEl>
+                                          <p:spTgt spid="2">
+                                            <p:txEl>
+                                              <p:pRg st="0" end="0"/>
+                                            </p:txEl>
+                                          </p:spTgt>
+                                        </p:tgtEl>
+                                        <p:attrNameLst>
+                                          <p:attrName>style.visibility</p:attrName>
+                                        </p:attrNameLst>
+                                      </p:cBhvr>
+                                      <p:to>
+                                        <p:strVal val="visible"/>
+                                      </p:to>
+                                    </p:set>
+                                  </p:childTnLst>
+                                </p:cTn>
+                              </p:par>
+                              <p:par>
+                                <p:cTn id="7" presetID="1" presetClass="entr" presetSubtype="0" fill="hold" grpId="0" nodeType="withEffect">
+                                  <p:stCondLst>
+                                    <p:cond delay="0"/>
+                                  </p:stCondLst>
+                                  <p:childTnLst>
+                                    <p:set>
+                                      <p:cBhvr>
+                                        <p:cTn id="8" dur="1" fill="hold">
+                                          <p:stCondLst>
+                                            <p:cond delay="0"/>
+                                          </p:stCondLst>
+                                        </p:cTn>
+                                        <p:tgtEl>
+                                          <p:spTgt spid="2">
+                                            <p:txEl>
+                                              <p:pRg st="1" end="1"/>
+                                            </p:txEl>
+                                          </p:spTgt>
+                                        </p:tgtEl>
+                                        <p:attrNameLst>
+                                          <p:attrName>style.visibility</p:attrName>
+                                        </p:attrNameLst>
+                                      </p:cBhvr>
+                                      <p:to>
+                                        <p:strVal val="visible"/>
+                                      </p:to>
+                                    </p:set>
+                                  </p:childTnLst>
+                                </p:cTn>
+                              </p:par>
+                            </p:childTnLst>
+                          </p:cTn>
+                        </p:par>
+                      </p:childTnLst>
+                    </p:cTn>
+                  </p:par>
+                  <p:par>
+                    <p:cTn id="9" fill="hold">
+                      <p:stCondLst>
+                        <p:cond delay="indefinite"/>
+                      </p:stCondLst>
+                      <p:childTnLst>
+                        <p:par>
+                          <p:cTn id="10" fill="hold">
+                            <p:stCondLst>
+                              <p:cond delay="0"/>
+                            </p:stCondLst>
+                            <p:childTnLst>
+                              <p:par>
+                                <p:cTn id="11" presetID="1" presetClass="entr" presetSubtype="0" fill="hold" grpId="0" nodeType="clickEffect">
+                                  <p:stCondLst>
+                                    <p:cond delay="0"/>
+                                  </p:stCondLst>
+                                  <p:childTnLst>
+                                    <p:set>
+                                      <p:cBhvr>
+                                        <p:cTn id="12" dur="1" fill="hold">
+                                          <p:stCondLst>
+                                            <p:cond delay="0"/>
+                                          </p:stCondLst>
+                                        </p:cTn>
+                                        <p:tgtEl>
+                                          <p:spTgt spid="2">
+                                            <p:txEl>
+                                              <p:pRg st="2" end="2"/>
+                                            </p:txEl>
+                                          </p:spTgt>
+                                        </p:tgtEl>
+                                        <p:attrNameLst>
+                                          <p:attrName>style.visibility</p:attrName>
+                                        </p:attrNameLst>
+                                      </p:cBhvr>
+                                      <p:to>
+                                        <p:strVal val="visible"/>
+                                      </p:to>
+                                    </p:set>
+                                  </p:childTnLst>
+                                </p:cTn>
+                              </p:par>
+                              <p:par>
+                                <p:cTn id="13" presetID="1" presetClass="entr" presetSubtype="0" fill="hold" grpId="0" nodeType="withEffect">
+                                  <p:stCondLst>
+                                    <p:cond delay="0"/>
+                                  </p:stCondLst>
+                                  <p:childTnLst>
+                                    <p:set>
+                                      <p:cBhvr>
+                                        <p:cTn id="14" dur="1" fill="hold">
+                                          <p:stCondLst>
+                                            <p:cond delay="0"/>
+                                          </p:stCondLst>
+                                        </p:cTn>
+                                        <p:tgtEl>
+                                          <p:spTgt spid="2">
+                                            <p:txEl>
+                                              <p:pRg st="3" end="3"/>
+                                            </p:txEl>
+                                          </p:spTgt>
+                                        </p:tgtEl>
+                                        <p:attrNameLst>
+                                          <p:attrName>style.visibility</p:attrName>
+                                        </p:attrNameLst>
+                                      </p:cBhvr>
+                                      <p:to>
+                                        <p:strVal val="visible"/>
+                                      </p:to>
+                                    </p:set>
+                                  </p:childTnLst>
+                                </p:cTn>
+                              </p:par>
+                            </p:childTnLst>
+                          </p:cTn>
+                        </p:par>
+                      </p:childTnLst>
+                    </p:cTn>
+                  </p:par>
+                  <p:par>
+                    <p:cTn id="15" fill="hold">
+                      <p:stCondLst>
+                        <p:cond delay="indefinite"/>
+                      </p:stCondLst>
+                      <p:childTnLst>
+                        <p:par>
+                          <p:cTn id="16" fill="hold">
+                            <p:stCondLst>
+                              <p:cond delay="0"/>
+                            </p:stCondLst>
+                            <p:childTnLst>
+                              <p:par>
+                                <p:cTn id="17" presetID="1" presetClass="entr" presetSubtype="0" fill="hold" grpId="0" nodeType="clickEffect">
+                                  <p:stCondLst>
+                                    <p:cond delay="0"/>
+                                  </p:stCondLst>
+                                  <p:childTnLst>
+                                    <p:set>
+                                      <p:cBhvr>
+                                        <p:cTn id="18" dur="1" fill="hold">
+                                          <p:stCondLst>
+                                            <p:cond delay="0"/>
+                                          </p:stCondLst>
+                                        </p:cTn>
+                                        <p:tgtEl>
+                                          <p:spTgt spid="2">
+                                            <p:txEl>
+                                              <p:pRg st="4" end="4"/>
+                                            </p:txEl>
+                                          </p:spTgt>
+                                        </p:tgtEl>
+                                        <p:attrNameLst>
+                                          <p:attrName>style.visibility</p:attrName>
+                                        </p:attrNameLst>
+                                      </p:cBhvr>
+                                      <p:to>
+                                        <p:strVal val="visible"/>
+                                      </p:to>
+                                    </p:set>
+                                  </p:childTnLst>
+                                </p:cTn>
+                              </p:par>
+                            </p:childTnLst>
+                          </p:cTn>
+                        </p:par>
+                      </p:childTnLst>
+                    </p:cTn>
+                  </p:par>
+                  <p:par>
+                    <p:cTn id="19" fill="hold">
+                      <p:stCondLst>
+                        <p:cond delay="indefinite"/>
+                      </p:stCondLst>
+                      <p:childTnLst>
+                        <p:par>
+                          <p:cTn id="20" fill="hold">
+                            <p:stCondLst>
+                              <p:cond delay="0"/>
+                            </p:stCondLst>
+                            <p:childTnLst>
+                              <p:par>
+                                <p:cTn id="21" presetID="1" presetClass="entr" presetSubtype="0" fill="hold" grpId="0" nodeType="clickEffect">
+                                  <p:stCondLst>
+                                    <p:cond delay="0"/>
+                                  </p:stCondLst>
+                                  <p:childTnLst>
+                                    <p:set>
+                                      <p:cBhvr>
+                                        <p:cTn id="22" dur="1" fill="hold">
+                                          <p:stCondLst>
+                                            <p:cond delay="0"/>
+                                          </p:stCondLst>
+                                        </p:cTn>
+                                        <p:tgtEl>
+                                          <p:spTgt spid="2">
+                                            <p:txEl>
+                                              <p:pRg st="6" end="6"/>
+                                            </p:txEl>
+                                          </p:spTgt>
+                                        </p:tgtEl>
+                                        <p:attrNameLst>
+                                          <p:attrName>style.visibility</p:attrName>
+                                        </p:attrNameLst>
+                                      </p:cBhvr>
+                                      <p:to>
+                                        <p:strVal val="visible"/>
+                                      </p:to>
+                                    </p:set>
+                                  </p:childTnLst>
+                                </p:cTn>
+                              </p:par>
+                              <p:par>
+                                <p:cTn id="23" presetID="1" presetClass="entr" presetSubtype="0" fill="hold" grpId="0" nodeType="withEffect">
+                                  <p:stCondLst>
+                                    <p:cond delay="0"/>
+                                  </p:stCondLst>
+                                  <p:childTnLst>
+                                    <p:set>
+                                      <p:cBhvr>
+                                        <p:cTn id="24" dur="1" fill="hold">
+                                          <p:stCondLst>
+                                            <p:cond delay="0"/>
+                                          </p:stCondLst>
+                                        </p:cTn>
+                                        <p:tgtEl>
+                                          <p:spTgt spid="2">
+                                            <p:txEl>
+                                              <p:pRg st="7" end="7"/>
+                                            </p:txEl>
+                                          </p:spTgt>
+                                        </p:tgtEl>
+                                        <p:attrNameLst>
+                                          <p:attrName>style.visibility</p:attrName>
+                                        </p:attrNameLst>
+                                      </p:cBhvr>
+                                      <p:to>
+                                        <p:strVal val="visible"/>
+                                      </p:to>
+                                    </p:set>
+                                  </p:childTnLst>
+                                </p:cTn>
+                              </p:par>
+                              <p:par>
+                                <p:cTn id="25" presetID="1" presetClass="entr" presetSubtype="0" fill="hold" grpId="0" nodeType="withEffect">
+                                  <p:stCondLst>
+                                    <p:cond delay="0"/>
+                                  </p:stCondLst>
+                                  <p:childTnLst>
+                                    <p:set>
+                                      <p:cBhvr>
+                                        <p:cTn id="26" dur="1" fill="hold">
+                                          <p:stCondLst>
+                                            <p:cond delay="0"/>
+                                          </p:stCondLst>
+                                        </p:cTn>
+                                        <p:tgtEl>
+                                          <p:spTgt spid="2">
+                                            <p:txEl>
+                                              <p:pRg st="8" end="8"/>
+                                            </p:txEl>
+                                          </p:spTgt>
+                                        </p:tgtEl>
+                                        <p:attrNameLst>
+                                          <p:attrName>style.visibility</p:attrName>
+                                        </p:attrNameLst>
+                                      </p:cBhvr>
+                                      <p:to>
+                                        <p:strVal val="visible"/>
+                                      </p:to>
+                                    </p:set>
+                                  </p:childTnLst>
+                                </p:cTn>
+                              </p:par>
+                            </p:childTnLst>
+                          </p:cTn>
+                        </p:par>
+                      </p:childTnLst>
+                    </p:cTn>
+                  </p:par>
+                  <p:par>
+                    <p:cTn id="27" fill="hold">
+                      <p:stCondLst>
+                        <p:cond delay="indefinite"/>
+                      </p:stCondLst>
+                      <p:childTnLst>
+                        <p:par>
+                          <p:cTn id="28" fill="hold">
+                            <p:stCondLst>
+                              <p:cond delay="0"/>
+                            </p:stCondLst>
+                            <p:childTnLst>
+                              <p:par>
+                                <p:cTn id="29" presetID="1" presetClass="entr" presetSubtype="0" fill="hold" grpId="0" nodeType="clickEffect">
+                                  <p:stCondLst>
+                                    <p:cond delay="0"/>
+                                  </p:stCondLst>
+                                  <p:childTnLst>
+                                    <p:set>
+                                      <p:cBhvr>
+                                        <p:cTn id="30" dur="1" fill="hold">
+                                          <p:stCondLst>
+                                            <p:cond delay="0"/>
+                                          </p:stCondLst>
+                                        </p:cTn>
+                                        <p:tgtEl>
+                                          <p:spTgt spid="2">
+                                            <p:txEl>
+                                              <p:pRg st="9" end="9"/>
+                                            </p:txEl>
+                                          </p:spTgt>
+                                        </p:tgtEl>
+                                        <p:attrNameLst>
+                                          <p:attrName>style.visibility</p:attrName>
+                                        </p:attrNameLst>
+                                      </p:cBhvr>
+                                      <p:to>
+                                        <p:strVal val="visible"/>
+                                      </p:to>
+                                    </p:set>
+                                  </p:childTnLst>
+                                </p:cTn>
+                              </p:par>
+                            </p:childTnLst>
+                          </p:cTn>
+                        </p:par>
+                      </p:childTnLst>
+                    </p:cTn>
+                  </p:par>
+                </p:childTnLst>
+              </p:cTn>
+              <p:prevCondLst>
+                <p:cond evt="onPrev" delay="0">
+                  <p:tgtEl>
+                    <p:sldTgt/>
+                  </p:tgtEl>
+                </p:cond>
+              </p:prevCondLst>
+              <p:nextCondLst>
+                <p:cond evt="onNext" delay="0">
+                  <p:tgtEl>
+                    <p:sldTgt/>
+                  </p:tgtEl>
+                </p:cond>
+              </p:nextCondLst>
+            </p:seq>
+          </p:childTnLst>
+        </p:cTn>
+      </p:par>
+    </p:tnLst>
+    <p:bldLst>
+      <p:bldP spid="2" grpId="0" build="p"/>
+    </p:bldLst>
+  </p:timing>
 </p:sld>
 </file>
 
@@ -19976,6 +20618,50 @@
               <a:rPr lang="en-US" dirty="0"/>
               <a:t>Models of Computation</a:t>
             </a:r>
+          </a:p>
+        </p:txBody>
+      </p:sp>
+      <p:sp>
+        <p:nvSpPr>
+          <p:cNvPr id="4" name="TextBox 3">
+            <a:extLst>
+              <a:ext uri="{FF2B5EF4-FFF2-40B4-BE49-F238E27FC236}">
+                <a16:creationId xmlns:a16="http://schemas.microsoft.com/office/drawing/2014/main" id="{9B84B02C-A1AC-4CA0-B349-4E16229135E5}"/>
+              </a:ext>
+            </a:extLst>
+          </p:cNvPr>
+          <p:cNvSpPr txBox="1"/>
+          <p:nvPr/>
+        </p:nvSpPr>
+        <p:spPr>
+          <a:xfrm>
+            <a:off x="7622367" y="5842421"/>
+            <a:ext cx="4433688" cy="954107"/>
+          </a:xfrm>
+          <a:prstGeom prst="rect">
+            <a:avLst/>
+          </a:prstGeom>
+          <a:noFill/>
+        </p:spPr>
+        <p:txBody>
+          <a:bodyPr wrap="square" rtlCol="0">
+            <a:spAutoFit/>
+          </a:bodyPr>
+          <a:lstStyle/>
+          <a:p>
+            <a:r>
+              <a:rPr lang="en-US" sz="1400">
+                <a:solidFill>
+                  <a:schemeClr val="bg1"/>
+                </a:solidFill>
+              </a:rPr>
+              <a:t>[1] Nicolescu, Gabriela; Mosterman, Pieter J., eds. (2010). Model-Based Design for Embedded Systems. Computational Analysis, Synthesis, and Design of Dynamic Systems. 1. Boca Raton: CRC Press.</a:t>
+            </a:r>
+            <a:endParaRPr lang="en-US" sz="1400" dirty="0">
+              <a:solidFill>
+                <a:schemeClr val="bg1"/>
+              </a:solidFill>
+            </a:endParaRPr>
           </a:p>
         </p:txBody>
       </p:sp>
@@ -20038,33 +20724,45 @@
           <a:lstStyle/>
           <a:p>
             <a:r>
-              <a:rPr lang="en-US" dirty="0"/>
+              <a:rPr lang="en-US" strike="sngStrike" dirty="0"/>
               <a:t>Synchronous Process Models</a:t>
             </a:r>
           </a:p>
           <a:p>
             <a:r>
-              <a:rPr lang="en-US" dirty="0"/>
+              <a:rPr lang="en-US" strike="sngStrike" dirty="0"/>
               <a:t>Asynchronous Process Models</a:t>
             </a:r>
           </a:p>
           <a:p>
             <a:r>
-              <a:rPr lang="en-US" dirty="0"/>
-              <a:t>Timed Model</a:t>
+              <a:rPr lang="en-US" dirty="0">
+                <a:solidFill>
+                  <a:srgbClr val="FF0000"/>
+                </a:solidFill>
+              </a:rPr>
+              <a:t>Timed Models</a:t>
             </a:r>
           </a:p>
           <a:p>
             <a:pPr lvl="1"/>
             <a:r>
-              <a:rPr lang="en-US" dirty="0"/>
+              <a:rPr lang="en-US" dirty="0">
+                <a:solidFill>
+                  <a:srgbClr val="FF0000"/>
+                </a:solidFill>
+              </a:rPr>
               <a:t>Like Asynchronous models, but with explicit time information</a:t>
             </a:r>
           </a:p>
           <a:p>
             <a:pPr lvl="1"/>
             <a:r>
-              <a:rPr lang="en-US" dirty="0"/>
+              <a:rPr lang="en-US" dirty="0">
+                <a:solidFill>
+                  <a:srgbClr val="FF0000"/>
+                </a:solidFill>
+              </a:rPr>
               <a:t>Can make use of global time for coordination</a:t>
             </a:r>
           </a:p>
@@ -20098,7 +20796,7 @@
     </p:spTree>
     <p:extLst>
       <p:ext uri="{BB962C8B-B14F-4D97-AF65-F5344CB8AC3E}">
-        <p14:creationId xmlns:p14="http://schemas.microsoft.com/office/powerpoint/2010/main" val="79341691"/>
+        <p14:creationId xmlns:p14="http://schemas.microsoft.com/office/powerpoint/2010/main" val="3722014222"/>
       </p:ext>
     </p:extLst>
   </p:cSld>
@@ -28813,82 +29511,10 @@
       </p:grpSpPr>
       <p:sp>
         <p:nvSpPr>
-          <p:cNvPr id="3" name="Title 2">
+          <p:cNvPr id="4" name="Slide Number Placeholder 3">
             <a:extLst>
               <a:ext uri="{FF2B5EF4-FFF2-40B4-BE49-F238E27FC236}">
-                <a16:creationId xmlns:a16="http://schemas.microsoft.com/office/drawing/2014/main" id="{1434F66F-00EF-439B-BAD2-CBF16A36325F}"/>
-              </a:ext>
-            </a:extLst>
-          </p:cNvPr>
-          <p:cNvSpPr>
-            <a:spLocks noGrp="1"/>
-          </p:cNvSpPr>
-          <p:nvPr>
-            <p:ph type="title"/>
-          </p:nvPr>
-        </p:nvSpPr>
-        <p:spPr/>
-        <p:txBody>
-          <a:bodyPr/>
-          <a:lstStyle/>
-          <a:p>
-            <a:r>
-              <a:rPr lang="en-US" dirty="0"/>
-              <a:t>Models of Computation</a:t>
-            </a:r>
-          </a:p>
-        </p:txBody>
-      </p:sp>
-      <p:sp>
-        <p:nvSpPr>
-          <p:cNvPr id="4" name="TextBox 3">
-            <a:extLst>
-              <a:ext uri="{FF2B5EF4-FFF2-40B4-BE49-F238E27FC236}">
-                <a16:creationId xmlns:a16="http://schemas.microsoft.com/office/drawing/2014/main" id="{9B84B02C-A1AC-4CA0-B349-4E16229135E5}"/>
-              </a:ext>
-            </a:extLst>
-          </p:cNvPr>
-          <p:cNvSpPr txBox="1"/>
-          <p:nvPr/>
-        </p:nvSpPr>
-        <p:spPr>
-          <a:xfrm>
-            <a:off x="7622367" y="5842421"/>
-            <a:ext cx="4433688" cy="954107"/>
-          </a:xfrm>
-          <a:prstGeom prst="rect">
-            <a:avLst/>
-          </a:prstGeom>
-          <a:noFill/>
-        </p:spPr>
-        <p:txBody>
-          <a:bodyPr wrap="square" rtlCol="0">
-            <a:spAutoFit/>
-          </a:bodyPr>
-          <a:lstStyle/>
-          <a:p>
-            <a:r>
-              <a:rPr lang="en-US" sz="1400">
-                <a:solidFill>
-                  <a:schemeClr val="bg1"/>
-                </a:solidFill>
-              </a:rPr>
-              <a:t>[1] Nicolescu, Gabriela; Mosterman, Pieter J., eds. (2010). Model-Based Design for Embedded Systems. Computational Analysis, Synthesis, and Design of Dynamic Systems. 1. Boca Raton: CRC Press.</a:t>
-            </a:r>
-            <a:endParaRPr lang="en-US" sz="1400" dirty="0">
-              <a:solidFill>
-                <a:schemeClr val="bg1"/>
-              </a:solidFill>
-            </a:endParaRPr>
-          </a:p>
-        </p:txBody>
-      </p:sp>
-      <p:sp>
-        <p:nvSpPr>
-          <p:cNvPr id="5" name="Slide Number Placeholder 4">
-            <a:extLst>
-              <a:ext uri="{FF2B5EF4-FFF2-40B4-BE49-F238E27FC236}">
-                <a16:creationId xmlns:a16="http://schemas.microsoft.com/office/drawing/2014/main" id="{6BC6F85E-AFC3-47E8-A245-FA22ACB004B2}"/>
+                <a16:creationId xmlns:a16="http://schemas.microsoft.com/office/drawing/2014/main" id="{B9CF518B-959C-4626-AD99-E108A08B1AD9}"/>
               </a:ext>
             </a:extLst>
           </p:cNvPr>
@@ -28909,20 +29535,20 @@
               <a:pPr/>
               <a:t>3</a:t>
             </a:fld>
-            <a:endParaRPr lang="en-US"/>
+            <a:endParaRPr lang="en-US" dirty="0"/>
           </a:p>
         </p:txBody>
       </p:sp>
       <p:sp>
         <p:nvSpPr>
-          <p:cNvPr id="6" name="Content Placeholder 1">
+          <p:cNvPr id="5" name="Content Placeholder 1">
             <a:extLst>
               <a:ext uri="{FF2B5EF4-FFF2-40B4-BE49-F238E27FC236}">
-                <a16:creationId xmlns:a16="http://schemas.microsoft.com/office/drawing/2014/main" id="{ECA1F746-D8A3-41B7-9B76-587EBE666B38}"/>
+                <a16:creationId xmlns:a16="http://schemas.microsoft.com/office/drawing/2014/main" id="{C8D79018-1335-44E9-A469-6C3DA3B7CC55}"/>
               </a:ext>
             </a:extLst>
           </p:cNvPr>
-          <p:cNvSpPr>
+          <p:cNvSpPr txBox="1">
             <a:spLocks noGrp="1"/>
           </p:cNvSpPr>
           <p:nvPr>
@@ -28931,90 +29557,1393 @@
         </p:nvSpPr>
         <p:spPr>
           <a:xfrm>
-            <a:off x="166681" y="1335505"/>
-            <a:ext cx="11699087" cy="4348536"/>
+            <a:off x="7307804" y="1042075"/>
+            <a:ext cx="4736107" cy="5215849"/>
           </a:xfrm>
+          <a:prstGeom prst="rect">
+            <a:avLst/>
+          </a:prstGeom>
         </p:spPr>
         <p:txBody>
-          <a:bodyPr>
+          <a:bodyPr vert="horz" lIns="91440" tIns="45720" rIns="91440" bIns="45720" rtlCol="0">
             <a:normAutofit/>
           </a:bodyPr>
-          <a:lstStyle/>
+          <a:lstStyle>
+            <a:lvl1pPr marL="457200" marR="0" indent="-457200" algn="l" defTabSz="914400" rtl="0" eaLnBrk="1" fontAlgn="auto" latinLnBrk="0" hangingPunct="1">
+              <a:lnSpc>
+                <a:spcPct val="90000"/>
+              </a:lnSpc>
+              <a:spcBef>
+                <a:spcPts val="1000"/>
+              </a:spcBef>
+              <a:spcAft>
+                <a:spcPts val="0"/>
+              </a:spcAft>
+              <a:buClr>
+                <a:srgbClr val="FF9B9B"/>
+              </a:buClr>
+              <a:buSzPct val="80000"/>
+              <a:buFont typeface="Wingdings 3" panose="05040102010807070707" pitchFamily="18" charset="2"/>
+              <a:buChar char=""/>
+              <a:tabLst/>
+              <a:defRPr lang="en-US" sz="2800" kern="1200" noProof="0">
+                <a:solidFill>
+                  <a:schemeClr val="tx1"/>
+                </a:solidFill>
+                <a:latin typeface="+mn-lt"/>
+                <a:ea typeface="+mn-ea"/>
+                <a:cs typeface="+mn-cs"/>
+              </a:defRPr>
+            </a:lvl1pPr>
+            <a:lvl2pPr marL="685800" marR="0" indent="-274320" algn="l" defTabSz="914400" rtl="0" eaLnBrk="1" fontAlgn="auto" latinLnBrk="0" hangingPunct="1">
+              <a:lnSpc>
+                <a:spcPct val="90000"/>
+              </a:lnSpc>
+              <a:spcBef>
+                <a:spcPts val="500"/>
+              </a:spcBef>
+              <a:spcAft>
+                <a:spcPts val="0"/>
+              </a:spcAft>
+              <a:buClr>
+                <a:srgbClr val="FFA3A3"/>
+              </a:buClr>
+              <a:buSzPct val="75000"/>
+              <a:buFont typeface="Wingdings 3" panose="05040102010807070707" pitchFamily="18" charset="2"/>
+              <a:buChar char=""/>
+              <a:tabLst/>
+              <a:defRPr lang="en-US" sz="2800" kern="1200" noProof="0">
+                <a:solidFill>
+                  <a:schemeClr val="tx1"/>
+                </a:solidFill>
+                <a:latin typeface="+mn-lt"/>
+                <a:ea typeface="+mn-ea"/>
+                <a:cs typeface="+mn-cs"/>
+              </a:defRPr>
+            </a:lvl2pPr>
+            <a:lvl3pPr marL="1143000" marR="0" indent="-228600" algn="l" defTabSz="914400" rtl="0" eaLnBrk="1" fontAlgn="auto" latinLnBrk="0" hangingPunct="1">
+              <a:lnSpc>
+                <a:spcPct val="90000"/>
+              </a:lnSpc>
+              <a:spcBef>
+                <a:spcPts val="500"/>
+              </a:spcBef>
+              <a:spcAft>
+                <a:spcPts val="0"/>
+              </a:spcAft>
+              <a:buClr>
+                <a:srgbClr val="FF9797"/>
+              </a:buClr>
+              <a:buSzPct val="70000"/>
+              <a:buFont typeface="Wingdings 3" panose="05040102010807070707" pitchFamily="18" charset="2"/>
+              <a:buChar char=""/>
+              <a:tabLst/>
+              <a:defRPr lang="en-US" sz="2800" kern="1200" noProof="0">
+                <a:solidFill>
+                  <a:schemeClr val="tx1"/>
+                </a:solidFill>
+                <a:latin typeface="+mn-lt"/>
+                <a:ea typeface="+mn-ea"/>
+                <a:cs typeface="+mn-cs"/>
+              </a:defRPr>
+            </a:lvl3pPr>
+            <a:lvl4pPr marL="1600200" marR="0" indent="-228600" algn="l" defTabSz="914400" rtl="0" eaLnBrk="1" fontAlgn="auto" latinLnBrk="0" hangingPunct="1">
+              <a:lnSpc>
+                <a:spcPct val="90000"/>
+              </a:lnSpc>
+              <a:spcBef>
+                <a:spcPts val="500"/>
+              </a:spcBef>
+              <a:spcAft>
+                <a:spcPts val="0"/>
+              </a:spcAft>
+              <a:buClr>
+                <a:srgbClr val="FF9B9B"/>
+              </a:buClr>
+              <a:buSzPct val="65000"/>
+              <a:buFont typeface="Wingdings 3" panose="05040102010807070707" pitchFamily="18" charset="2"/>
+              <a:buChar char=""/>
+              <a:tabLst/>
+              <a:defRPr lang="en-US" sz="2800" kern="1200" noProof="0">
+                <a:solidFill>
+                  <a:schemeClr val="tx1"/>
+                </a:solidFill>
+                <a:latin typeface="+mn-lt"/>
+                <a:ea typeface="+mn-ea"/>
+                <a:cs typeface="+mn-cs"/>
+              </a:defRPr>
+            </a:lvl4pPr>
+            <a:lvl5pPr marL="2057400" marR="0" indent="-228600" algn="l" defTabSz="914400" rtl="0" eaLnBrk="1" fontAlgn="auto" latinLnBrk="0" hangingPunct="1">
+              <a:lnSpc>
+                <a:spcPct val="90000"/>
+              </a:lnSpc>
+              <a:spcBef>
+                <a:spcPts val="500"/>
+              </a:spcBef>
+              <a:spcAft>
+                <a:spcPts val="0"/>
+              </a:spcAft>
+              <a:buClr>
+                <a:srgbClr val="FF9B9B"/>
+              </a:buClr>
+              <a:buSzPct val="60000"/>
+              <a:buFont typeface="Wingdings 3" panose="05040102010807070707" pitchFamily="18" charset="2"/>
+              <a:buChar char=""/>
+              <a:tabLst/>
+              <a:defRPr lang="en-US" sz="2800" kern="1200" noProof="0">
+                <a:solidFill>
+                  <a:schemeClr val="tx1"/>
+                </a:solidFill>
+                <a:latin typeface="+mn-lt"/>
+                <a:ea typeface="+mn-ea"/>
+                <a:cs typeface="+mn-cs"/>
+              </a:defRPr>
+            </a:lvl5pPr>
+            <a:lvl6pPr marL="2514600" indent="-228600" algn="l" defTabSz="914400" rtl="0" eaLnBrk="1" latinLnBrk="0" hangingPunct="1">
+              <a:lnSpc>
+                <a:spcPct val="90000"/>
+              </a:lnSpc>
+              <a:spcBef>
+                <a:spcPts val="500"/>
+              </a:spcBef>
+              <a:buFont typeface="Arial" panose="020B0604020202020204" pitchFamily="34" charset="0"/>
+              <a:buChar char="•"/>
+              <a:defRPr sz="1800" kern="1200">
+                <a:solidFill>
+                  <a:schemeClr val="tx1"/>
+                </a:solidFill>
+                <a:latin typeface="+mn-lt"/>
+                <a:ea typeface="+mn-ea"/>
+                <a:cs typeface="+mn-cs"/>
+              </a:defRPr>
+            </a:lvl6pPr>
+            <a:lvl7pPr marL="2971800" indent="-228600" algn="l" defTabSz="914400" rtl="0" eaLnBrk="1" latinLnBrk="0" hangingPunct="1">
+              <a:lnSpc>
+                <a:spcPct val="90000"/>
+              </a:lnSpc>
+              <a:spcBef>
+                <a:spcPts val="500"/>
+              </a:spcBef>
+              <a:buFont typeface="Arial" panose="020B0604020202020204" pitchFamily="34" charset="0"/>
+              <a:buChar char="•"/>
+              <a:defRPr sz="1800" kern="1200">
+                <a:solidFill>
+                  <a:schemeClr val="tx1"/>
+                </a:solidFill>
+                <a:latin typeface="+mn-lt"/>
+                <a:ea typeface="+mn-ea"/>
+                <a:cs typeface="+mn-cs"/>
+              </a:defRPr>
+            </a:lvl7pPr>
+            <a:lvl8pPr marL="3429000" indent="-228600" algn="l" defTabSz="914400" rtl="0" eaLnBrk="1" latinLnBrk="0" hangingPunct="1">
+              <a:lnSpc>
+                <a:spcPct val="90000"/>
+              </a:lnSpc>
+              <a:spcBef>
+                <a:spcPts val="500"/>
+              </a:spcBef>
+              <a:buFont typeface="Arial" panose="020B0604020202020204" pitchFamily="34" charset="0"/>
+              <a:buChar char="•"/>
+              <a:defRPr sz="1800" kern="1200">
+                <a:solidFill>
+                  <a:schemeClr val="tx1"/>
+                </a:solidFill>
+                <a:latin typeface="+mn-lt"/>
+                <a:ea typeface="+mn-ea"/>
+                <a:cs typeface="+mn-cs"/>
+              </a:defRPr>
+            </a:lvl8pPr>
+            <a:lvl9pPr marL="3886200" indent="-228600" algn="l" defTabSz="914400" rtl="0" eaLnBrk="1" latinLnBrk="0" hangingPunct="1">
+              <a:lnSpc>
+                <a:spcPct val="90000"/>
+              </a:lnSpc>
+              <a:spcBef>
+                <a:spcPts val="500"/>
+              </a:spcBef>
+              <a:buFont typeface="Arial" panose="020B0604020202020204" pitchFamily="34" charset="0"/>
+              <a:buChar char="•"/>
+              <a:defRPr sz="1800" kern="1200">
+                <a:solidFill>
+                  <a:schemeClr val="tx1"/>
+                </a:solidFill>
+                <a:latin typeface="+mn-lt"/>
+                <a:ea typeface="+mn-ea"/>
+                <a:cs typeface="+mn-cs"/>
+              </a:defRPr>
+            </a:lvl9pPr>
+          </a:lstStyle>
           <a:p>
+            <a:pPr marL="0" indent="0">
+              <a:buNone/>
+            </a:pPr>
             <a:r>
               <a:rPr lang="en-US" dirty="0"/>
-              <a:t>Synchronous Process Models</a:t>
+              <a:t>Like asynchronous ESMs, have input, output channels, state variables</a:t>
             </a:r>
           </a:p>
           <a:p>
             <a:r>
               <a:rPr lang="en-US" dirty="0"/>
-              <a:t>Asynchronous Process Models</a:t>
-            </a:r>
-          </a:p>
-          <a:p>
-            <a:r>
-              <a:rPr lang="en-US" dirty="0">
-                <a:solidFill>
-                  <a:srgbClr val="FF0000"/>
-                </a:solidFill>
-              </a:rPr>
-              <a:t>Timed Models</a:t>
-            </a:r>
-          </a:p>
-          <a:p>
-            <a:pPr lvl="1"/>
-            <a:r>
-              <a:rPr lang="en-US" dirty="0">
-                <a:solidFill>
-                  <a:srgbClr val="FF0000"/>
-                </a:solidFill>
-              </a:rPr>
-              <a:t>Like Asynchronous models, but with explicit time information</a:t>
-            </a:r>
-          </a:p>
-          <a:p>
-            <a:pPr lvl="1"/>
-            <a:r>
-              <a:rPr lang="en-US" dirty="0">
-                <a:solidFill>
-                  <a:srgbClr val="FF0000"/>
-                </a:solidFill>
-              </a:rPr>
-              <a:t>Can make use of global time for coordination</a:t>
+              <a:t>Special type of state variable called “clock” </a:t>
             </a:r>
           </a:p>
           <a:p>
             <a:r>
               <a:rPr lang="en-US" dirty="0"/>
-              <a:t>Continuous-time models/Dynamical system models</a:t>
-            </a:r>
-          </a:p>
-          <a:p>
-            <a:pPr lvl="1"/>
-            <a:r>
-              <a:rPr lang="en-US" dirty="0"/>
-              <a:t>Like Synchronous, but time evolves continuously</a:t>
+              <a:t>Clock variables evolve continuously in time</a:t>
             </a:r>
           </a:p>
           <a:p>
             <a:r>
               <a:rPr lang="en-US" dirty="0"/>
-              <a:t>Hybrid Dynamical Models</a:t>
+              <a:t>ESM can “stay” in a mode with clock increasing monotonically from the start value</a:t>
             </a:r>
-          </a:p>
-          <a:p>
-            <a:pPr marL="0" indent="0">
-              <a:buNone/>
-            </a:pPr>
-            <a:endParaRPr lang="en-US" dirty="0"/>
           </a:p>
         </p:txBody>
       </p:sp>
+      <p:sp>
+        <p:nvSpPr>
+          <p:cNvPr id="6" name="Title 2">
+            <a:extLst>
+              <a:ext uri="{FF2B5EF4-FFF2-40B4-BE49-F238E27FC236}">
+                <a16:creationId xmlns:a16="http://schemas.microsoft.com/office/drawing/2014/main" id="{053EEAFD-D8C1-433D-B3B6-2FC9F9E46E87}"/>
+              </a:ext>
+            </a:extLst>
+          </p:cNvPr>
+          <p:cNvSpPr>
+            <a:spLocks noGrp="1"/>
+          </p:cNvSpPr>
+          <p:nvPr>
+            <p:ph type="title"/>
+          </p:nvPr>
+        </p:nvSpPr>
+        <p:spPr/>
+        <p:txBody>
+          <a:bodyPr/>
+          <a:lstStyle/>
+          <a:p>
+            <a:r>
+              <a:rPr lang="en-US" dirty="0"/>
+              <a:t>Timed ESMs</a:t>
+            </a:r>
+          </a:p>
+        </p:txBody>
+      </p:sp>
+      <p:grpSp>
+        <p:nvGrpSpPr>
+          <p:cNvPr id="7" name="Group 6">
+            <a:extLst>
+              <a:ext uri="{FF2B5EF4-FFF2-40B4-BE49-F238E27FC236}">
+                <a16:creationId xmlns:a16="http://schemas.microsoft.com/office/drawing/2014/main" id="{D3CFBD06-9B2D-448F-8B35-5DD52C30E9E2}"/>
+              </a:ext>
+            </a:extLst>
+          </p:cNvPr>
+          <p:cNvGrpSpPr/>
+          <p:nvPr/>
+        </p:nvGrpSpPr>
+        <p:grpSpPr>
+          <a:xfrm>
+            <a:off x="326232" y="1714470"/>
+            <a:ext cx="6960123" cy="2714303"/>
+            <a:chOff x="218533" y="2084624"/>
+            <a:chExt cx="6960123" cy="2714303"/>
+          </a:xfrm>
+        </p:grpSpPr>
+        <p:sp>
+          <p:nvSpPr>
+            <p:cNvPr id="8" name="Oval 7">
+              <a:extLst>
+                <a:ext uri="{FF2B5EF4-FFF2-40B4-BE49-F238E27FC236}">
+                  <a16:creationId xmlns:a16="http://schemas.microsoft.com/office/drawing/2014/main" id="{A823F517-8E33-4CED-BED3-4301CF1C780E}"/>
+                </a:ext>
+              </a:extLst>
+            </p:cNvPr>
+            <p:cNvSpPr/>
+            <p:nvPr/>
+          </p:nvSpPr>
+          <p:spPr>
+            <a:xfrm>
+              <a:off x="1420201" y="3028057"/>
+              <a:ext cx="826586" cy="624023"/>
+            </a:xfrm>
+            <a:prstGeom prst="ellipse">
+              <a:avLst/>
+            </a:prstGeom>
+            <a:ln w="25400"/>
+          </p:spPr>
+          <p:style>
+            <a:lnRef idx="2">
+              <a:schemeClr val="accent6"/>
+            </a:lnRef>
+            <a:fillRef idx="1">
+              <a:schemeClr val="lt1"/>
+            </a:fillRef>
+            <a:effectRef idx="0">
+              <a:schemeClr val="accent6"/>
+            </a:effectRef>
+            <a:fontRef idx="minor">
+              <a:schemeClr val="dk1"/>
+            </a:fontRef>
+          </p:style>
+          <p:txBody>
+            <a:bodyPr lIns="0" tIns="0" rIns="0" bIns="0" rtlCol="0" anchor="ctr"/>
+            <a:lstStyle/>
+            <a:p>
+              <a:pPr algn="ctr"/>
+              <a:r>
+                <a:rPr lang="en-US" dirty="0"/>
+                <a:t>off</a:t>
+              </a:r>
+              <a:endParaRPr lang="en-US" baseline="-25000" dirty="0"/>
+            </a:p>
+          </p:txBody>
+        </p:sp>
+        <p:sp>
+          <p:nvSpPr>
+            <p:cNvPr id="9" name="Oval 8">
+              <a:extLst>
+                <a:ext uri="{FF2B5EF4-FFF2-40B4-BE49-F238E27FC236}">
+                  <a16:creationId xmlns:a16="http://schemas.microsoft.com/office/drawing/2014/main" id="{DBB7CD3B-4A49-4562-BDD6-99A93846A141}"/>
+                </a:ext>
+              </a:extLst>
+            </p:cNvPr>
+            <p:cNvSpPr/>
+            <p:nvPr/>
+          </p:nvSpPr>
+          <p:spPr>
+            <a:xfrm>
+              <a:off x="3604600" y="3028057"/>
+              <a:ext cx="826586" cy="624023"/>
+            </a:xfrm>
+            <a:prstGeom prst="ellipse">
+              <a:avLst/>
+            </a:prstGeom>
+            <a:ln w="25400"/>
+          </p:spPr>
+          <p:style>
+            <a:lnRef idx="2">
+              <a:schemeClr val="accent6"/>
+            </a:lnRef>
+            <a:fillRef idx="1">
+              <a:schemeClr val="lt1"/>
+            </a:fillRef>
+            <a:effectRef idx="0">
+              <a:schemeClr val="accent6"/>
+            </a:effectRef>
+            <a:fontRef idx="minor">
+              <a:schemeClr val="dk1"/>
+            </a:fontRef>
+          </p:style>
+          <p:txBody>
+            <a:bodyPr lIns="0" tIns="0" rIns="0" bIns="0" rtlCol="0" anchor="ctr"/>
+            <a:lstStyle/>
+            <a:p>
+              <a:pPr algn="ctr"/>
+              <a:r>
+                <a:rPr lang="en-US" dirty="0"/>
+                <a:t>dim</a:t>
+              </a:r>
+              <a:endParaRPr lang="en-US" baseline="-25000" dirty="0"/>
+            </a:p>
+          </p:txBody>
+        </p:sp>
+        <p:sp>
+          <p:nvSpPr>
+            <p:cNvPr id="10" name="Oval 9">
+              <a:extLst>
+                <a:ext uri="{FF2B5EF4-FFF2-40B4-BE49-F238E27FC236}">
+                  <a16:creationId xmlns:a16="http://schemas.microsoft.com/office/drawing/2014/main" id="{06B2EE56-D1AC-419F-9DE7-4A243D5A81E9}"/>
+                </a:ext>
+              </a:extLst>
+            </p:cNvPr>
+            <p:cNvSpPr/>
+            <p:nvPr/>
+          </p:nvSpPr>
+          <p:spPr>
+            <a:xfrm>
+              <a:off x="6140367" y="3028057"/>
+              <a:ext cx="826586" cy="624023"/>
+            </a:xfrm>
+            <a:prstGeom prst="ellipse">
+              <a:avLst/>
+            </a:prstGeom>
+            <a:ln w="25400"/>
+          </p:spPr>
+          <p:style>
+            <a:lnRef idx="2">
+              <a:schemeClr val="accent6"/>
+            </a:lnRef>
+            <a:fillRef idx="1">
+              <a:schemeClr val="lt1"/>
+            </a:fillRef>
+            <a:effectRef idx="0">
+              <a:schemeClr val="accent6"/>
+            </a:effectRef>
+            <a:fontRef idx="minor">
+              <a:schemeClr val="dk1"/>
+            </a:fontRef>
+          </p:style>
+          <p:txBody>
+            <a:bodyPr lIns="0" tIns="0" rIns="0" bIns="0" rtlCol="0" anchor="ctr"/>
+            <a:lstStyle/>
+            <a:p>
+              <a:pPr algn="ctr"/>
+              <a:r>
+                <a:rPr lang="en-US" dirty="0"/>
+                <a:t>bright</a:t>
+              </a:r>
+              <a:endParaRPr lang="en-US" baseline="-25000" dirty="0"/>
+            </a:p>
+          </p:txBody>
+        </p:sp>
+        <p:cxnSp>
+          <p:nvCxnSpPr>
+            <p:cNvPr id="11" name="Straight Arrow Connector 10">
+              <a:extLst>
+                <a:ext uri="{FF2B5EF4-FFF2-40B4-BE49-F238E27FC236}">
+                  <a16:creationId xmlns:a16="http://schemas.microsoft.com/office/drawing/2014/main" id="{3ECCAFCF-44D5-4857-9CDC-00DDC9F4AA8E}"/>
+                </a:ext>
+              </a:extLst>
+            </p:cNvPr>
+            <p:cNvCxnSpPr>
+              <a:stCxn id="8" idx="6"/>
+              <a:endCxn id="9" idx="2"/>
+            </p:cNvCxnSpPr>
+            <p:nvPr/>
+          </p:nvCxnSpPr>
+          <p:spPr>
+            <a:xfrm>
+              <a:off x="2246787" y="3340069"/>
+              <a:ext cx="1357813" cy="0"/>
+            </a:xfrm>
+            <a:prstGeom prst="straightConnector1">
+              <a:avLst/>
+            </a:prstGeom>
+            <a:ln w="25400">
+              <a:solidFill>
+                <a:schemeClr val="accent6"/>
+              </a:solidFill>
+              <a:tailEnd type="triangle" w="lg" len="lg"/>
+            </a:ln>
+          </p:spPr>
+          <p:style>
+            <a:lnRef idx="1">
+              <a:schemeClr val="accent1"/>
+            </a:lnRef>
+            <a:fillRef idx="0">
+              <a:schemeClr val="accent1"/>
+            </a:fillRef>
+            <a:effectRef idx="0">
+              <a:schemeClr val="accent1"/>
+            </a:effectRef>
+            <a:fontRef idx="minor">
+              <a:schemeClr val="tx1"/>
+            </a:fontRef>
+          </p:style>
+        </p:cxnSp>
+        <p:cxnSp>
+          <p:nvCxnSpPr>
+            <p:cNvPr id="12" name="Straight Arrow Connector 11">
+              <a:extLst>
+                <a:ext uri="{FF2B5EF4-FFF2-40B4-BE49-F238E27FC236}">
+                  <a16:creationId xmlns:a16="http://schemas.microsoft.com/office/drawing/2014/main" id="{FF3E9DEA-5C3B-4764-BD5D-C9906631F25B}"/>
+                </a:ext>
+              </a:extLst>
+            </p:cNvPr>
+            <p:cNvCxnSpPr>
+              <a:cxnSpLocks/>
+              <a:stCxn id="9" idx="6"/>
+              <a:endCxn id="10" idx="2"/>
+            </p:cNvCxnSpPr>
+            <p:nvPr/>
+          </p:nvCxnSpPr>
+          <p:spPr>
+            <a:xfrm>
+              <a:off x="4431186" y="3340069"/>
+              <a:ext cx="1709181" cy="0"/>
+            </a:xfrm>
+            <a:prstGeom prst="straightConnector1">
+              <a:avLst/>
+            </a:prstGeom>
+            <a:ln w="25400">
+              <a:solidFill>
+                <a:schemeClr val="accent6"/>
+              </a:solidFill>
+              <a:tailEnd type="triangle" w="lg" len="lg"/>
+            </a:ln>
+          </p:spPr>
+          <p:style>
+            <a:lnRef idx="1">
+              <a:schemeClr val="accent1"/>
+            </a:lnRef>
+            <a:fillRef idx="0">
+              <a:schemeClr val="accent1"/>
+            </a:fillRef>
+            <a:effectRef idx="0">
+              <a:schemeClr val="accent1"/>
+            </a:effectRef>
+            <a:fontRef idx="minor">
+              <a:schemeClr val="tx1"/>
+            </a:fontRef>
+          </p:style>
+        </p:cxnSp>
+        <p:sp>
+          <p:nvSpPr>
+            <p:cNvPr id="13" name="Freeform: Shape 12">
+              <a:extLst>
+                <a:ext uri="{FF2B5EF4-FFF2-40B4-BE49-F238E27FC236}">
+                  <a16:creationId xmlns:a16="http://schemas.microsoft.com/office/drawing/2014/main" id="{3A1A4639-C9ED-43BF-B0B6-45457D2EED2E}"/>
+                </a:ext>
+              </a:extLst>
+            </p:cNvPr>
+            <p:cNvSpPr/>
+            <p:nvPr/>
+          </p:nvSpPr>
+          <p:spPr>
+            <a:xfrm>
+              <a:off x="2081685" y="3601484"/>
+              <a:ext cx="4357535" cy="885991"/>
+            </a:xfrm>
+            <a:custGeom>
+              <a:avLst/>
+              <a:gdLst>
+                <a:gd name="connsiteX0" fmla="*/ 4445000 w 4445000"/>
+                <a:gd name="connsiteY0" fmla="*/ 33867 h 326122"/>
+                <a:gd name="connsiteX1" fmla="*/ 2065867 w 4445000"/>
+                <a:gd name="connsiteY1" fmla="*/ 325967 h 326122"/>
+                <a:gd name="connsiteX2" fmla="*/ 0 w 4445000"/>
+                <a:gd name="connsiteY2" fmla="*/ 0 h 326122"/>
+                <a:gd name="connsiteX0" fmla="*/ 4351866 w 4351866"/>
+                <a:gd name="connsiteY0" fmla="*/ 25400 h 326051"/>
+                <a:gd name="connsiteX1" fmla="*/ 2065867 w 4351866"/>
+                <a:gd name="connsiteY1" fmla="*/ 325967 h 326051"/>
+                <a:gd name="connsiteX2" fmla="*/ 0 w 4351866"/>
+                <a:gd name="connsiteY2" fmla="*/ 0 h 326051"/>
+                <a:gd name="connsiteX0" fmla="*/ 4246033 w 4246033"/>
+                <a:gd name="connsiteY0" fmla="*/ 21167 h 326024"/>
+                <a:gd name="connsiteX1" fmla="*/ 2065867 w 4246033"/>
+                <a:gd name="connsiteY1" fmla="*/ 325967 h 326024"/>
+                <a:gd name="connsiteX2" fmla="*/ 0 w 4246033"/>
+                <a:gd name="connsiteY2" fmla="*/ 0 h 326024"/>
+              </a:gdLst>
+              <a:ahLst/>
+              <a:cxnLst>
+                <a:cxn ang="0">
+                  <a:pos x="connsiteX0" y="connsiteY0"/>
+                </a:cxn>
+                <a:cxn ang="0">
+                  <a:pos x="connsiteX1" y="connsiteY1"/>
+                </a:cxn>
+                <a:cxn ang="0">
+                  <a:pos x="connsiteX2" y="connsiteY2"/>
+                </a:cxn>
+              </a:cxnLst>
+              <a:rect l="l" t="t" r="r" b="b"/>
+              <a:pathLst>
+                <a:path w="4246033" h="326024">
+                  <a:moveTo>
+                    <a:pt x="4246033" y="21167"/>
+                  </a:moveTo>
+                  <a:cubicBezTo>
+                    <a:pt x="3426883" y="170039"/>
+                    <a:pt x="2773539" y="329495"/>
+                    <a:pt x="2065867" y="325967"/>
+                  </a:cubicBezTo>
+                  <a:cubicBezTo>
+                    <a:pt x="1358195" y="322439"/>
+                    <a:pt x="662517" y="160161"/>
+                    <a:pt x="0" y="0"/>
+                  </a:cubicBezTo>
+                </a:path>
+              </a:pathLst>
+            </a:custGeom>
+            <a:ln w="25400">
+              <a:solidFill>
+                <a:schemeClr val="accent6"/>
+              </a:solidFill>
+              <a:tailEnd type="triangle" w="lg" len="lg"/>
+            </a:ln>
+          </p:spPr>
+          <p:style>
+            <a:lnRef idx="1">
+              <a:schemeClr val="accent1"/>
+            </a:lnRef>
+            <a:fillRef idx="0">
+              <a:schemeClr val="accent1"/>
+            </a:fillRef>
+            <a:effectRef idx="0">
+              <a:schemeClr val="accent1"/>
+            </a:effectRef>
+            <a:fontRef idx="minor">
+              <a:schemeClr val="tx1"/>
+            </a:fontRef>
+          </p:style>
+          <p:txBody>
+            <a:bodyPr rtlCol="0" anchor="ctr"/>
+            <a:lstStyle/>
+            <a:p>
+              <a:pPr algn="ctr"/>
+              <a:endParaRPr lang="en-US" dirty="0"/>
+            </a:p>
+          </p:txBody>
+        </p:sp>
+        <p:sp>
+          <p:nvSpPr>
+            <p:cNvPr id="14" name="Freeform: Shape 13">
+              <a:extLst>
+                <a:ext uri="{FF2B5EF4-FFF2-40B4-BE49-F238E27FC236}">
+                  <a16:creationId xmlns:a16="http://schemas.microsoft.com/office/drawing/2014/main" id="{5AFCFD1C-B530-41D3-8C71-4C4BEC463381}"/>
+                </a:ext>
+              </a:extLst>
+            </p:cNvPr>
+            <p:cNvSpPr/>
+            <p:nvPr/>
+          </p:nvSpPr>
+          <p:spPr>
+            <a:xfrm>
+              <a:off x="6797620" y="2824136"/>
+              <a:ext cx="381036" cy="373257"/>
+            </a:xfrm>
+            <a:custGeom>
+              <a:avLst/>
+              <a:gdLst>
+                <a:gd name="connsiteX0" fmla="*/ 135466 w 341178"/>
+                <a:gd name="connsiteY0" fmla="*/ 374093 h 374093"/>
+                <a:gd name="connsiteX1" fmla="*/ 292100 w 341178"/>
+                <a:gd name="connsiteY1" fmla="*/ 327526 h 374093"/>
+                <a:gd name="connsiteX2" fmla="*/ 338666 w 341178"/>
+                <a:gd name="connsiteY2" fmla="*/ 204760 h 374093"/>
+                <a:gd name="connsiteX3" fmla="*/ 317500 w 341178"/>
+                <a:gd name="connsiteY3" fmla="*/ 90460 h 374093"/>
+                <a:gd name="connsiteX4" fmla="*/ 173566 w 341178"/>
+                <a:gd name="connsiteY4" fmla="*/ 1560 h 374093"/>
+                <a:gd name="connsiteX5" fmla="*/ 67733 w 341178"/>
+                <a:gd name="connsiteY5" fmla="*/ 35426 h 374093"/>
+                <a:gd name="connsiteX6" fmla="*/ 21166 w 341178"/>
+                <a:gd name="connsiteY6" fmla="*/ 56593 h 374093"/>
+                <a:gd name="connsiteX7" fmla="*/ 0 w 341178"/>
+                <a:gd name="connsiteY7" fmla="*/ 251326 h 374093"/>
+                <a:gd name="connsiteX0" fmla="*/ 135466 w 341178"/>
+                <a:gd name="connsiteY0" fmla="*/ 373504 h 373504"/>
+                <a:gd name="connsiteX1" fmla="*/ 292100 w 341178"/>
+                <a:gd name="connsiteY1" fmla="*/ 326937 h 373504"/>
+                <a:gd name="connsiteX2" fmla="*/ 338666 w 341178"/>
+                <a:gd name="connsiteY2" fmla="*/ 204171 h 373504"/>
+                <a:gd name="connsiteX3" fmla="*/ 317500 w 341178"/>
+                <a:gd name="connsiteY3" fmla="*/ 89871 h 373504"/>
+                <a:gd name="connsiteX4" fmla="*/ 173566 w 341178"/>
+                <a:gd name="connsiteY4" fmla="*/ 971 h 373504"/>
+                <a:gd name="connsiteX5" fmla="*/ 21166 w 341178"/>
+                <a:gd name="connsiteY5" fmla="*/ 56004 h 373504"/>
+                <a:gd name="connsiteX6" fmla="*/ 0 w 341178"/>
+                <a:gd name="connsiteY6" fmla="*/ 250737 h 373504"/>
+                <a:gd name="connsiteX0" fmla="*/ 135466 w 341178"/>
+                <a:gd name="connsiteY0" fmla="*/ 372533 h 372533"/>
+                <a:gd name="connsiteX1" fmla="*/ 292100 w 341178"/>
+                <a:gd name="connsiteY1" fmla="*/ 325966 h 372533"/>
+                <a:gd name="connsiteX2" fmla="*/ 338666 w 341178"/>
+                <a:gd name="connsiteY2" fmla="*/ 203200 h 372533"/>
+                <a:gd name="connsiteX3" fmla="*/ 317500 w 341178"/>
+                <a:gd name="connsiteY3" fmla="*/ 88900 h 372533"/>
+                <a:gd name="connsiteX4" fmla="*/ 173566 w 341178"/>
+                <a:gd name="connsiteY4" fmla="*/ 0 h 372533"/>
+                <a:gd name="connsiteX5" fmla="*/ 29632 w 341178"/>
+                <a:gd name="connsiteY5" fmla="*/ 88900 h 372533"/>
+                <a:gd name="connsiteX6" fmla="*/ 0 w 341178"/>
+                <a:gd name="connsiteY6" fmla="*/ 249766 h 372533"/>
+                <a:gd name="connsiteX0" fmla="*/ 135466 w 339364"/>
+                <a:gd name="connsiteY0" fmla="*/ 373286 h 373286"/>
+                <a:gd name="connsiteX1" fmla="*/ 292100 w 339364"/>
+                <a:gd name="connsiteY1" fmla="*/ 326719 h 373286"/>
+                <a:gd name="connsiteX2" fmla="*/ 338666 w 339364"/>
+                <a:gd name="connsiteY2" fmla="*/ 203953 h 373286"/>
+                <a:gd name="connsiteX3" fmla="*/ 309033 w 339364"/>
+                <a:gd name="connsiteY3" fmla="*/ 55786 h 373286"/>
+                <a:gd name="connsiteX4" fmla="*/ 173566 w 339364"/>
+                <a:gd name="connsiteY4" fmla="*/ 753 h 373286"/>
+                <a:gd name="connsiteX5" fmla="*/ 29632 w 339364"/>
+                <a:gd name="connsiteY5" fmla="*/ 89653 h 373286"/>
+                <a:gd name="connsiteX6" fmla="*/ 0 w 339364"/>
+                <a:gd name="connsiteY6" fmla="*/ 250519 h 373286"/>
+                <a:gd name="connsiteX0" fmla="*/ 135466 w 347533"/>
+                <a:gd name="connsiteY0" fmla="*/ 373354 h 373354"/>
+                <a:gd name="connsiteX1" fmla="*/ 292100 w 347533"/>
+                <a:gd name="connsiteY1" fmla="*/ 326787 h 373354"/>
+                <a:gd name="connsiteX2" fmla="*/ 347132 w 347533"/>
+                <a:gd name="connsiteY2" fmla="*/ 220954 h 373354"/>
+                <a:gd name="connsiteX3" fmla="*/ 309033 w 347533"/>
+                <a:gd name="connsiteY3" fmla="*/ 55854 h 373354"/>
+                <a:gd name="connsiteX4" fmla="*/ 173566 w 347533"/>
+                <a:gd name="connsiteY4" fmla="*/ 821 h 373354"/>
+                <a:gd name="connsiteX5" fmla="*/ 29632 w 347533"/>
+                <a:gd name="connsiteY5" fmla="*/ 89721 h 373354"/>
+                <a:gd name="connsiteX6" fmla="*/ 0 w 347533"/>
+                <a:gd name="connsiteY6" fmla="*/ 250587 h 373354"/>
+                <a:gd name="connsiteX0" fmla="*/ 135466 w 381139"/>
+                <a:gd name="connsiteY0" fmla="*/ 373257 h 373257"/>
+                <a:gd name="connsiteX1" fmla="*/ 292100 w 381139"/>
+                <a:gd name="connsiteY1" fmla="*/ 326690 h 373257"/>
+                <a:gd name="connsiteX2" fmla="*/ 380999 w 381139"/>
+                <a:gd name="connsiteY2" fmla="*/ 195457 h 373257"/>
+                <a:gd name="connsiteX3" fmla="*/ 309033 w 381139"/>
+                <a:gd name="connsiteY3" fmla="*/ 55757 h 373257"/>
+                <a:gd name="connsiteX4" fmla="*/ 173566 w 381139"/>
+                <a:gd name="connsiteY4" fmla="*/ 724 h 373257"/>
+                <a:gd name="connsiteX5" fmla="*/ 29632 w 381139"/>
+                <a:gd name="connsiteY5" fmla="*/ 89624 h 373257"/>
+                <a:gd name="connsiteX6" fmla="*/ 0 w 381139"/>
+                <a:gd name="connsiteY6" fmla="*/ 250490 h 373257"/>
+                <a:gd name="connsiteX0" fmla="*/ 135466 w 381036"/>
+                <a:gd name="connsiteY0" fmla="*/ 373257 h 373257"/>
+                <a:gd name="connsiteX1" fmla="*/ 300567 w 381036"/>
+                <a:gd name="connsiteY1" fmla="*/ 313990 h 373257"/>
+                <a:gd name="connsiteX2" fmla="*/ 380999 w 381036"/>
+                <a:gd name="connsiteY2" fmla="*/ 195457 h 373257"/>
+                <a:gd name="connsiteX3" fmla="*/ 309033 w 381036"/>
+                <a:gd name="connsiteY3" fmla="*/ 55757 h 373257"/>
+                <a:gd name="connsiteX4" fmla="*/ 173566 w 381036"/>
+                <a:gd name="connsiteY4" fmla="*/ 724 h 373257"/>
+                <a:gd name="connsiteX5" fmla="*/ 29632 w 381036"/>
+                <a:gd name="connsiteY5" fmla="*/ 89624 h 373257"/>
+                <a:gd name="connsiteX6" fmla="*/ 0 w 381036"/>
+                <a:gd name="connsiteY6" fmla="*/ 250490 h 373257"/>
+              </a:gdLst>
+              <a:ahLst/>
+              <a:cxnLst>
+                <a:cxn ang="0">
+                  <a:pos x="connsiteX0" y="connsiteY0"/>
+                </a:cxn>
+                <a:cxn ang="0">
+                  <a:pos x="connsiteX1" y="connsiteY1"/>
+                </a:cxn>
+                <a:cxn ang="0">
+                  <a:pos x="connsiteX2" y="connsiteY2"/>
+                </a:cxn>
+                <a:cxn ang="0">
+                  <a:pos x="connsiteX3" y="connsiteY3"/>
+                </a:cxn>
+                <a:cxn ang="0">
+                  <a:pos x="connsiteX4" y="connsiteY4"/>
+                </a:cxn>
+                <a:cxn ang="0">
+                  <a:pos x="connsiteX5" y="connsiteY5"/>
+                </a:cxn>
+                <a:cxn ang="0">
+                  <a:pos x="connsiteX6" y="connsiteY6"/>
+                </a:cxn>
+              </a:cxnLst>
+              <a:rect l="l" t="t" r="r" b="b"/>
+              <a:pathLst>
+                <a:path w="381036" h="373257">
+                  <a:moveTo>
+                    <a:pt x="135466" y="373257"/>
+                  </a:moveTo>
+                  <a:cubicBezTo>
+                    <a:pt x="196849" y="364084"/>
+                    <a:pt x="259645" y="343623"/>
+                    <a:pt x="300567" y="313990"/>
+                  </a:cubicBezTo>
+                  <a:cubicBezTo>
+                    <a:pt x="341489" y="284357"/>
+                    <a:pt x="379588" y="238496"/>
+                    <a:pt x="380999" y="195457"/>
+                  </a:cubicBezTo>
+                  <a:cubicBezTo>
+                    <a:pt x="382410" y="152418"/>
+                    <a:pt x="343605" y="88212"/>
+                    <a:pt x="309033" y="55757"/>
+                  </a:cubicBezTo>
+                  <a:cubicBezTo>
+                    <a:pt x="274461" y="23302"/>
+                    <a:pt x="220133" y="-4920"/>
+                    <a:pt x="173566" y="724"/>
+                  </a:cubicBezTo>
+                  <a:cubicBezTo>
+                    <a:pt x="126999" y="6368"/>
+                    <a:pt x="58560" y="47996"/>
+                    <a:pt x="29632" y="89624"/>
+                  </a:cubicBezTo>
+                  <a:cubicBezTo>
+                    <a:pt x="18343" y="125607"/>
+                    <a:pt x="4938" y="171115"/>
+                    <a:pt x="0" y="250490"/>
+                  </a:cubicBezTo>
+                </a:path>
+              </a:pathLst>
+            </a:custGeom>
+            <a:ln w="25400">
+              <a:solidFill>
+                <a:schemeClr val="accent6"/>
+              </a:solidFill>
+              <a:tailEnd type="triangle" w="lg" len="lg"/>
+            </a:ln>
+          </p:spPr>
+          <p:style>
+            <a:lnRef idx="1">
+              <a:schemeClr val="accent1"/>
+            </a:lnRef>
+            <a:fillRef idx="0">
+              <a:schemeClr val="accent1"/>
+            </a:fillRef>
+            <a:effectRef idx="0">
+              <a:schemeClr val="accent1"/>
+            </a:effectRef>
+            <a:fontRef idx="minor">
+              <a:schemeClr val="tx1"/>
+            </a:fontRef>
+          </p:style>
+          <p:txBody>
+            <a:bodyPr rot="0" spcFirstLastPara="0" vertOverflow="overflow" horzOverflow="overflow" vert="horz" wrap="square" lIns="91440" tIns="45720" rIns="91440" bIns="45720" numCol="1" spcCol="0" rtlCol="0" fromWordArt="0" anchor="ctr" anchorCtr="0" forceAA="0" compatLnSpc="1">
+              <a:prstTxWarp prst="textNoShape">
+                <a:avLst/>
+              </a:prstTxWarp>
+              <a:noAutofit/>
+            </a:bodyPr>
+            <a:lstStyle/>
+            <a:p>
+              <a:pPr algn="ctr"/>
+              <a:endParaRPr lang="en-US">
+                <a:solidFill>
+                  <a:schemeClr val="tx1"/>
+                </a:solidFill>
+              </a:endParaRPr>
+            </a:p>
+          </p:txBody>
+        </p:sp>
+        <mc:AlternateContent xmlns:mc="http://schemas.openxmlformats.org/markup-compatibility/2006" xmlns:a14="http://schemas.microsoft.com/office/drawing/2010/main">
+          <mc:Choice Requires="a14">
+            <p:sp>
+              <p:nvSpPr>
+                <p:cNvPr id="15" name="TextBox 14">
+                  <a:extLst>
+                    <a:ext uri="{FF2B5EF4-FFF2-40B4-BE49-F238E27FC236}">
+                      <a16:creationId xmlns:a16="http://schemas.microsoft.com/office/drawing/2014/main" id="{B24ADF4F-A6F6-4D72-BC9C-67F1E62A4F69}"/>
+                    </a:ext>
+                  </a:extLst>
+                </p:cNvPr>
+                <p:cNvSpPr txBox="1"/>
+                <p:nvPr/>
+              </p:nvSpPr>
+              <p:spPr>
+                <a:xfrm>
+                  <a:off x="2336776" y="3311403"/>
+                  <a:ext cx="1324914" cy="584775"/>
+                </a:xfrm>
+                <a:prstGeom prst="rect">
+                  <a:avLst/>
+                </a:prstGeom>
+                <a:noFill/>
+              </p:spPr>
+              <p:txBody>
+                <a:bodyPr wrap="none" rtlCol="0">
+                  <a:spAutoFit/>
+                </a:bodyPr>
+                <a:lstStyle/>
+                <a:p>
+                  <a:r>
+                    <a:rPr lang="en-US" sz="1600" dirty="0"/>
+                    <a:t>(press==1)?</a:t>
+                  </a:r>
+                  <a14:m>
+                    <m:oMath xmlns:m="http://schemas.openxmlformats.org/officeDocument/2006/math">
+                      <m:r>
+                        <a:rPr lang="en-US" sz="1600" b="0" i="1" smtClean="0">
+                          <a:latin typeface="Cambria Math" panose="02040503050406030204" pitchFamily="18" charset="0"/>
+                        </a:rPr>
+                        <m:t>→</m:t>
+                      </m:r>
+                    </m:oMath>
+                  </a14:m>
+                  <a:endParaRPr lang="en-US" sz="1600" dirty="0"/>
+                </a:p>
+                <a:p>
+                  <a:r>
+                    <a:rPr lang="en-US" sz="1600" dirty="0"/>
+                    <a:t> c:=0</a:t>
+                  </a:r>
+                </a:p>
+              </p:txBody>
+            </p:sp>
+          </mc:Choice>
+          <mc:Fallback xmlns="">
+            <p:sp>
+              <p:nvSpPr>
+                <p:cNvPr id="13" name="TextBox 12">
+                  <a:extLst>
+                    <a:ext uri="{FF2B5EF4-FFF2-40B4-BE49-F238E27FC236}">
+                      <a16:creationId xmlns:a16="http://schemas.microsoft.com/office/drawing/2014/main" id="{B4911D0E-9194-4438-A253-DCA01D6D9420}"/>
+                    </a:ext>
+                  </a:extLst>
+                </p:cNvPr>
+                <p:cNvSpPr txBox="1">
+                  <a:spLocks noRot="1" noChangeAspect="1" noMove="1" noResize="1" noEditPoints="1" noAdjustHandles="1" noChangeArrowheads="1" noChangeShapeType="1" noTextEdit="1"/>
+                </p:cNvSpPr>
+                <p:nvPr/>
+              </p:nvSpPr>
+              <p:spPr>
+                <a:xfrm>
+                  <a:off x="2336776" y="3311403"/>
+                  <a:ext cx="1324914" cy="584775"/>
+                </a:xfrm>
+                <a:prstGeom prst="rect">
+                  <a:avLst/>
+                </a:prstGeom>
+                <a:blipFill>
+                  <a:blip r:embed="rId4"/>
+                  <a:stretch>
+                    <a:fillRect l="-2294" t="-3125" b="-12500"/>
+                  </a:stretch>
+                </a:blipFill>
+              </p:spPr>
+              <p:txBody>
+                <a:bodyPr/>
+                <a:lstStyle/>
+                <a:p>
+                  <a:r>
+                    <a:rPr lang="en-US">
+                      <a:noFill/>
+                    </a:rPr>
+                    <a:t> </a:t>
+                  </a:r>
+                </a:p>
+              </p:txBody>
+            </p:sp>
+          </mc:Fallback>
+        </mc:AlternateContent>
+        <p:sp>
+          <p:nvSpPr>
+            <p:cNvPr id="16" name="TextBox 15">
+              <a:extLst>
+                <a:ext uri="{FF2B5EF4-FFF2-40B4-BE49-F238E27FC236}">
+                  <a16:creationId xmlns:a16="http://schemas.microsoft.com/office/drawing/2014/main" id="{1BD27D04-24B0-436E-8C32-7A6018C4D585}"/>
+                </a:ext>
+              </a:extLst>
+            </p:cNvPr>
+            <p:cNvSpPr txBox="1"/>
+            <p:nvPr/>
+          </p:nvSpPr>
+          <p:spPr>
+            <a:xfrm>
+              <a:off x="3644938" y="4460373"/>
+              <a:ext cx="1153393" cy="338554"/>
+            </a:xfrm>
+            <a:prstGeom prst="rect">
+              <a:avLst/>
+            </a:prstGeom>
+            <a:noFill/>
+          </p:spPr>
+          <p:txBody>
+            <a:bodyPr wrap="none" rtlCol="0">
+              <a:spAutoFit/>
+            </a:bodyPr>
+            <a:lstStyle/>
+            <a:p>
+              <a:r>
+                <a:rPr lang="en-US" sz="1600" dirty="0"/>
+                <a:t>(press==1)?</a:t>
+              </a:r>
+            </a:p>
+          </p:txBody>
+        </p:sp>
+        <p:cxnSp>
+          <p:nvCxnSpPr>
+            <p:cNvPr id="17" name="Straight Arrow Connector 16">
+              <a:extLst>
+                <a:ext uri="{FF2B5EF4-FFF2-40B4-BE49-F238E27FC236}">
+                  <a16:creationId xmlns:a16="http://schemas.microsoft.com/office/drawing/2014/main" id="{5932C973-5CF2-4FBF-9EF3-6DC25D618A7E}"/>
+                </a:ext>
+              </a:extLst>
+            </p:cNvPr>
+            <p:cNvCxnSpPr>
+              <a:cxnSpLocks/>
+              <a:endCxn id="8" idx="2"/>
+            </p:cNvCxnSpPr>
+            <p:nvPr/>
+          </p:nvCxnSpPr>
+          <p:spPr>
+            <a:xfrm>
+              <a:off x="589102" y="3340069"/>
+              <a:ext cx="831099" cy="0"/>
+            </a:xfrm>
+            <a:prstGeom prst="straightConnector1">
+              <a:avLst/>
+            </a:prstGeom>
+            <a:ln w="25400">
+              <a:solidFill>
+                <a:schemeClr val="accent6"/>
+              </a:solidFill>
+              <a:tailEnd type="triangle" w="lg" len="lg"/>
+            </a:ln>
+          </p:spPr>
+          <p:style>
+            <a:lnRef idx="1">
+              <a:schemeClr val="accent1"/>
+            </a:lnRef>
+            <a:fillRef idx="0">
+              <a:schemeClr val="accent1"/>
+            </a:fillRef>
+            <a:effectRef idx="0">
+              <a:schemeClr val="accent1"/>
+            </a:effectRef>
+            <a:fontRef idx="minor">
+              <a:schemeClr val="tx1"/>
+            </a:fontRef>
+          </p:style>
+        </p:cxnSp>
+        <p:sp>
+          <p:nvSpPr>
+            <p:cNvPr id="18" name="TextBox 17">
+              <a:extLst>
+                <a:ext uri="{FF2B5EF4-FFF2-40B4-BE49-F238E27FC236}">
+                  <a16:creationId xmlns:a16="http://schemas.microsoft.com/office/drawing/2014/main" id="{FF6F7BB9-25C4-4A90-AC21-43A582B8AF6A}"/>
+                </a:ext>
+              </a:extLst>
+            </p:cNvPr>
+            <p:cNvSpPr txBox="1"/>
+            <p:nvPr/>
+          </p:nvSpPr>
+          <p:spPr>
+            <a:xfrm>
+              <a:off x="218533" y="2928958"/>
+              <a:ext cx="1000595" cy="338554"/>
+            </a:xfrm>
+            <a:prstGeom prst="rect">
+              <a:avLst/>
+            </a:prstGeom>
+            <a:noFill/>
+          </p:spPr>
+          <p:txBody>
+            <a:bodyPr wrap="none" rtlCol="0">
+              <a:spAutoFit/>
+            </a:bodyPr>
+            <a:lstStyle/>
+            <a:p>
+              <a:r>
+                <a:rPr lang="en-US" sz="1600" dirty="0"/>
+                <a:t>clock c:=0</a:t>
+              </a:r>
+            </a:p>
+          </p:txBody>
+        </p:sp>
+        <p:sp>
+          <p:nvSpPr>
+            <p:cNvPr id="19" name="Freeform: Shape 18">
+              <a:extLst>
+                <a:ext uri="{FF2B5EF4-FFF2-40B4-BE49-F238E27FC236}">
+                  <a16:creationId xmlns:a16="http://schemas.microsoft.com/office/drawing/2014/main" id="{768063C6-EF21-45A6-87AC-B9A613FF3380}"/>
+                </a:ext>
+              </a:extLst>
+            </p:cNvPr>
+            <p:cNvSpPr/>
+            <p:nvPr/>
+          </p:nvSpPr>
+          <p:spPr>
+            <a:xfrm>
+              <a:off x="1821116" y="2474254"/>
+              <a:ext cx="2120793" cy="573427"/>
+            </a:xfrm>
+            <a:custGeom>
+              <a:avLst/>
+              <a:gdLst>
+                <a:gd name="connsiteX0" fmla="*/ 2013217 w 2013217"/>
+                <a:gd name="connsiteY0" fmla="*/ 522518 h 522518"/>
+                <a:gd name="connsiteX1" fmla="*/ 1114185 w 2013217"/>
+                <a:gd name="connsiteY1" fmla="*/ 4 h 522518"/>
+                <a:gd name="connsiteX2" fmla="*/ 0 w 2013217"/>
+                <a:gd name="connsiteY2" fmla="*/ 514834 h 522518"/>
+              </a:gdLst>
+              <a:ahLst/>
+              <a:cxnLst>
+                <a:cxn ang="0">
+                  <a:pos x="connsiteX0" y="connsiteY0"/>
+                </a:cxn>
+                <a:cxn ang="0">
+                  <a:pos x="connsiteX1" y="connsiteY1"/>
+                </a:cxn>
+                <a:cxn ang="0">
+                  <a:pos x="connsiteX2" y="connsiteY2"/>
+                </a:cxn>
+              </a:cxnLst>
+              <a:rect l="l" t="t" r="r" b="b"/>
+              <a:pathLst>
+                <a:path w="2013217" h="522518">
+                  <a:moveTo>
+                    <a:pt x="2013217" y="522518"/>
+                  </a:moveTo>
+                  <a:cubicBezTo>
+                    <a:pt x="1731469" y="261901"/>
+                    <a:pt x="1449721" y="1285"/>
+                    <a:pt x="1114185" y="4"/>
+                  </a:cubicBezTo>
+                  <a:cubicBezTo>
+                    <a:pt x="778649" y="-1277"/>
+                    <a:pt x="389324" y="256778"/>
+                    <a:pt x="0" y="514834"/>
+                  </a:cubicBezTo>
+                </a:path>
+              </a:pathLst>
+            </a:custGeom>
+            <a:ln w="25400">
+              <a:solidFill>
+                <a:schemeClr val="accent6"/>
+              </a:solidFill>
+              <a:tailEnd type="triangle" w="lg" len="lg"/>
+            </a:ln>
+          </p:spPr>
+          <p:style>
+            <a:lnRef idx="1">
+              <a:schemeClr val="accent1"/>
+            </a:lnRef>
+            <a:fillRef idx="0">
+              <a:schemeClr val="accent1"/>
+            </a:fillRef>
+            <a:effectRef idx="0">
+              <a:schemeClr val="accent1"/>
+            </a:effectRef>
+            <a:fontRef idx="minor">
+              <a:schemeClr val="tx1"/>
+            </a:fontRef>
+          </p:style>
+          <p:txBody>
+            <a:bodyPr rtlCol="0" anchor="ctr"/>
+            <a:lstStyle/>
+            <a:p>
+              <a:pPr algn="ctr"/>
+              <a:endParaRPr lang="en-US">
+                <a:solidFill>
+                  <a:schemeClr val="tx1"/>
+                </a:solidFill>
+              </a:endParaRPr>
+            </a:p>
+          </p:txBody>
+        </p:sp>
+        <mc:AlternateContent xmlns:mc="http://schemas.openxmlformats.org/markup-compatibility/2006" xmlns:a14="http://schemas.microsoft.com/office/drawing/2010/main">
+          <mc:Choice Requires="a14">
+            <p:sp>
+              <p:nvSpPr>
+                <p:cNvPr id="20" name="TextBox 19">
+                  <a:extLst>
+                    <a:ext uri="{FF2B5EF4-FFF2-40B4-BE49-F238E27FC236}">
+                      <a16:creationId xmlns:a16="http://schemas.microsoft.com/office/drawing/2014/main" id="{D68B06B2-4E00-421A-91B7-66154E0F5752}"/>
+                    </a:ext>
+                  </a:extLst>
+                </p:cNvPr>
+                <p:cNvSpPr txBox="1"/>
+                <p:nvPr/>
+              </p:nvSpPr>
+              <p:spPr>
+                <a:xfrm>
+                  <a:off x="1962574" y="2084624"/>
+                  <a:ext cx="1837875" cy="338554"/>
+                </a:xfrm>
+                <a:prstGeom prst="rect">
+                  <a:avLst/>
+                </a:prstGeom>
+                <a:noFill/>
+              </p:spPr>
+              <p:txBody>
+                <a:bodyPr wrap="none" rtlCol="0">
+                  <a:spAutoFit/>
+                </a:bodyPr>
+                <a:lstStyle/>
+                <a:p>
+                  <a:r>
+                    <a:rPr lang="en-US" sz="1600" dirty="0"/>
+                    <a:t>(press==1)? </a:t>
+                  </a:r>
+                  <a14:m>
+                    <m:oMath xmlns:m="http://schemas.openxmlformats.org/officeDocument/2006/math">
+                      <m:r>
+                        <a:rPr lang="en-US" sz="1600" b="0" i="1" smtClean="0">
+                          <a:latin typeface="Cambria Math" panose="02040503050406030204" pitchFamily="18" charset="0"/>
+                        </a:rPr>
+                        <m:t>∧</m:t>
+                      </m:r>
+                    </m:oMath>
+                  </a14:m>
+                  <a:r>
+                    <a:rPr lang="en-US" sz="1600" dirty="0"/>
+                    <a:t> (c</a:t>
+                  </a:r>
+                  <a14:m>
+                    <m:oMath xmlns:m="http://schemas.openxmlformats.org/officeDocument/2006/math">
+                      <m:r>
+                        <a:rPr lang="en-US" sz="1600" b="0" i="1" smtClean="0">
+                          <a:latin typeface="Cambria Math" panose="02040503050406030204" pitchFamily="18" charset="0"/>
+                        </a:rPr>
+                        <m:t>≥</m:t>
+                      </m:r>
+                    </m:oMath>
+                  </a14:m>
+                  <a:r>
+                    <a:rPr lang="en-US" sz="1600" dirty="0"/>
+                    <a:t>1)</a:t>
+                  </a:r>
+                </a:p>
+              </p:txBody>
+            </p:sp>
+          </mc:Choice>
+          <mc:Fallback xmlns="">
+            <p:sp>
+              <p:nvSpPr>
+                <p:cNvPr id="18" name="TextBox 17">
+                  <a:extLst>
+                    <a:ext uri="{FF2B5EF4-FFF2-40B4-BE49-F238E27FC236}">
+                      <a16:creationId xmlns:a16="http://schemas.microsoft.com/office/drawing/2014/main" id="{DDD3D0B0-884E-4120-87AD-11584B5A5B56}"/>
+                    </a:ext>
+                  </a:extLst>
+                </p:cNvPr>
+                <p:cNvSpPr txBox="1">
+                  <a:spLocks noRot="1" noChangeAspect="1" noMove="1" noResize="1" noEditPoints="1" noAdjustHandles="1" noChangeArrowheads="1" noChangeShapeType="1" noTextEdit="1"/>
+                </p:cNvSpPr>
+                <p:nvPr/>
+              </p:nvSpPr>
+              <p:spPr>
+                <a:xfrm>
+                  <a:off x="1962574" y="2084624"/>
+                  <a:ext cx="1837875" cy="338554"/>
+                </a:xfrm>
+                <a:prstGeom prst="rect">
+                  <a:avLst/>
+                </a:prstGeom>
+                <a:blipFill>
+                  <a:blip r:embed="rId5"/>
+                  <a:stretch>
+                    <a:fillRect l="-1993" t="-5357" r="-664" b="-21429"/>
+                  </a:stretch>
+                </a:blipFill>
+              </p:spPr>
+              <p:txBody>
+                <a:bodyPr/>
+                <a:lstStyle/>
+                <a:p>
+                  <a:r>
+                    <a:rPr lang="en-US">
+                      <a:noFill/>
+                    </a:rPr>
+                    <a:t> </a:t>
+                  </a:r>
+                </a:p>
+              </p:txBody>
+            </p:sp>
+          </mc:Fallback>
+        </mc:AlternateContent>
+        <mc:AlternateContent xmlns:mc="http://schemas.openxmlformats.org/markup-compatibility/2006" xmlns:a14="http://schemas.microsoft.com/office/drawing/2010/main">
+          <mc:Choice Requires="a14">
+            <p:sp>
+              <p:nvSpPr>
+                <p:cNvPr id="21" name="TextBox 20">
+                  <a:extLst>
+                    <a:ext uri="{FF2B5EF4-FFF2-40B4-BE49-F238E27FC236}">
+                      <a16:creationId xmlns:a16="http://schemas.microsoft.com/office/drawing/2014/main" id="{36FB8762-5F33-4B73-98C3-3FE2A0E36A6E}"/>
+                    </a:ext>
+                  </a:extLst>
+                </p:cNvPr>
+                <p:cNvSpPr txBox="1"/>
+                <p:nvPr/>
+              </p:nvSpPr>
+              <p:spPr>
+                <a:xfrm>
+                  <a:off x="4414591" y="2934966"/>
+                  <a:ext cx="1837875" cy="338554"/>
+                </a:xfrm>
+                <a:prstGeom prst="rect">
+                  <a:avLst/>
+                </a:prstGeom>
+                <a:noFill/>
+              </p:spPr>
+              <p:txBody>
+                <a:bodyPr wrap="none" rtlCol="0">
+                  <a:spAutoFit/>
+                </a:bodyPr>
+                <a:lstStyle/>
+                <a:p>
+                  <a:r>
+                    <a:rPr lang="en-US" sz="1600" dirty="0"/>
+                    <a:t>(press==1)? </a:t>
+                  </a:r>
+                  <a14:m>
+                    <m:oMath xmlns:m="http://schemas.openxmlformats.org/officeDocument/2006/math">
+                      <m:r>
+                        <a:rPr lang="en-US" sz="1600" b="0" i="1" smtClean="0">
+                          <a:latin typeface="Cambria Math" panose="02040503050406030204" pitchFamily="18" charset="0"/>
+                        </a:rPr>
+                        <m:t>∧</m:t>
+                      </m:r>
+                    </m:oMath>
+                  </a14:m>
+                  <a:r>
+                    <a:rPr lang="en-US" sz="1600" dirty="0"/>
+                    <a:t> (c</a:t>
+                  </a:r>
+                  <a14:m>
+                    <m:oMath xmlns:m="http://schemas.openxmlformats.org/officeDocument/2006/math">
+                      <m:r>
+                        <a:rPr lang="en-US" sz="1600" b="0" i="1" smtClean="0">
+                          <a:latin typeface="Cambria Math" panose="02040503050406030204" pitchFamily="18" charset="0"/>
+                        </a:rPr>
+                        <m:t>≤</m:t>
+                      </m:r>
+                    </m:oMath>
+                  </a14:m>
+                  <a:r>
+                    <a:rPr lang="en-US" sz="1600" dirty="0"/>
+                    <a:t>1)</a:t>
+                  </a:r>
+                </a:p>
+              </p:txBody>
+            </p:sp>
+          </mc:Choice>
+          <mc:Fallback xmlns="">
+            <p:sp>
+              <p:nvSpPr>
+                <p:cNvPr id="19" name="TextBox 18">
+                  <a:extLst>
+                    <a:ext uri="{FF2B5EF4-FFF2-40B4-BE49-F238E27FC236}">
+                      <a16:creationId xmlns:a16="http://schemas.microsoft.com/office/drawing/2014/main" id="{7F1883DD-E135-49A9-BEB4-E89A818F0611}"/>
+                    </a:ext>
+                  </a:extLst>
+                </p:cNvPr>
+                <p:cNvSpPr txBox="1">
+                  <a:spLocks noRot="1" noChangeAspect="1" noMove="1" noResize="1" noEditPoints="1" noAdjustHandles="1" noChangeArrowheads="1" noChangeShapeType="1" noTextEdit="1"/>
+                </p:cNvSpPr>
+                <p:nvPr/>
+              </p:nvSpPr>
+              <p:spPr>
+                <a:xfrm>
+                  <a:off x="4414591" y="2934966"/>
+                  <a:ext cx="1837875" cy="338554"/>
+                </a:xfrm>
+                <a:prstGeom prst="rect">
+                  <a:avLst/>
+                </a:prstGeom>
+                <a:blipFill>
+                  <a:blip r:embed="rId6"/>
+                  <a:stretch>
+                    <a:fillRect l="-1656" t="-5455" r="-662" b="-23636"/>
+                  </a:stretch>
+                </a:blipFill>
+              </p:spPr>
+              <p:txBody>
+                <a:bodyPr/>
+                <a:lstStyle/>
+                <a:p>
+                  <a:r>
+                    <a:rPr lang="en-US">
+                      <a:noFill/>
+                    </a:rPr>
+                    <a:t> </a:t>
+                  </a:r>
+                </a:p>
+              </p:txBody>
+            </p:sp>
+          </mc:Fallback>
+        </mc:AlternateContent>
+      </p:grpSp>
     </p:spTree>
     <p:extLst>
       <p:ext uri="{BB962C8B-B14F-4D97-AF65-F5344CB8AC3E}">
-        <p14:creationId xmlns:p14="http://schemas.microsoft.com/office/powerpoint/2010/main" val="3722014222"/>
+        <p14:creationId xmlns:p14="http://schemas.microsoft.com/office/powerpoint/2010/main" val="840328071"/>
       </p:ext>
     </p:extLst>
   </p:cSld>
@@ -31016,1467 +32945,6 @@
       </p:grpSpPr>
       <p:sp>
         <p:nvSpPr>
-          <p:cNvPr id="4" name="Slide Number Placeholder 3">
-            <a:extLst>
-              <a:ext uri="{FF2B5EF4-FFF2-40B4-BE49-F238E27FC236}">
-                <a16:creationId xmlns:a16="http://schemas.microsoft.com/office/drawing/2014/main" id="{B9CF518B-959C-4626-AD99-E108A08B1AD9}"/>
-              </a:ext>
-            </a:extLst>
-          </p:cNvPr>
-          <p:cNvSpPr>
-            <a:spLocks noGrp="1"/>
-          </p:cNvSpPr>
-          <p:nvPr>
-            <p:ph type="sldNum" sz="quarter" idx="12"/>
-          </p:nvPr>
-        </p:nvSpPr>
-        <p:spPr/>
-        <p:txBody>
-          <a:bodyPr/>
-          <a:lstStyle/>
-          <a:p>
-            <a:fld id="{29AAD378-655A-49C6-813C-9FD132EF7440}" type="slidenum">
-              <a:rPr lang="en-US" smtClean="0"/>
-              <a:pPr/>
-              <a:t>4</a:t>
-            </a:fld>
-            <a:endParaRPr lang="en-US" dirty="0"/>
-          </a:p>
-        </p:txBody>
-      </p:sp>
-      <p:sp>
-        <p:nvSpPr>
-          <p:cNvPr id="5" name="Content Placeholder 1">
-            <a:extLst>
-              <a:ext uri="{FF2B5EF4-FFF2-40B4-BE49-F238E27FC236}">
-                <a16:creationId xmlns:a16="http://schemas.microsoft.com/office/drawing/2014/main" id="{C8D79018-1335-44E9-A469-6C3DA3B7CC55}"/>
-              </a:ext>
-            </a:extLst>
-          </p:cNvPr>
-          <p:cNvSpPr txBox="1">
-            <a:spLocks noGrp="1"/>
-          </p:cNvSpPr>
-          <p:nvPr>
-            <p:ph idx="1"/>
-          </p:nvPr>
-        </p:nvSpPr>
-        <p:spPr>
-          <a:xfrm>
-            <a:off x="7307804" y="1042075"/>
-            <a:ext cx="4736107" cy="5215849"/>
-          </a:xfrm>
-          <a:prstGeom prst="rect">
-            <a:avLst/>
-          </a:prstGeom>
-        </p:spPr>
-        <p:txBody>
-          <a:bodyPr vert="horz" lIns="91440" tIns="45720" rIns="91440" bIns="45720" rtlCol="0">
-            <a:normAutofit/>
-          </a:bodyPr>
-          <a:lstStyle>
-            <a:lvl1pPr marL="457200" marR="0" indent="-457200" algn="l" defTabSz="914400" rtl="0" eaLnBrk="1" fontAlgn="auto" latinLnBrk="0" hangingPunct="1">
-              <a:lnSpc>
-                <a:spcPct val="90000"/>
-              </a:lnSpc>
-              <a:spcBef>
-                <a:spcPts val="1000"/>
-              </a:spcBef>
-              <a:spcAft>
-                <a:spcPts val="0"/>
-              </a:spcAft>
-              <a:buClr>
-                <a:srgbClr val="FF9B9B"/>
-              </a:buClr>
-              <a:buSzPct val="80000"/>
-              <a:buFont typeface="Wingdings 3" panose="05040102010807070707" pitchFamily="18" charset="2"/>
-              <a:buChar char=""/>
-              <a:tabLst/>
-              <a:defRPr lang="en-US" sz="2800" kern="1200" noProof="0">
-                <a:solidFill>
-                  <a:schemeClr val="tx1"/>
-                </a:solidFill>
-                <a:latin typeface="+mn-lt"/>
-                <a:ea typeface="+mn-ea"/>
-                <a:cs typeface="+mn-cs"/>
-              </a:defRPr>
-            </a:lvl1pPr>
-            <a:lvl2pPr marL="685800" marR="0" indent="-274320" algn="l" defTabSz="914400" rtl="0" eaLnBrk="1" fontAlgn="auto" latinLnBrk="0" hangingPunct="1">
-              <a:lnSpc>
-                <a:spcPct val="90000"/>
-              </a:lnSpc>
-              <a:spcBef>
-                <a:spcPts val="500"/>
-              </a:spcBef>
-              <a:spcAft>
-                <a:spcPts val="0"/>
-              </a:spcAft>
-              <a:buClr>
-                <a:srgbClr val="FFA3A3"/>
-              </a:buClr>
-              <a:buSzPct val="75000"/>
-              <a:buFont typeface="Wingdings 3" panose="05040102010807070707" pitchFamily="18" charset="2"/>
-              <a:buChar char=""/>
-              <a:tabLst/>
-              <a:defRPr lang="en-US" sz="2800" kern="1200" noProof="0">
-                <a:solidFill>
-                  <a:schemeClr val="tx1"/>
-                </a:solidFill>
-                <a:latin typeface="+mn-lt"/>
-                <a:ea typeface="+mn-ea"/>
-                <a:cs typeface="+mn-cs"/>
-              </a:defRPr>
-            </a:lvl2pPr>
-            <a:lvl3pPr marL="1143000" marR="0" indent="-228600" algn="l" defTabSz="914400" rtl="0" eaLnBrk="1" fontAlgn="auto" latinLnBrk="0" hangingPunct="1">
-              <a:lnSpc>
-                <a:spcPct val="90000"/>
-              </a:lnSpc>
-              <a:spcBef>
-                <a:spcPts val="500"/>
-              </a:spcBef>
-              <a:spcAft>
-                <a:spcPts val="0"/>
-              </a:spcAft>
-              <a:buClr>
-                <a:srgbClr val="FF9797"/>
-              </a:buClr>
-              <a:buSzPct val="70000"/>
-              <a:buFont typeface="Wingdings 3" panose="05040102010807070707" pitchFamily="18" charset="2"/>
-              <a:buChar char=""/>
-              <a:tabLst/>
-              <a:defRPr lang="en-US" sz="2800" kern="1200" noProof="0">
-                <a:solidFill>
-                  <a:schemeClr val="tx1"/>
-                </a:solidFill>
-                <a:latin typeface="+mn-lt"/>
-                <a:ea typeface="+mn-ea"/>
-                <a:cs typeface="+mn-cs"/>
-              </a:defRPr>
-            </a:lvl3pPr>
-            <a:lvl4pPr marL="1600200" marR="0" indent="-228600" algn="l" defTabSz="914400" rtl="0" eaLnBrk="1" fontAlgn="auto" latinLnBrk="0" hangingPunct="1">
-              <a:lnSpc>
-                <a:spcPct val="90000"/>
-              </a:lnSpc>
-              <a:spcBef>
-                <a:spcPts val="500"/>
-              </a:spcBef>
-              <a:spcAft>
-                <a:spcPts val="0"/>
-              </a:spcAft>
-              <a:buClr>
-                <a:srgbClr val="FF9B9B"/>
-              </a:buClr>
-              <a:buSzPct val="65000"/>
-              <a:buFont typeface="Wingdings 3" panose="05040102010807070707" pitchFamily="18" charset="2"/>
-              <a:buChar char=""/>
-              <a:tabLst/>
-              <a:defRPr lang="en-US" sz="2800" kern="1200" noProof="0">
-                <a:solidFill>
-                  <a:schemeClr val="tx1"/>
-                </a:solidFill>
-                <a:latin typeface="+mn-lt"/>
-                <a:ea typeface="+mn-ea"/>
-                <a:cs typeface="+mn-cs"/>
-              </a:defRPr>
-            </a:lvl4pPr>
-            <a:lvl5pPr marL="2057400" marR="0" indent="-228600" algn="l" defTabSz="914400" rtl="0" eaLnBrk="1" fontAlgn="auto" latinLnBrk="0" hangingPunct="1">
-              <a:lnSpc>
-                <a:spcPct val="90000"/>
-              </a:lnSpc>
-              <a:spcBef>
-                <a:spcPts val="500"/>
-              </a:spcBef>
-              <a:spcAft>
-                <a:spcPts val="0"/>
-              </a:spcAft>
-              <a:buClr>
-                <a:srgbClr val="FF9B9B"/>
-              </a:buClr>
-              <a:buSzPct val="60000"/>
-              <a:buFont typeface="Wingdings 3" panose="05040102010807070707" pitchFamily="18" charset="2"/>
-              <a:buChar char=""/>
-              <a:tabLst/>
-              <a:defRPr lang="en-US" sz="2800" kern="1200" noProof="0">
-                <a:solidFill>
-                  <a:schemeClr val="tx1"/>
-                </a:solidFill>
-                <a:latin typeface="+mn-lt"/>
-                <a:ea typeface="+mn-ea"/>
-                <a:cs typeface="+mn-cs"/>
-              </a:defRPr>
-            </a:lvl5pPr>
-            <a:lvl6pPr marL="2514600" indent="-228600" algn="l" defTabSz="914400" rtl="0" eaLnBrk="1" latinLnBrk="0" hangingPunct="1">
-              <a:lnSpc>
-                <a:spcPct val="90000"/>
-              </a:lnSpc>
-              <a:spcBef>
-                <a:spcPts val="500"/>
-              </a:spcBef>
-              <a:buFont typeface="Arial" panose="020B0604020202020204" pitchFamily="34" charset="0"/>
-              <a:buChar char="•"/>
-              <a:defRPr sz="1800" kern="1200">
-                <a:solidFill>
-                  <a:schemeClr val="tx1"/>
-                </a:solidFill>
-                <a:latin typeface="+mn-lt"/>
-                <a:ea typeface="+mn-ea"/>
-                <a:cs typeface="+mn-cs"/>
-              </a:defRPr>
-            </a:lvl6pPr>
-            <a:lvl7pPr marL="2971800" indent="-228600" algn="l" defTabSz="914400" rtl="0" eaLnBrk="1" latinLnBrk="0" hangingPunct="1">
-              <a:lnSpc>
-                <a:spcPct val="90000"/>
-              </a:lnSpc>
-              <a:spcBef>
-                <a:spcPts val="500"/>
-              </a:spcBef>
-              <a:buFont typeface="Arial" panose="020B0604020202020204" pitchFamily="34" charset="0"/>
-              <a:buChar char="•"/>
-              <a:defRPr sz="1800" kern="1200">
-                <a:solidFill>
-                  <a:schemeClr val="tx1"/>
-                </a:solidFill>
-                <a:latin typeface="+mn-lt"/>
-                <a:ea typeface="+mn-ea"/>
-                <a:cs typeface="+mn-cs"/>
-              </a:defRPr>
-            </a:lvl7pPr>
-            <a:lvl8pPr marL="3429000" indent="-228600" algn="l" defTabSz="914400" rtl="0" eaLnBrk="1" latinLnBrk="0" hangingPunct="1">
-              <a:lnSpc>
-                <a:spcPct val="90000"/>
-              </a:lnSpc>
-              <a:spcBef>
-                <a:spcPts val="500"/>
-              </a:spcBef>
-              <a:buFont typeface="Arial" panose="020B0604020202020204" pitchFamily="34" charset="0"/>
-              <a:buChar char="•"/>
-              <a:defRPr sz="1800" kern="1200">
-                <a:solidFill>
-                  <a:schemeClr val="tx1"/>
-                </a:solidFill>
-                <a:latin typeface="+mn-lt"/>
-                <a:ea typeface="+mn-ea"/>
-                <a:cs typeface="+mn-cs"/>
-              </a:defRPr>
-            </a:lvl8pPr>
-            <a:lvl9pPr marL="3886200" indent="-228600" algn="l" defTabSz="914400" rtl="0" eaLnBrk="1" latinLnBrk="0" hangingPunct="1">
-              <a:lnSpc>
-                <a:spcPct val="90000"/>
-              </a:lnSpc>
-              <a:spcBef>
-                <a:spcPts val="500"/>
-              </a:spcBef>
-              <a:buFont typeface="Arial" panose="020B0604020202020204" pitchFamily="34" charset="0"/>
-              <a:buChar char="•"/>
-              <a:defRPr sz="1800" kern="1200">
-                <a:solidFill>
-                  <a:schemeClr val="tx1"/>
-                </a:solidFill>
-                <a:latin typeface="+mn-lt"/>
-                <a:ea typeface="+mn-ea"/>
-                <a:cs typeface="+mn-cs"/>
-              </a:defRPr>
-            </a:lvl9pPr>
-          </a:lstStyle>
-          <a:p>
-            <a:pPr marL="0" indent="0">
-              <a:buNone/>
-            </a:pPr>
-            <a:r>
-              <a:rPr lang="en-US" dirty="0"/>
-              <a:t>Like asynchronous ESMs, have input, output channels, state variables</a:t>
-            </a:r>
-          </a:p>
-          <a:p>
-            <a:r>
-              <a:rPr lang="en-US" dirty="0"/>
-              <a:t>Special type of state variable called “clock” </a:t>
-            </a:r>
-          </a:p>
-          <a:p>
-            <a:r>
-              <a:rPr lang="en-US" dirty="0"/>
-              <a:t>Clock variables evolve continuously in time</a:t>
-            </a:r>
-          </a:p>
-          <a:p>
-            <a:r>
-              <a:rPr lang="en-US" dirty="0"/>
-              <a:t>ESM can “stay” in a mode with clock increasing monotonically from the start value</a:t>
-            </a:r>
-          </a:p>
-        </p:txBody>
-      </p:sp>
-      <p:sp>
-        <p:nvSpPr>
-          <p:cNvPr id="6" name="Title 2">
-            <a:extLst>
-              <a:ext uri="{FF2B5EF4-FFF2-40B4-BE49-F238E27FC236}">
-                <a16:creationId xmlns:a16="http://schemas.microsoft.com/office/drawing/2014/main" id="{053EEAFD-D8C1-433D-B3B6-2FC9F9E46E87}"/>
-              </a:ext>
-            </a:extLst>
-          </p:cNvPr>
-          <p:cNvSpPr>
-            <a:spLocks noGrp="1"/>
-          </p:cNvSpPr>
-          <p:nvPr>
-            <p:ph type="title"/>
-          </p:nvPr>
-        </p:nvSpPr>
-        <p:spPr/>
-        <p:txBody>
-          <a:bodyPr/>
-          <a:lstStyle/>
-          <a:p>
-            <a:r>
-              <a:rPr lang="en-US" dirty="0"/>
-              <a:t>Timed ESMs</a:t>
-            </a:r>
-          </a:p>
-        </p:txBody>
-      </p:sp>
-      <p:grpSp>
-        <p:nvGrpSpPr>
-          <p:cNvPr id="7" name="Group 6">
-            <a:extLst>
-              <a:ext uri="{FF2B5EF4-FFF2-40B4-BE49-F238E27FC236}">
-                <a16:creationId xmlns:a16="http://schemas.microsoft.com/office/drawing/2014/main" id="{D3CFBD06-9B2D-448F-8B35-5DD52C30E9E2}"/>
-              </a:ext>
-            </a:extLst>
-          </p:cNvPr>
-          <p:cNvGrpSpPr/>
-          <p:nvPr/>
-        </p:nvGrpSpPr>
-        <p:grpSpPr>
-          <a:xfrm>
-            <a:off x="326232" y="1714470"/>
-            <a:ext cx="6960123" cy="2714303"/>
-            <a:chOff x="218533" y="2084624"/>
-            <a:chExt cx="6960123" cy="2714303"/>
-          </a:xfrm>
-        </p:grpSpPr>
-        <p:sp>
-          <p:nvSpPr>
-            <p:cNvPr id="8" name="Oval 7">
-              <a:extLst>
-                <a:ext uri="{FF2B5EF4-FFF2-40B4-BE49-F238E27FC236}">
-                  <a16:creationId xmlns:a16="http://schemas.microsoft.com/office/drawing/2014/main" id="{A823F517-8E33-4CED-BED3-4301CF1C780E}"/>
-                </a:ext>
-              </a:extLst>
-            </p:cNvPr>
-            <p:cNvSpPr/>
-            <p:nvPr/>
-          </p:nvSpPr>
-          <p:spPr>
-            <a:xfrm>
-              <a:off x="1420201" y="3028057"/>
-              <a:ext cx="826586" cy="624023"/>
-            </a:xfrm>
-            <a:prstGeom prst="ellipse">
-              <a:avLst/>
-            </a:prstGeom>
-            <a:ln w="25400"/>
-          </p:spPr>
-          <p:style>
-            <a:lnRef idx="2">
-              <a:schemeClr val="accent6"/>
-            </a:lnRef>
-            <a:fillRef idx="1">
-              <a:schemeClr val="lt1"/>
-            </a:fillRef>
-            <a:effectRef idx="0">
-              <a:schemeClr val="accent6"/>
-            </a:effectRef>
-            <a:fontRef idx="minor">
-              <a:schemeClr val="dk1"/>
-            </a:fontRef>
-          </p:style>
-          <p:txBody>
-            <a:bodyPr lIns="0" tIns="0" rIns="0" bIns="0" rtlCol="0" anchor="ctr"/>
-            <a:lstStyle/>
-            <a:p>
-              <a:pPr algn="ctr"/>
-              <a:r>
-                <a:rPr lang="en-US" dirty="0"/>
-                <a:t>off</a:t>
-              </a:r>
-              <a:endParaRPr lang="en-US" baseline="-25000" dirty="0"/>
-            </a:p>
-          </p:txBody>
-        </p:sp>
-        <p:sp>
-          <p:nvSpPr>
-            <p:cNvPr id="9" name="Oval 8">
-              <a:extLst>
-                <a:ext uri="{FF2B5EF4-FFF2-40B4-BE49-F238E27FC236}">
-                  <a16:creationId xmlns:a16="http://schemas.microsoft.com/office/drawing/2014/main" id="{DBB7CD3B-4A49-4562-BDD6-99A93846A141}"/>
-                </a:ext>
-              </a:extLst>
-            </p:cNvPr>
-            <p:cNvSpPr/>
-            <p:nvPr/>
-          </p:nvSpPr>
-          <p:spPr>
-            <a:xfrm>
-              <a:off x="3604600" y="3028057"/>
-              <a:ext cx="826586" cy="624023"/>
-            </a:xfrm>
-            <a:prstGeom prst="ellipse">
-              <a:avLst/>
-            </a:prstGeom>
-            <a:ln w="25400"/>
-          </p:spPr>
-          <p:style>
-            <a:lnRef idx="2">
-              <a:schemeClr val="accent6"/>
-            </a:lnRef>
-            <a:fillRef idx="1">
-              <a:schemeClr val="lt1"/>
-            </a:fillRef>
-            <a:effectRef idx="0">
-              <a:schemeClr val="accent6"/>
-            </a:effectRef>
-            <a:fontRef idx="minor">
-              <a:schemeClr val="dk1"/>
-            </a:fontRef>
-          </p:style>
-          <p:txBody>
-            <a:bodyPr lIns="0" tIns="0" rIns="0" bIns="0" rtlCol="0" anchor="ctr"/>
-            <a:lstStyle/>
-            <a:p>
-              <a:pPr algn="ctr"/>
-              <a:r>
-                <a:rPr lang="en-US" dirty="0"/>
-                <a:t>dim</a:t>
-              </a:r>
-              <a:endParaRPr lang="en-US" baseline="-25000" dirty="0"/>
-            </a:p>
-          </p:txBody>
-        </p:sp>
-        <p:sp>
-          <p:nvSpPr>
-            <p:cNvPr id="10" name="Oval 9">
-              <a:extLst>
-                <a:ext uri="{FF2B5EF4-FFF2-40B4-BE49-F238E27FC236}">
-                  <a16:creationId xmlns:a16="http://schemas.microsoft.com/office/drawing/2014/main" id="{06B2EE56-D1AC-419F-9DE7-4A243D5A81E9}"/>
-                </a:ext>
-              </a:extLst>
-            </p:cNvPr>
-            <p:cNvSpPr/>
-            <p:nvPr/>
-          </p:nvSpPr>
-          <p:spPr>
-            <a:xfrm>
-              <a:off x="6140367" y="3028057"/>
-              <a:ext cx="826586" cy="624023"/>
-            </a:xfrm>
-            <a:prstGeom prst="ellipse">
-              <a:avLst/>
-            </a:prstGeom>
-            <a:ln w="25400"/>
-          </p:spPr>
-          <p:style>
-            <a:lnRef idx="2">
-              <a:schemeClr val="accent6"/>
-            </a:lnRef>
-            <a:fillRef idx="1">
-              <a:schemeClr val="lt1"/>
-            </a:fillRef>
-            <a:effectRef idx="0">
-              <a:schemeClr val="accent6"/>
-            </a:effectRef>
-            <a:fontRef idx="minor">
-              <a:schemeClr val="dk1"/>
-            </a:fontRef>
-          </p:style>
-          <p:txBody>
-            <a:bodyPr lIns="0" tIns="0" rIns="0" bIns="0" rtlCol="0" anchor="ctr"/>
-            <a:lstStyle/>
-            <a:p>
-              <a:pPr algn="ctr"/>
-              <a:r>
-                <a:rPr lang="en-US" dirty="0"/>
-                <a:t>bright</a:t>
-              </a:r>
-              <a:endParaRPr lang="en-US" baseline="-25000" dirty="0"/>
-            </a:p>
-          </p:txBody>
-        </p:sp>
-        <p:cxnSp>
-          <p:nvCxnSpPr>
-            <p:cNvPr id="11" name="Straight Arrow Connector 10">
-              <a:extLst>
-                <a:ext uri="{FF2B5EF4-FFF2-40B4-BE49-F238E27FC236}">
-                  <a16:creationId xmlns:a16="http://schemas.microsoft.com/office/drawing/2014/main" id="{3ECCAFCF-44D5-4857-9CDC-00DDC9F4AA8E}"/>
-                </a:ext>
-              </a:extLst>
-            </p:cNvPr>
-            <p:cNvCxnSpPr>
-              <a:stCxn id="8" idx="6"/>
-              <a:endCxn id="9" idx="2"/>
-            </p:cNvCxnSpPr>
-            <p:nvPr/>
-          </p:nvCxnSpPr>
-          <p:spPr>
-            <a:xfrm>
-              <a:off x="2246787" y="3340069"/>
-              <a:ext cx="1357813" cy="0"/>
-            </a:xfrm>
-            <a:prstGeom prst="straightConnector1">
-              <a:avLst/>
-            </a:prstGeom>
-            <a:ln w="25400">
-              <a:solidFill>
-                <a:schemeClr val="accent6"/>
-              </a:solidFill>
-              <a:tailEnd type="triangle" w="lg" len="lg"/>
-            </a:ln>
-          </p:spPr>
-          <p:style>
-            <a:lnRef idx="1">
-              <a:schemeClr val="accent1"/>
-            </a:lnRef>
-            <a:fillRef idx="0">
-              <a:schemeClr val="accent1"/>
-            </a:fillRef>
-            <a:effectRef idx="0">
-              <a:schemeClr val="accent1"/>
-            </a:effectRef>
-            <a:fontRef idx="minor">
-              <a:schemeClr val="tx1"/>
-            </a:fontRef>
-          </p:style>
-        </p:cxnSp>
-        <p:cxnSp>
-          <p:nvCxnSpPr>
-            <p:cNvPr id="12" name="Straight Arrow Connector 11">
-              <a:extLst>
-                <a:ext uri="{FF2B5EF4-FFF2-40B4-BE49-F238E27FC236}">
-                  <a16:creationId xmlns:a16="http://schemas.microsoft.com/office/drawing/2014/main" id="{FF3E9DEA-5C3B-4764-BD5D-C9906631F25B}"/>
-                </a:ext>
-              </a:extLst>
-            </p:cNvPr>
-            <p:cNvCxnSpPr>
-              <a:cxnSpLocks/>
-              <a:stCxn id="9" idx="6"/>
-              <a:endCxn id="10" idx="2"/>
-            </p:cNvCxnSpPr>
-            <p:nvPr/>
-          </p:nvCxnSpPr>
-          <p:spPr>
-            <a:xfrm>
-              <a:off x="4431186" y="3340069"/>
-              <a:ext cx="1709181" cy="0"/>
-            </a:xfrm>
-            <a:prstGeom prst="straightConnector1">
-              <a:avLst/>
-            </a:prstGeom>
-            <a:ln w="25400">
-              <a:solidFill>
-                <a:schemeClr val="accent6"/>
-              </a:solidFill>
-              <a:tailEnd type="triangle" w="lg" len="lg"/>
-            </a:ln>
-          </p:spPr>
-          <p:style>
-            <a:lnRef idx="1">
-              <a:schemeClr val="accent1"/>
-            </a:lnRef>
-            <a:fillRef idx="0">
-              <a:schemeClr val="accent1"/>
-            </a:fillRef>
-            <a:effectRef idx="0">
-              <a:schemeClr val="accent1"/>
-            </a:effectRef>
-            <a:fontRef idx="minor">
-              <a:schemeClr val="tx1"/>
-            </a:fontRef>
-          </p:style>
-        </p:cxnSp>
-        <p:sp>
-          <p:nvSpPr>
-            <p:cNvPr id="13" name="Freeform: Shape 12">
-              <a:extLst>
-                <a:ext uri="{FF2B5EF4-FFF2-40B4-BE49-F238E27FC236}">
-                  <a16:creationId xmlns:a16="http://schemas.microsoft.com/office/drawing/2014/main" id="{3A1A4639-C9ED-43BF-B0B6-45457D2EED2E}"/>
-                </a:ext>
-              </a:extLst>
-            </p:cNvPr>
-            <p:cNvSpPr/>
-            <p:nvPr/>
-          </p:nvSpPr>
-          <p:spPr>
-            <a:xfrm>
-              <a:off x="2081685" y="3601484"/>
-              <a:ext cx="4357535" cy="885991"/>
-            </a:xfrm>
-            <a:custGeom>
-              <a:avLst/>
-              <a:gdLst>
-                <a:gd name="connsiteX0" fmla="*/ 4445000 w 4445000"/>
-                <a:gd name="connsiteY0" fmla="*/ 33867 h 326122"/>
-                <a:gd name="connsiteX1" fmla="*/ 2065867 w 4445000"/>
-                <a:gd name="connsiteY1" fmla="*/ 325967 h 326122"/>
-                <a:gd name="connsiteX2" fmla="*/ 0 w 4445000"/>
-                <a:gd name="connsiteY2" fmla="*/ 0 h 326122"/>
-                <a:gd name="connsiteX0" fmla="*/ 4351866 w 4351866"/>
-                <a:gd name="connsiteY0" fmla="*/ 25400 h 326051"/>
-                <a:gd name="connsiteX1" fmla="*/ 2065867 w 4351866"/>
-                <a:gd name="connsiteY1" fmla="*/ 325967 h 326051"/>
-                <a:gd name="connsiteX2" fmla="*/ 0 w 4351866"/>
-                <a:gd name="connsiteY2" fmla="*/ 0 h 326051"/>
-                <a:gd name="connsiteX0" fmla="*/ 4246033 w 4246033"/>
-                <a:gd name="connsiteY0" fmla="*/ 21167 h 326024"/>
-                <a:gd name="connsiteX1" fmla="*/ 2065867 w 4246033"/>
-                <a:gd name="connsiteY1" fmla="*/ 325967 h 326024"/>
-                <a:gd name="connsiteX2" fmla="*/ 0 w 4246033"/>
-                <a:gd name="connsiteY2" fmla="*/ 0 h 326024"/>
-              </a:gdLst>
-              <a:ahLst/>
-              <a:cxnLst>
-                <a:cxn ang="0">
-                  <a:pos x="connsiteX0" y="connsiteY0"/>
-                </a:cxn>
-                <a:cxn ang="0">
-                  <a:pos x="connsiteX1" y="connsiteY1"/>
-                </a:cxn>
-                <a:cxn ang="0">
-                  <a:pos x="connsiteX2" y="connsiteY2"/>
-                </a:cxn>
-              </a:cxnLst>
-              <a:rect l="l" t="t" r="r" b="b"/>
-              <a:pathLst>
-                <a:path w="4246033" h="326024">
-                  <a:moveTo>
-                    <a:pt x="4246033" y="21167"/>
-                  </a:moveTo>
-                  <a:cubicBezTo>
-                    <a:pt x="3426883" y="170039"/>
-                    <a:pt x="2773539" y="329495"/>
-                    <a:pt x="2065867" y="325967"/>
-                  </a:cubicBezTo>
-                  <a:cubicBezTo>
-                    <a:pt x="1358195" y="322439"/>
-                    <a:pt x="662517" y="160161"/>
-                    <a:pt x="0" y="0"/>
-                  </a:cubicBezTo>
-                </a:path>
-              </a:pathLst>
-            </a:custGeom>
-            <a:ln w="25400">
-              <a:solidFill>
-                <a:schemeClr val="accent6"/>
-              </a:solidFill>
-              <a:tailEnd type="triangle" w="lg" len="lg"/>
-            </a:ln>
-          </p:spPr>
-          <p:style>
-            <a:lnRef idx="1">
-              <a:schemeClr val="accent1"/>
-            </a:lnRef>
-            <a:fillRef idx="0">
-              <a:schemeClr val="accent1"/>
-            </a:fillRef>
-            <a:effectRef idx="0">
-              <a:schemeClr val="accent1"/>
-            </a:effectRef>
-            <a:fontRef idx="minor">
-              <a:schemeClr val="tx1"/>
-            </a:fontRef>
-          </p:style>
-          <p:txBody>
-            <a:bodyPr rtlCol="0" anchor="ctr"/>
-            <a:lstStyle/>
-            <a:p>
-              <a:pPr algn="ctr"/>
-              <a:endParaRPr lang="en-US" dirty="0"/>
-            </a:p>
-          </p:txBody>
-        </p:sp>
-        <p:sp>
-          <p:nvSpPr>
-            <p:cNvPr id="14" name="Freeform: Shape 13">
-              <a:extLst>
-                <a:ext uri="{FF2B5EF4-FFF2-40B4-BE49-F238E27FC236}">
-                  <a16:creationId xmlns:a16="http://schemas.microsoft.com/office/drawing/2014/main" id="{5AFCFD1C-B530-41D3-8C71-4C4BEC463381}"/>
-                </a:ext>
-              </a:extLst>
-            </p:cNvPr>
-            <p:cNvSpPr/>
-            <p:nvPr/>
-          </p:nvSpPr>
-          <p:spPr>
-            <a:xfrm>
-              <a:off x="6797620" y="2824136"/>
-              <a:ext cx="381036" cy="373257"/>
-            </a:xfrm>
-            <a:custGeom>
-              <a:avLst/>
-              <a:gdLst>
-                <a:gd name="connsiteX0" fmla="*/ 135466 w 341178"/>
-                <a:gd name="connsiteY0" fmla="*/ 374093 h 374093"/>
-                <a:gd name="connsiteX1" fmla="*/ 292100 w 341178"/>
-                <a:gd name="connsiteY1" fmla="*/ 327526 h 374093"/>
-                <a:gd name="connsiteX2" fmla="*/ 338666 w 341178"/>
-                <a:gd name="connsiteY2" fmla="*/ 204760 h 374093"/>
-                <a:gd name="connsiteX3" fmla="*/ 317500 w 341178"/>
-                <a:gd name="connsiteY3" fmla="*/ 90460 h 374093"/>
-                <a:gd name="connsiteX4" fmla="*/ 173566 w 341178"/>
-                <a:gd name="connsiteY4" fmla="*/ 1560 h 374093"/>
-                <a:gd name="connsiteX5" fmla="*/ 67733 w 341178"/>
-                <a:gd name="connsiteY5" fmla="*/ 35426 h 374093"/>
-                <a:gd name="connsiteX6" fmla="*/ 21166 w 341178"/>
-                <a:gd name="connsiteY6" fmla="*/ 56593 h 374093"/>
-                <a:gd name="connsiteX7" fmla="*/ 0 w 341178"/>
-                <a:gd name="connsiteY7" fmla="*/ 251326 h 374093"/>
-                <a:gd name="connsiteX0" fmla="*/ 135466 w 341178"/>
-                <a:gd name="connsiteY0" fmla="*/ 373504 h 373504"/>
-                <a:gd name="connsiteX1" fmla="*/ 292100 w 341178"/>
-                <a:gd name="connsiteY1" fmla="*/ 326937 h 373504"/>
-                <a:gd name="connsiteX2" fmla="*/ 338666 w 341178"/>
-                <a:gd name="connsiteY2" fmla="*/ 204171 h 373504"/>
-                <a:gd name="connsiteX3" fmla="*/ 317500 w 341178"/>
-                <a:gd name="connsiteY3" fmla="*/ 89871 h 373504"/>
-                <a:gd name="connsiteX4" fmla="*/ 173566 w 341178"/>
-                <a:gd name="connsiteY4" fmla="*/ 971 h 373504"/>
-                <a:gd name="connsiteX5" fmla="*/ 21166 w 341178"/>
-                <a:gd name="connsiteY5" fmla="*/ 56004 h 373504"/>
-                <a:gd name="connsiteX6" fmla="*/ 0 w 341178"/>
-                <a:gd name="connsiteY6" fmla="*/ 250737 h 373504"/>
-                <a:gd name="connsiteX0" fmla="*/ 135466 w 341178"/>
-                <a:gd name="connsiteY0" fmla="*/ 372533 h 372533"/>
-                <a:gd name="connsiteX1" fmla="*/ 292100 w 341178"/>
-                <a:gd name="connsiteY1" fmla="*/ 325966 h 372533"/>
-                <a:gd name="connsiteX2" fmla="*/ 338666 w 341178"/>
-                <a:gd name="connsiteY2" fmla="*/ 203200 h 372533"/>
-                <a:gd name="connsiteX3" fmla="*/ 317500 w 341178"/>
-                <a:gd name="connsiteY3" fmla="*/ 88900 h 372533"/>
-                <a:gd name="connsiteX4" fmla="*/ 173566 w 341178"/>
-                <a:gd name="connsiteY4" fmla="*/ 0 h 372533"/>
-                <a:gd name="connsiteX5" fmla="*/ 29632 w 341178"/>
-                <a:gd name="connsiteY5" fmla="*/ 88900 h 372533"/>
-                <a:gd name="connsiteX6" fmla="*/ 0 w 341178"/>
-                <a:gd name="connsiteY6" fmla="*/ 249766 h 372533"/>
-                <a:gd name="connsiteX0" fmla="*/ 135466 w 339364"/>
-                <a:gd name="connsiteY0" fmla="*/ 373286 h 373286"/>
-                <a:gd name="connsiteX1" fmla="*/ 292100 w 339364"/>
-                <a:gd name="connsiteY1" fmla="*/ 326719 h 373286"/>
-                <a:gd name="connsiteX2" fmla="*/ 338666 w 339364"/>
-                <a:gd name="connsiteY2" fmla="*/ 203953 h 373286"/>
-                <a:gd name="connsiteX3" fmla="*/ 309033 w 339364"/>
-                <a:gd name="connsiteY3" fmla="*/ 55786 h 373286"/>
-                <a:gd name="connsiteX4" fmla="*/ 173566 w 339364"/>
-                <a:gd name="connsiteY4" fmla="*/ 753 h 373286"/>
-                <a:gd name="connsiteX5" fmla="*/ 29632 w 339364"/>
-                <a:gd name="connsiteY5" fmla="*/ 89653 h 373286"/>
-                <a:gd name="connsiteX6" fmla="*/ 0 w 339364"/>
-                <a:gd name="connsiteY6" fmla="*/ 250519 h 373286"/>
-                <a:gd name="connsiteX0" fmla="*/ 135466 w 347533"/>
-                <a:gd name="connsiteY0" fmla="*/ 373354 h 373354"/>
-                <a:gd name="connsiteX1" fmla="*/ 292100 w 347533"/>
-                <a:gd name="connsiteY1" fmla="*/ 326787 h 373354"/>
-                <a:gd name="connsiteX2" fmla="*/ 347132 w 347533"/>
-                <a:gd name="connsiteY2" fmla="*/ 220954 h 373354"/>
-                <a:gd name="connsiteX3" fmla="*/ 309033 w 347533"/>
-                <a:gd name="connsiteY3" fmla="*/ 55854 h 373354"/>
-                <a:gd name="connsiteX4" fmla="*/ 173566 w 347533"/>
-                <a:gd name="connsiteY4" fmla="*/ 821 h 373354"/>
-                <a:gd name="connsiteX5" fmla="*/ 29632 w 347533"/>
-                <a:gd name="connsiteY5" fmla="*/ 89721 h 373354"/>
-                <a:gd name="connsiteX6" fmla="*/ 0 w 347533"/>
-                <a:gd name="connsiteY6" fmla="*/ 250587 h 373354"/>
-                <a:gd name="connsiteX0" fmla="*/ 135466 w 381139"/>
-                <a:gd name="connsiteY0" fmla="*/ 373257 h 373257"/>
-                <a:gd name="connsiteX1" fmla="*/ 292100 w 381139"/>
-                <a:gd name="connsiteY1" fmla="*/ 326690 h 373257"/>
-                <a:gd name="connsiteX2" fmla="*/ 380999 w 381139"/>
-                <a:gd name="connsiteY2" fmla="*/ 195457 h 373257"/>
-                <a:gd name="connsiteX3" fmla="*/ 309033 w 381139"/>
-                <a:gd name="connsiteY3" fmla="*/ 55757 h 373257"/>
-                <a:gd name="connsiteX4" fmla="*/ 173566 w 381139"/>
-                <a:gd name="connsiteY4" fmla="*/ 724 h 373257"/>
-                <a:gd name="connsiteX5" fmla="*/ 29632 w 381139"/>
-                <a:gd name="connsiteY5" fmla="*/ 89624 h 373257"/>
-                <a:gd name="connsiteX6" fmla="*/ 0 w 381139"/>
-                <a:gd name="connsiteY6" fmla="*/ 250490 h 373257"/>
-                <a:gd name="connsiteX0" fmla="*/ 135466 w 381036"/>
-                <a:gd name="connsiteY0" fmla="*/ 373257 h 373257"/>
-                <a:gd name="connsiteX1" fmla="*/ 300567 w 381036"/>
-                <a:gd name="connsiteY1" fmla="*/ 313990 h 373257"/>
-                <a:gd name="connsiteX2" fmla="*/ 380999 w 381036"/>
-                <a:gd name="connsiteY2" fmla="*/ 195457 h 373257"/>
-                <a:gd name="connsiteX3" fmla="*/ 309033 w 381036"/>
-                <a:gd name="connsiteY3" fmla="*/ 55757 h 373257"/>
-                <a:gd name="connsiteX4" fmla="*/ 173566 w 381036"/>
-                <a:gd name="connsiteY4" fmla="*/ 724 h 373257"/>
-                <a:gd name="connsiteX5" fmla="*/ 29632 w 381036"/>
-                <a:gd name="connsiteY5" fmla="*/ 89624 h 373257"/>
-                <a:gd name="connsiteX6" fmla="*/ 0 w 381036"/>
-                <a:gd name="connsiteY6" fmla="*/ 250490 h 373257"/>
-              </a:gdLst>
-              <a:ahLst/>
-              <a:cxnLst>
-                <a:cxn ang="0">
-                  <a:pos x="connsiteX0" y="connsiteY0"/>
-                </a:cxn>
-                <a:cxn ang="0">
-                  <a:pos x="connsiteX1" y="connsiteY1"/>
-                </a:cxn>
-                <a:cxn ang="0">
-                  <a:pos x="connsiteX2" y="connsiteY2"/>
-                </a:cxn>
-                <a:cxn ang="0">
-                  <a:pos x="connsiteX3" y="connsiteY3"/>
-                </a:cxn>
-                <a:cxn ang="0">
-                  <a:pos x="connsiteX4" y="connsiteY4"/>
-                </a:cxn>
-                <a:cxn ang="0">
-                  <a:pos x="connsiteX5" y="connsiteY5"/>
-                </a:cxn>
-                <a:cxn ang="0">
-                  <a:pos x="connsiteX6" y="connsiteY6"/>
-                </a:cxn>
-              </a:cxnLst>
-              <a:rect l="l" t="t" r="r" b="b"/>
-              <a:pathLst>
-                <a:path w="381036" h="373257">
-                  <a:moveTo>
-                    <a:pt x="135466" y="373257"/>
-                  </a:moveTo>
-                  <a:cubicBezTo>
-                    <a:pt x="196849" y="364084"/>
-                    <a:pt x="259645" y="343623"/>
-                    <a:pt x="300567" y="313990"/>
-                  </a:cubicBezTo>
-                  <a:cubicBezTo>
-                    <a:pt x="341489" y="284357"/>
-                    <a:pt x="379588" y="238496"/>
-                    <a:pt x="380999" y="195457"/>
-                  </a:cubicBezTo>
-                  <a:cubicBezTo>
-                    <a:pt x="382410" y="152418"/>
-                    <a:pt x="343605" y="88212"/>
-                    <a:pt x="309033" y="55757"/>
-                  </a:cubicBezTo>
-                  <a:cubicBezTo>
-                    <a:pt x="274461" y="23302"/>
-                    <a:pt x="220133" y="-4920"/>
-                    <a:pt x="173566" y="724"/>
-                  </a:cubicBezTo>
-                  <a:cubicBezTo>
-                    <a:pt x="126999" y="6368"/>
-                    <a:pt x="58560" y="47996"/>
-                    <a:pt x="29632" y="89624"/>
-                  </a:cubicBezTo>
-                  <a:cubicBezTo>
-                    <a:pt x="18343" y="125607"/>
-                    <a:pt x="4938" y="171115"/>
-                    <a:pt x="0" y="250490"/>
-                  </a:cubicBezTo>
-                </a:path>
-              </a:pathLst>
-            </a:custGeom>
-            <a:ln w="25400">
-              <a:solidFill>
-                <a:schemeClr val="accent6"/>
-              </a:solidFill>
-              <a:tailEnd type="triangle" w="lg" len="lg"/>
-            </a:ln>
-          </p:spPr>
-          <p:style>
-            <a:lnRef idx="1">
-              <a:schemeClr val="accent1"/>
-            </a:lnRef>
-            <a:fillRef idx="0">
-              <a:schemeClr val="accent1"/>
-            </a:fillRef>
-            <a:effectRef idx="0">
-              <a:schemeClr val="accent1"/>
-            </a:effectRef>
-            <a:fontRef idx="minor">
-              <a:schemeClr val="tx1"/>
-            </a:fontRef>
-          </p:style>
-          <p:txBody>
-            <a:bodyPr rot="0" spcFirstLastPara="0" vertOverflow="overflow" horzOverflow="overflow" vert="horz" wrap="square" lIns="91440" tIns="45720" rIns="91440" bIns="45720" numCol="1" spcCol="0" rtlCol="0" fromWordArt="0" anchor="ctr" anchorCtr="0" forceAA="0" compatLnSpc="1">
-              <a:prstTxWarp prst="textNoShape">
-                <a:avLst/>
-              </a:prstTxWarp>
-              <a:noAutofit/>
-            </a:bodyPr>
-            <a:lstStyle/>
-            <a:p>
-              <a:pPr algn="ctr"/>
-              <a:endParaRPr lang="en-US">
-                <a:solidFill>
-                  <a:schemeClr val="tx1"/>
-                </a:solidFill>
-              </a:endParaRPr>
-            </a:p>
-          </p:txBody>
-        </p:sp>
-        <mc:AlternateContent xmlns:mc="http://schemas.openxmlformats.org/markup-compatibility/2006" xmlns:a14="http://schemas.microsoft.com/office/drawing/2010/main">
-          <mc:Choice Requires="a14">
-            <p:sp>
-              <p:nvSpPr>
-                <p:cNvPr id="15" name="TextBox 14">
-                  <a:extLst>
-                    <a:ext uri="{FF2B5EF4-FFF2-40B4-BE49-F238E27FC236}">
-                      <a16:creationId xmlns:a16="http://schemas.microsoft.com/office/drawing/2014/main" id="{B24ADF4F-A6F6-4D72-BC9C-67F1E62A4F69}"/>
-                    </a:ext>
-                  </a:extLst>
-                </p:cNvPr>
-                <p:cNvSpPr txBox="1"/>
-                <p:nvPr/>
-              </p:nvSpPr>
-              <p:spPr>
-                <a:xfrm>
-                  <a:off x="2336776" y="3311403"/>
-                  <a:ext cx="1324914" cy="584775"/>
-                </a:xfrm>
-                <a:prstGeom prst="rect">
-                  <a:avLst/>
-                </a:prstGeom>
-                <a:noFill/>
-              </p:spPr>
-              <p:txBody>
-                <a:bodyPr wrap="none" rtlCol="0">
-                  <a:spAutoFit/>
-                </a:bodyPr>
-                <a:lstStyle/>
-                <a:p>
-                  <a:r>
-                    <a:rPr lang="en-US" sz="1600" dirty="0"/>
-                    <a:t>(press==1)?</a:t>
-                  </a:r>
-                  <a14:m>
-                    <m:oMath xmlns:m="http://schemas.openxmlformats.org/officeDocument/2006/math">
-                      <m:r>
-                        <a:rPr lang="en-US" sz="1600" b="0" i="1" smtClean="0">
-                          <a:latin typeface="Cambria Math" panose="02040503050406030204" pitchFamily="18" charset="0"/>
-                        </a:rPr>
-                        <m:t>→</m:t>
-                      </m:r>
-                    </m:oMath>
-                  </a14:m>
-                  <a:endParaRPr lang="en-US" sz="1600" dirty="0"/>
-                </a:p>
-                <a:p>
-                  <a:r>
-                    <a:rPr lang="en-US" sz="1600" dirty="0"/>
-                    <a:t> c:=0</a:t>
-                  </a:r>
-                </a:p>
-              </p:txBody>
-            </p:sp>
-          </mc:Choice>
-          <mc:Fallback xmlns="">
-            <p:sp>
-              <p:nvSpPr>
-                <p:cNvPr id="13" name="TextBox 12">
-                  <a:extLst>
-                    <a:ext uri="{FF2B5EF4-FFF2-40B4-BE49-F238E27FC236}">
-                      <a16:creationId xmlns:a16="http://schemas.microsoft.com/office/drawing/2014/main" id="{B4911D0E-9194-4438-A253-DCA01D6D9420}"/>
-                    </a:ext>
-                  </a:extLst>
-                </p:cNvPr>
-                <p:cNvSpPr txBox="1">
-                  <a:spLocks noRot="1" noChangeAspect="1" noMove="1" noResize="1" noEditPoints="1" noAdjustHandles="1" noChangeArrowheads="1" noChangeShapeType="1" noTextEdit="1"/>
-                </p:cNvSpPr>
-                <p:nvPr/>
-              </p:nvSpPr>
-              <p:spPr>
-                <a:xfrm>
-                  <a:off x="2336776" y="3311403"/>
-                  <a:ext cx="1324914" cy="584775"/>
-                </a:xfrm>
-                <a:prstGeom prst="rect">
-                  <a:avLst/>
-                </a:prstGeom>
-                <a:blipFill>
-                  <a:blip r:embed="rId4"/>
-                  <a:stretch>
-                    <a:fillRect l="-2294" t="-3125" b="-12500"/>
-                  </a:stretch>
-                </a:blipFill>
-              </p:spPr>
-              <p:txBody>
-                <a:bodyPr/>
-                <a:lstStyle/>
-                <a:p>
-                  <a:r>
-                    <a:rPr lang="en-US">
-                      <a:noFill/>
-                    </a:rPr>
-                    <a:t> </a:t>
-                  </a:r>
-                </a:p>
-              </p:txBody>
-            </p:sp>
-          </mc:Fallback>
-        </mc:AlternateContent>
-        <p:sp>
-          <p:nvSpPr>
-            <p:cNvPr id="16" name="TextBox 15">
-              <a:extLst>
-                <a:ext uri="{FF2B5EF4-FFF2-40B4-BE49-F238E27FC236}">
-                  <a16:creationId xmlns:a16="http://schemas.microsoft.com/office/drawing/2014/main" id="{1BD27D04-24B0-436E-8C32-7A6018C4D585}"/>
-                </a:ext>
-              </a:extLst>
-            </p:cNvPr>
-            <p:cNvSpPr txBox="1"/>
-            <p:nvPr/>
-          </p:nvSpPr>
-          <p:spPr>
-            <a:xfrm>
-              <a:off x="3644938" y="4460373"/>
-              <a:ext cx="1153393" cy="338554"/>
-            </a:xfrm>
-            <a:prstGeom prst="rect">
-              <a:avLst/>
-            </a:prstGeom>
-            <a:noFill/>
-          </p:spPr>
-          <p:txBody>
-            <a:bodyPr wrap="none" rtlCol="0">
-              <a:spAutoFit/>
-            </a:bodyPr>
-            <a:lstStyle/>
-            <a:p>
-              <a:r>
-                <a:rPr lang="en-US" sz="1600" dirty="0"/>
-                <a:t>(press==1)?</a:t>
-              </a:r>
-            </a:p>
-          </p:txBody>
-        </p:sp>
-        <p:cxnSp>
-          <p:nvCxnSpPr>
-            <p:cNvPr id="17" name="Straight Arrow Connector 16">
-              <a:extLst>
-                <a:ext uri="{FF2B5EF4-FFF2-40B4-BE49-F238E27FC236}">
-                  <a16:creationId xmlns:a16="http://schemas.microsoft.com/office/drawing/2014/main" id="{5932C973-5CF2-4FBF-9EF3-6DC25D618A7E}"/>
-                </a:ext>
-              </a:extLst>
-            </p:cNvPr>
-            <p:cNvCxnSpPr>
-              <a:cxnSpLocks/>
-              <a:endCxn id="8" idx="2"/>
-            </p:cNvCxnSpPr>
-            <p:nvPr/>
-          </p:nvCxnSpPr>
-          <p:spPr>
-            <a:xfrm>
-              <a:off x="589102" y="3340069"/>
-              <a:ext cx="831099" cy="0"/>
-            </a:xfrm>
-            <a:prstGeom prst="straightConnector1">
-              <a:avLst/>
-            </a:prstGeom>
-            <a:ln w="25400">
-              <a:solidFill>
-                <a:schemeClr val="accent6"/>
-              </a:solidFill>
-              <a:tailEnd type="triangle" w="lg" len="lg"/>
-            </a:ln>
-          </p:spPr>
-          <p:style>
-            <a:lnRef idx="1">
-              <a:schemeClr val="accent1"/>
-            </a:lnRef>
-            <a:fillRef idx="0">
-              <a:schemeClr val="accent1"/>
-            </a:fillRef>
-            <a:effectRef idx="0">
-              <a:schemeClr val="accent1"/>
-            </a:effectRef>
-            <a:fontRef idx="minor">
-              <a:schemeClr val="tx1"/>
-            </a:fontRef>
-          </p:style>
-        </p:cxnSp>
-        <p:sp>
-          <p:nvSpPr>
-            <p:cNvPr id="18" name="TextBox 17">
-              <a:extLst>
-                <a:ext uri="{FF2B5EF4-FFF2-40B4-BE49-F238E27FC236}">
-                  <a16:creationId xmlns:a16="http://schemas.microsoft.com/office/drawing/2014/main" id="{FF6F7BB9-25C4-4A90-AC21-43A582B8AF6A}"/>
-                </a:ext>
-              </a:extLst>
-            </p:cNvPr>
-            <p:cNvSpPr txBox="1"/>
-            <p:nvPr/>
-          </p:nvSpPr>
-          <p:spPr>
-            <a:xfrm>
-              <a:off x="218533" y="2928958"/>
-              <a:ext cx="1000595" cy="338554"/>
-            </a:xfrm>
-            <a:prstGeom prst="rect">
-              <a:avLst/>
-            </a:prstGeom>
-            <a:noFill/>
-          </p:spPr>
-          <p:txBody>
-            <a:bodyPr wrap="none" rtlCol="0">
-              <a:spAutoFit/>
-            </a:bodyPr>
-            <a:lstStyle/>
-            <a:p>
-              <a:r>
-                <a:rPr lang="en-US" sz="1600" dirty="0"/>
-                <a:t>clock c:=0</a:t>
-              </a:r>
-            </a:p>
-          </p:txBody>
-        </p:sp>
-        <p:sp>
-          <p:nvSpPr>
-            <p:cNvPr id="19" name="Freeform: Shape 18">
-              <a:extLst>
-                <a:ext uri="{FF2B5EF4-FFF2-40B4-BE49-F238E27FC236}">
-                  <a16:creationId xmlns:a16="http://schemas.microsoft.com/office/drawing/2014/main" id="{768063C6-EF21-45A6-87AC-B9A613FF3380}"/>
-                </a:ext>
-              </a:extLst>
-            </p:cNvPr>
-            <p:cNvSpPr/>
-            <p:nvPr/>
-          </p:nvSpPr>
-          <p:spPr>
-            <a:xfrm>
-              <a:off x="1821116" y="2474254"/>
-              <a:ext cx="2120793" cy="573427"/>
-            </a:xfrm>
-            <a:custGeom>
-              <a:avLst/>
-              <a:gdLst>
-                <a:gd name="connsiteX0" fmla="*/ 2013217 w 2013217"/>
-                <a:gd name="connsiteY0" fmla="*/ 522518 h 522518"/>
-                <a:gd name="connsiteX1" fmla="*/ 1114185 w 2013217"/>
-                <a:gd name="connsiteY1" fmla="*/ 4 h 522518"/>
-                <a:gd name="connsiteX2" fmla="*/ 0 w 2013217"/>
-                <a:gd name="connsiteY2" fmla="*/ 514834 h 522518"/>
-              </a:gdLst>
-              <a:ahLst/>
-              <a:cxnLst>
-                <a:cxn ang="0">
-                  <a:pos x="connsiteX0" y="connsiteY0"/>
-                </a:cxn>
-                <a:cxn ang="0">
-                  <a:pos x="connsiteX1" y="connsiteY1"/>
-                </a:cxn>
-                <a:cxn ang="0">
-                  <a:pos x="connsiteX2" y="connsiteY2"/>
-                </a:cxn>
-              </a:cxnLst>
-              <a:rect l="l" t="t" r="r" b="b"/>
-              <a:pathLst>
-                <a:path w="2013217" h="522518">
-                  <a:moveTo>
-                    <a:pt x="2013217" y="522518"/>
-                  </a:moveTo>
-                  <a:cubicBezTo>
-                    <a:pt x="1731469" y="261901"/>
-                    <a:pt x="1449721" y="1285"/>
-                    <a:pt x="1114185" y="4"/>
-                  </a:cubicBezTo>
-                  <a:cubicBezTo>
-                    <a:pt x="778649" y="-1277"/>
-                    <a:pt x="389324" y="256778"/>
-                    <a:pt x="0" y="514834"/>
-                  </a:cubicBezTo>
-                </a:path>
-              </a:pathLst>
-            </a:custGeom>
-            <a:ln w="25400">
-              <a:solidFill>
-                <a:schemeClr val="accent6"/>
-              </a:solidFill>
-              <a:tailEnd type="triangle" w="lg" len="lg"/>
-            </a:ln>
-          </p:spPr>
-          <p:style>
-            <a:lnRef idx="1">
-              <a:schemeClr val="accent1"/>
-            </a:lnRef>
-            <a:fillRef idx="0">
-              <a:schemeClr val="accent1"/>
-            </a:fillRef>
-            <a:effectRef idx="0">
-              <a:schemeClr val="accent1"/>
-            </a:effectRef>
-            <a:fontRef idx="minor">
-              <a:schemeClr val="tx1"/>
-            </a:fontRef>
-          </p:style>
-          <p:txBody>
-            <a:bodyPr rtlCol="0" anchor="ctr"/>
-            <a:lstStyle/>
-            <a:p>
-              <a:pPr algn="ctr"/>
-              <a:endParaRPr lang="en-US">
-                <a:solidFill>
-                  <a:schemeClr val="tx1"/>
-                </a:solidFill>
-              </a:endParaRPr>
-            </a:p>
-          </p:txBody>
-        </p:sp>
-        <mc:AlternateContent xmlns:mc="http://schemas.openxmlformats.org/markup-compatibility/2006" xmlns:a14="http://schemas.microsoft.com/office/drawing/2010/main">
-          <mc:Choice Requires="a14">
-            <p:sp>
-              <p:nvSpPr>
-                <p:cNvPr id="20" name="TextBox 19">
-                  <a:extLst>
-                    <a:ext uri="{FF2B5EF4-FFF2-40B4-BE49-F238E27FC236}">
-                      <a16:creationId xmlns:a16="http://schemas.microsoft.com/office/drawing/2014/main" id="{D68B06B2-4E00-421A-91B7-66154E0F5752}"/>
-                    </a:ext>
-                  </a:extLst>
-                </p:cNvPr>
-                <p:cNvSpPr txBox="1"/>
-                <p:nvPr/>
-              </p:nvSpPr>
-              <p:spPr>
-                <a:xfrm>
-                  <a:off x="1962574" y="2084624"/>
-                  <a:ext cx="1837875" cy="338554"/>
-                </a:xfrm>
-                <a:prstGeom prst="rect">
-                  <a:avLst/>
-                </a:prstGeom>
-                <a:noFill/>
-              </p:spPr>
-              <p:txBody>
-                <a:bodyPr wrap="none" rtlCol="0">
-                  <a:spAutoFit/>
-                </a:bodyPr>
-                <a:lstStyle/>
-                <a:p>
-                  <a:r>
-                    <a:rPr lang="en-US" sz="1600" dirty="0"/>
-                    <a:t>(press==1)? </a:t>
-                  </a:r>
-                  <a14:m>
-                    <m:oMath xmlns:m="http://schemas.openxmlformats.org/officeDocument/2006/math">
-                      <m:r>
-                        <a:rPr lang="en-US" sz="1600" b="0" i="1" smtClean="0">
-                          <a:latin typeface="Cambria Math" panose="02040503050406030204" pitchFamily="18" charset="0"/>
-                        </a:rPr>
-                        <m:t>∧</m:t>
-                      </m:r>
-                    </m:oMath>
-                  </a14:m>
-                  <a:r>
-                    <a:rPr lang="en-US" sz="1600" dirty="0"/>
-                    <a:t> (c</a:t>
-                  </a:r>
-                  <a14:m>
-                    <m:oMath xmlns:m="http://schemas.openxmlformats.org/officeDocument/2006/math">
-                      <m:r>
-                        <a:rPr lang="en-US" sz="1600" b="0" i="1" smtClean="0">
-                          <a:latin typeface="Cambria Math" panose="02040503050406030204" pitchFamily="18" charset="0"/>
-                        </a:rPr>
-                        <m:t>≥</m:t>
-                      </m:r>
-                    </m:oMath>
-                  </a14:m>
-                  <a:r>
-                    <a:rPr lang="en-US" sz="1600" dirty="0"/>
-                    <a:t>1)</a:t>
-                  </a:r>
-                </a:p>
-              </p:txBody>
-            </p:sp>
-          </mc:Choice>
-          <mc:Fallback xmlns="">
-            <p:sp>
-              <p:nvSpPr>
-                <p:cNvPr id="18" name="TextBox 17">
-                  <a:extLst>
-                    <a:ext uri="{FF2B5EF4-FFF2-40B4-BE49-F238E27FC236}">
-                      <a16:creationId xmlns:a16="http://schemas.microsoft.com/office/drawing/2014/main" id="{DDD3D0B0-884E-4120-87AD-11584B5A5B56}"/>
-                    </a:ext>
-                  </a:extLst>
-                </p:cNvPr>
-                <p:cNvSpPr txBox="1">
-                  <a:spLocks noRot="1" noChangeAspect="1" noMove="1" noResize="1" noEditPoints="1" noAdjustHandles="1" noChangeArrowheads="1" noChangeShapeType="1" noTextEdit="1"/>
-                </p:cNvSpPr>
-                <p:nvPr/>
-              </p:nvSpPr>
-              <p:spPr>
-                <a:xfrm>
-                  <a:off x="1962574" y="2084624"/>
-                  <a:ext cx="1837875" cy="338554"/>
-                </a:xfrm>
-                <a:prstGeom prst="rect">
-                  <a:avLst/>
-                </a:prstGeom>
-                <a:blipFill>
-                  <a:blip r:embed="rId5"/>
-                  <a:stretch>
-                    <a:fillRect l="-1993" t="-5357" r="-664" b="-21429"/>
-                  </a:stretch>
-                </a:blipFill>
-              </p:spPr>
-              <p:txBody>
-                <a:bodyPr/>
-                <a:lstStyle/>
-                <a:p>
-                  <a:r>
-                    <a:rPr lang="en-US">
-                      <a:noFill/>
-                    </a:rPr>
-                    <a:t> </a:t>
-                  </a:r>
-                </a:p>
-              </p:txBody>
-            </p:sp>
-          </mc:Fallback>
-        </mc:AlternateContent>
-        <mc:AlternateContent xmlns:mc="http://schemas.openxmlformats.org/markup-compatibility/2006" xmlns:a14="http://schemas.microsoft.com/office/drawing/2010/main">
-          <mc:Choice Requires="a14">
-            <p:sp>
-              <p:nvSpPr>
-                <p:cNvPr id="21" name="TextBox 20">
-                  <a:extLst>
-                    <a:ext uri="{FF2B5EF4-FFF2-40B4-BE49-F238E27FC236}">
-                      <a16:creationId xmlns:a16="http://schemas.microsoft.com/office/drawing/2014/main" id="{36FB8762-5F33-4B73-98C3-3FE2A0E36A6E}"/>
-                    </a:ext>
-                  </a:extLst>
-                </p:cNvPr>
-                <p:cNvSpPr txBox="1"/>
-                <p:nvPr/>
-              </p:nvSpPr>
-              <p:spPr>
-                <a:xfrm>
-                  <a:off x="4414591" y="2934966"/>
-                  <a:ext cx="1837875" cy="338554"/>
-                </a:xfrm>
-                <a:prstGeom prst="rect">
-                  <a:avLst/>
-                </a:prstGeom>
-                <a:noFill/>
-              </p:spPr>
-              <p:txBody>
-                <a:bodyPr wrap="none" rtlCol="0">
-                  <a:spAutoFit/>
-                </a:bodyPr>
-                <a:lstStyle/>
-                <a:p>
-                  <a:r>
-                    <a:rPr lang="en-US" sz="1600" dirty="0"/>
-                    <a:t>(press==1)? </a:t>
-                  </a:r>
-                  <a14:m>
-                    <m:oMath xmlns:m="http://schemas.openxmlformats.org/officeDocument/2006/math">
-                      <m:r>
-                        <a:rPr lang="en-US" sz="1600" b="0" i="1" smtClean="0">
-                          <a:latin typeface="Cambria Math" panose="02040503050406030204" pitchFamily="18" charset="0"/>
-                        </a:rPr>
-                        <m:t>∧</m:t>
-                      </m:r>
-                    </m:oMath>
-                  </a14:m>
-                  <a:r>
-                    <a:rPr lang="en-US" sz="1600" dirty="0"/>
-                    <a:t> (c</a:t>
-                  </a:r>
-                  <a14:m>
-                    <m:oMath xmlns:m="http://schemas.openxmlformats.org/officeDocument/2006/math">
-                      <m:r>
-                        <a:rPr lang="en-US" sz="1600" b="0" i="1" smtClean="0">
-                          <a:latin typeface="Cambria Math" panose="02040503050406030204" pitchFamily="18" charset="0"/>
-                        </a:rPr>
-                        <m:t>≤</m:t>
-                      </m:r>
-                    </m:oMath>
-                  </a14:m>
-                  <a:r>
-                    <a:rPr lang="en-US" sz="1600" dirty="0"/>
-                    <a:t>1)</a:t>
-                  </a:r>
-                </a:p>
-              </p:txBody>
-            </p:sp>
-          </mc:Choice>
-          <mc:Fallback xmlns="">
-            <p:sp>
-              <p:nvSpPr>
-                <p:cNvPr id="19" name="TextBox 18">
-                  <a:extLst>
-                    <a:ext uri="{FF2B5EF4-FFF2-40B4-BE49-F238E27FC236}">
-                      <a16:creationId xmlns:a16="http://schemas.microsoft.com/office/drawing/2014/main" id="{7F1883DD-E135-49A9-BEB4-E89A818F0611}"/>
-                    </a:ext>
-                  </a:extLst>
-                </p:cNvPr>
-                <p:cNvSpPr txBox="1">
-                  <a:spLocks noRot="1" noChangeAspect="1" noMove="1" noResize="1" noEditPoints="1" noAdjustHandles="1" noChangeArrowheads="1" noChangeShapeType="1" noTextEdit="1"/>
-                </p:cNvSpPr>
-                <p:nvPr/>
-              </p:nvSpPr>
-              <p:spPr>
-                <a:xfrm>
-                  <a:off x="4414591" y="2934966"/>
-                  <a:ext cx="1837875" cy="338554"/>
-                </a:xfrm>
-                <a:prstGeom prst="rect">
-                  <a:avLst/>
-                </a:prstGeom>
-                <a:blipFill>
-                  <a:blip r:embed="rId6"/>
-                  <a:stretch>
-                    <a:fillRect l="-1656" t="-5455" r="-662" b="-23636"/>
-                  </a:stretch>
-                </a:blipFill>
-              </p:spPr>
-              <p:txBody>
-                <a:bodyPr/>
-                <a:lstStyle/>
-                <a:p>
-                  <a:r>
-                    <a:rPr lang="en-US">
-                      <a:noFill/>
-                    </a:rPr>
-                    <a:t> </a:t>
-                  </a:r>
-                </a:p>
-              </p:txBody>
-            </p:sp>
-          </mc:Fallback>
-        </mc:AlternateContent>
-      </p:grpSp>
-    </p:spTree>
-    <p:extLst>
-      <p:ext uri="{BB962C8B-B14F-4D97-AF65-F5344CB8AC3E}">
-        <p14:creationId xmlns:p14="http://schemas.microsoft.com/office/powerpoint/2010/main" val="840328071"/>
-      </p:ext>
-    </p:extLst>
-  </p:cSld>
-  <p:clrMapOvr>
-    <a:masterClrMapping/>
-  </p:clrMapOvr>
-</p:sld>
-</file>
-
-<file path=ppt/slides/slide5.xml><?xml version="1.0" encoding="utf-8"?>
-<p:sld xmlns:a="http://schemas.openxmlformats.org/drawingml/2006/main" xmlns:r="http://schemas.openxmlformats.org/officeDocument/2006/relationships" xmlns:p="http://schemas.openxmlformats.org/presentationml/2006/main">
-  <p:cSld>
-    <p:spTree>
-      <p:nvGrpSpPr>
-        <p:cNvPr id="1" name=""/>
-        <p:cNvGrpSpPr/>
-        <p:nvPr/>
-      </p:nvGrpSpPr>
-      <p:grpSpPr>
-        <a:xfrm>
-          <a:off x="0" y="0"/>
-          <a:ext cx="0" cy="0"/>
-          <a:chOff x="0" y="0"/>
-          <a:chExt cx="0" cy="0"/>
-        </a:xfrm>
-      </p:grpSpPr>
-      <p:sp>
-        <p:nvSpPr>
           <p:cNvPr id="2" name="Content Placeholder 1">
             <a:extLst>
               <a:ext uri="{FF2B5EF4-FFF2-40B4-BE49-F238E27FC236}">
@@ -32581,7 +33049,7 @@
             <a:fld id="{29AAD378-655A-49C6-813C-9FD132EF7440}" type="slidenum">
               <a:rPr lang="en-US" smtClean="0"/>
               <a:pPr/>
-              <a:t>5</a:t>
+              <a:t>4</a:t>
             </a:fld>
             <a:endParaRPr lang="en-US" dirty="0"/>
           </a:p>
@@ -34304,7 +34772,7 @@
 </p:sld>
 </file>
 
-<file path=ppt/slides/slide6.xml><?xml version="1.0" encoding="utf-8"?>
+<file path=ppt/slides/slide5.xml><?xml version="1.0" encoding="utf-8"?>
 <p:sld xmlns:a="http://schemas.openxmlformats.org/drawingml/2006/main" xmlns:r="http://schemas.openxmlformats.org/officeDocument/2006/relationships" xmlns:p="http://schemas.openxmlformats.org/presentationml/2006/main">
   <p:cSld>
     <p:spTree>
@@ -34345,7 +34813,7 @@
             <a:fld id="{29AAD378-655A-49C6-813C-9FD132EF7440}" type="slidenum">
               <a:rPr lang="en-US" smtClean="0"/>
               <a:pPr/>
-              <a:t>6</a:t>
+              <a:t>5</a:t>
             </a:fld>
             <a:endParaRPr lang="en-US" dirty="0"/>
           </a:p>
@@ -35893,57 +36361,6 @@
           </mc:Fallback>
         </mc:AlternateContent>
       </p:grpSp>
-      <mc:AlternateContent xmlns:mc="http://schemas.openxmlformats.org/markup-compatibility/2006" xmlns:p14="http://schemas.microsoft.com/office/powerpoint/2010/main">
-        <mc:Choice Requires="p14">
-          <p:contentPart p14:bwMode="auto" r:id="rId7">
-            <p14:nvContentPartPr>
-              <p14:cNvPr id="2" name="Ink 1">
-                <a:extLst>
-                  <a:ext uri="{FF2B5EF4-FFF2-40B4-BE49-F238E27FC236}">
-                    <a16:creationId xmlns:a16="http://schemas.microsoft.com/office/drawing/2014/main" id="{A501F683-0D61-6BFA-D9FC-83E935E0BF43}"/>
-                  </a:ext>
-                </a:extLst>
-              </p14:cNvPr>
-              <p14:cNvContentPartPr/>
-              <p14:nvPr/>
-            </p14:nvContentPartPr>
-            <p14:xfrm>
-              <a:off x="1898640" y="1441440"/>
-              <a:ext cx="4210560" cy="1556280"/>
-            </p14:xfrm>
-          </p:contentPart>
-        </mc:Choice>
-        <mc:Fallback xmlns="">
-          <p:pic>
-            <p:nvPicPr>
-              <p:cNvPr id="2" name="Ink 1">
-                <a:extLst>
-                  <a:ext uri="{FF2B5EF4-FFF2-40B4-BE49-F238E27FC236}">
-                    <a16:creationId xmlns:a16="http://schemas.microsoft.com/office/drawing/2014/main" id="{A501F683-0D61-6BFA-D9FC-83E935E0BF43}"/>
-                  </a:ext>
-                </a:extLst>
-              </p:cNvPr>
-              <p:cNvPicPr/>
-              <p:nvPr/>
-            </p:nvPicPr>
-            <p:blipFill>
-              <a:blip r:embed="rId8"/>
-              <a:stretch>
-                <a:fillRect/>
-              </a:stretch>
-            </p:blipFill>
-            <p:spPr>
-              <a:xfrm>
-                <a:off x="1889280" y="1432080"/>
-                <a:ext cx="4229280" cy="1575000"/>
-              </a:xfrm>
-              <a:prstGeom prst="rect">
-                <a:avLst/>
-              </a:prstGeom>
-            </p:spPr>
-          </p:pic>
-        </mc:Fallback>
-      </mc:AlternateContent>
     </p:spTree>
     <p:extLst>
       <p:ext uri="{BB962C8B-B14F-4D97-AF65-F5344CB8AC3E}">
@@ -35957,7 +36374,7 @@
 </p:sld>
 </file>
 
-<file path=ppt/slides/slide7.xml><?xml version="1.0" encoding="utf-8"?>
+<file path=ppt/slides/slide6.xml><?xml version="1.0" encoding="utf-8"?>
 <p:sld xmlns:a="http://schemas.openxmlformats.org/drawingml/2006/main" xmlns:r="http://schemas.openxmlformats.org/officeDocument/2006/relationships" xmlns:p="http://schemas.openxmlformats.org/presentationml/2006/main">
   <p:cSld>
     <p:spTree>
@@ -36160,7 +36577,7 @@
             <a:fld id="{29AAD378-655A-49C6-813C-9FD132EF7440}" type="slidenum">
               <a:rPr lang="en-US" smtClean="0"/>
               <a:pPr/>
-              <a:t>7</a:t>
+              <a:t>6</a:t>
             </a:fld>
             <a:endParaRPr lang="en-US" dirty="0"/>
           </a:p>
@@ -37290,7 +37707,7 @@
 </p:sld>
 </file>
 
-<file path=ppt/slides/slide8.xml><?xml version="1.0" encoding="utf-8"?>
+<file path=ppt/slides/slide7.xml><?xml version="1.0" encoding="utf-8"?>
 <p:sld xmlns:a="http://schemas.openxmlformats.org/drawingml/2006/main" xmlns:r="http://schemas.openxmlformats.org/officeDocument/2006/relationships" xmlns:p="http://schemas.openxmlformats.org/presentationml/2006/main">
   <p:cSld>
     <p:spTree>
@@ -37359,7 +37776,7 @@
             <a:fld id="{29AAD378-655A-49C6-813C-9FD132EF7440}" type="slidenum">
               <a:rPr lang="en-US" smtClean="0"/>
               <a:pPr/>
-              <a:t>8</a:t>
+              <a:t>7</a:t>
             </a:fld>
             <a:endParaRPr lang="en-US"/>
           </a:p>
@@ -39880,6 +40297,2612 @@
           </a:fontRef>
         </p:style>
       </p:cxnSp>
+      <p:sp>
+        <p:nvSpPr>
+          <p:cNvPr id="36" name="Content Placeholder 1">
+            <a:extLst>
+              <a:ext uri="{FF2B5EF4-FFF2-40B4-BE49-F238E27FC236}">
+                <a16:creationId xmlns:a16="http://schemas.microsoft.com/office/drawing/2014/main" id="{55840ECC-DCD5-4F01-A0E6-7881FF7CFB4D}"/>
+              </a:ext>
+            </a:extLst>
+          </p:cNvPr>
+          <p:cNvSpPr txBox="1">
+            <a:spLocks/>
+          </p:cNvSpPr>
+          <p:nvPr/>
+        </p:nvSpPr>
+        <p:spPr>
+          <a:xfrm>
+            <a:off x="7375482" y="2122223"/>
+            <a:ext cx="4816518" cy="1889180"/>
+          </a:xfrm>
+          <a:prstGeom prst="rect">
+            <a:avLst/>
+          </a:prstGeom>
+        </p:spPr>
+        <p:txBody>
+          <a:bodyPr vert="horz" lIns="91440" tIns="45720" rIns="91440" bIns="45720" rtlCol="0">
+            <a:normAutofit/>
+          </a:bodyPr>
+          <a:lstStyle>
+            <a:lvl1pPr marL="457200" marR="0" indent="-457200" algn="l" defTabSz="914400" rtl="0" eaLnBrk="1" fontAlgn="auto" latinLnBrk="0" hangingPunct="1">
+              <a:lnSpc>
+                <a:spcPct val="90000"/>
+              </a:lnSpc>
+              <a:spcBef>
+                <a:spcPts val="1000"/>
+              </a:spcBef>
+              <a:spcAft>
+                <a:spcPts val="0"/>
+              </a:spcAft>
+              <a:buClr>
+                <a:srgbClr val="FF9B9B"/>
+              </a:buClr>
+              <a:buSzPct val="80000"/>
+              <a:buFont typeface="Wingdings 3" panose="05040102010807070707" pitchFamily="18" charset="2"/>
+              <a:buChar char=""/>
+              <a:tabLst/>
+              <a:defRPr lang="en-US" sz="2800" kern="1200" noProof="0">
+                <a:solidFill>
+                  <a:schemeClr val="tx1"/>
+                </a:solidFill>
+                <a:latin typeface="+mn-lt"/>
+                <a:ea typeface="+mn-ea"/>
+                <a:cs typeface="+mn-cs"/>
+              </a:defRPr>
+            </a:lvl1pPr>
+            <a:lvl2pPr marL="685800" marR="0" indent="-274320" algn="l" defTabSz="914400" rtl="0" eaLnBrk="1" fontAlgn="auto" latinLnBrk="0" hangingPunct="1">
+              <a:lnSpc>
+                <a:spcPct val="90000"/>
+              </a:lnSpc>
+              <a:spcBef>
+                <a:spcPts val="500"/>
+              </a:spcBef>
+              <a:spcAft>
+                <a:spcPts val="0"/>
+              </a:spcAft>
+              <a:buClr>
+                <a:srgbClr val="FFA3A3"/>
+              </a:buClr>
+              <a:buSzPct val="75000"/>
+              <a:buFont typeface="Wingdings 3" panose="05040102010807070707" pitchFamily="18" charset="2"/>
+              <a:buChar char=""/>
+              <a:tabLst/>
+              <a:defRPr lang="en-US" sz="2800" kern="1200" noProof="0">
+                <a:solidFill>
+                  <a:schemeClr val="tx1"/>
+                </a:solidFill>
+                <a:latin typeface="+mn-lt"/>
+                <a:ea typeface="+mn-ea"/>
+                <a:cs typeface="+mn-cs"/>
+              </a:defRPr>
+            </a:lvl2pPr>
+            <a:lvl3pPr marL="1143000" marR="0" indent="-228600" algn="l" defTabSz="914400" rtl="0" eaLnBrk="1" fontAlgn="auto" latinLnBrk="0" hangingPunct="1">
+              <a:lnSpc>
+                <a:spcPct val="90000"/>
+              </a:lnSpc>
+              <a:spcBef>
+                <a:spcPts val="500"/>
+              </a:spcBef>
+              <a:spcAft>
+                <a:spcPts val="0"/>
+              </a:spcAft>
+              <a:buClr>
+                <a:srgbClr val="FF9797"/>
+              </a:buClr>
+              <a:buSzPct val="70000"/>
+              <a:buFont typeface="Wingdings 3" panose="05040102010807070707" pitchFamily="18" charset="2"/>
+              <a:buChar char=""/>
+              <a:tabLst/>
+              <a:defRPr lang="en-US" sz="2800" kern="1200" noProof="0">
+                <a:solidFill>
+                  <a:schemeClr val="tx1"/>
+                </a:solidFill>
+                <a:latin typeface="+mn-lt"/>
+                <a:ea typeface="+mn-ea"/>
+                <a:cs typeface="+mn-cs"/>
+              </a:defRPr>
+            </a:lvl3pPr>
+            <a:lvl4pPr marL="1600200" marR="0" indent="-228600" algn="l" defTabSz="914400" rtl="0" eaLnBrk="1" fontAlgn="auto" latinLnBrk="0" hangingPunct="1">
+              <a:lnSpc>
+                <a:spcPct val="90000"/>
+              </a:lnSpc>
+              <a:spcBef>
+                <a:spcPts val="500"/>
+              </a:spcBef>
+              <a:spcAft>
+                <a:spcPts val="0"/>
+              </a:spcAft>
+              <a:buClr>
+                <a:srgbClr val="FF9B9B"/>
+              </a:buClr>
+              <a:buSzPct val="65000"/>
+              <a:buFont typeface="Wingdings 3" panose="05040102010807070707" pitchFamily="18" charset="2"/>
+              <a:buChar char=""/>
+              <a:tabLst/>
+              <a:defRPr lang="en-US" sz="2800" kern="1200" noProof="0">
+                <a:solidFill>
+                  <a:schemeClr val="tx1"/>
+                </a:solidFill>
+                <a:latin typeface="+mn-lt"/>
+                <a:ea typeface="+mn-ea"/>
+                <a:cs typeface="+mn-cs"/>
+              </a:defRPr>
+            </a:lvl4pPr>
+            <a:lvl5pPr marL="2057400" marR="0" indent="-228600" algn="l" defTabSz="914400" rtl="0" eaLnBrk="1" fontAlgn="auto" latinLnBrk="0" hangingPunct="1">
+              <a:lnSpc>
+                <a:spcPct val="90000"/>
+              </a:lnSpc>
+              <a:spcBef>
+                <a:spcPts val="500"/>
+              </a:spcBef>
+              <a:spcAft>
+                <a:spcPts val="0"/>
+              </a:spcAft>
+              <a:buClr>
+                <a:srgbClr val="FF9B9B"/>
+              </a:buClr>
+              <a:buSzPct val="60000"/>
+              <a:buFont typeface="Wingdings 3" panose="05040102010807070707" pitchFamily="18" charset="2"/>
+              <a:buChar char=""/>
+              <a:tabLst/>
+              <a:defRPr lang="en-US" sz="2800" kern="1200" noProof="0">
+                <a:solidFill>
+                  <a:schemeClr val="tx1"/>
+                </a:solidFill>
+                <a:latin typeface="+mn-lt"/>
+                <a:ea typeface="+mn-ea"/>
+                <a:cs typeface="+mn-cs"/>
+              </a:defRPr>
+            </a:lvl5pPr>
+            <a:lvl6pPr marL="2514600" indent="-228600" algn="l" defTabSz="914400" rtl="0" eaLnBrk="1" latinLnBrk="0" hangingPunct="1">
+              <a:lnSpc>
+                <a:spcPct val="90000"/>
+              </a:lnSpc>
+              <a:spcBef>
+                <a:spcPts val="500"/>
+              </a:spcBef>
+              <a:buFont typeface="Arial" panose="020B0604020202020204" pitchFamily="34" charset="0"/>
+              <a:buChar char="•"/>
+              <a:defRPr sz="1800" kern="1200">
+                <a:solidFill>
+                  <a:schemeClr val="tx1"/>
+                </a:solidFill>
+                <a:latin typeface="+mn-lt"/>
+                <a:ea typeface="+mn-ea"/>
+                <a:cs typeface="+mn-cs"/>
+              </a:defRPr>
+            </a:lvl6pPr>
+            <a:lvl7pPr marL="2971800" indent="-228600" algn="l" defTabSz="914400" rtl="0" eaLnBrk="1" latinLnBrk="0" hangingPunct="1">
+              <a:lnSpc>
+                <a:spcPct val="90000"/>
+              </a:lnSpc>
+              <a:spcBef>
+                <a:spcPts val="500"/>
+              </a:spcBef>
+              <a:buFont typeface="Arial" panose="020B0604020202020204" pitchFamily="34" charset="0"/>
+              <a:buChar char="•"/>
+              <a:defRPr sz="1800" kern="1200">
+                <a:solidFill>
+                  <a:schemeClr val="tx1"/>
+                </a:solidFill>
+                <a:latin typeface="+mn-lt"/>
+                <a:ea typeface="+mn-ea"/>
+                <a:cs typeface="+mn-cs"/>
+              </a:defRPr>
+            </a:lvl7pPr>
+            <a:lvl8pPr marL="3429000" indent="-228600" algn="l" defTabSz="914400" rtl="0" eaLnBrk="1" latinLnBrk="0" hangingPunct="1">
+              <a:lnSpc>
+                <a:spcPct val="90000"/>
+              </a:lnSpc>
+              <a:spcBef>
+                <a:spcPts val="500"/>
+              </a:spcBef>
+              <a:buFont typeface="Arial" panose="020B0604020202020204" pitchFamily="34" charset="0"/>
+              <a:buChar char="•"/>
+              <a:defRPr sz="1800" kern="1200">
+                <a:solidFill>
+                  <a:schemeClr val="tx1"/>
+                </a:solidFill>
+                <a:latin typeface="+mn-lt"/>
+                <a:ea typeface="+mn-ea"/>
+                <a:cs typeface="+mn-cs"/>
+              </a:defRPr>
+            </a:lvl8pPr>
+            <a:lvl9pPr marL="3886200" indent="-228600" algn="l" defTabSz="914400" rtl="0" eaLnBrk="1" latinLnBrk="0" hangingPunct="1">
+              <a:lnSpc>
+                <a:spcPct val="90000"/>
+              </a:lnSpc>
+              <a:spcBef>
+                <a:spcPts val="500"/>
+              </a:spcBef>
+              <a:buFont typeface="Arial" panose="020B0604020202020204" pitchFamily="34" charset="0"/>
+              <a:buChar char="•"/>
+              <a:defRPr sz="1800" kern="1200">
+                <a:solidFill>
+                  <a:schemeClr val="tx1"/>
+                </a:solidFill>
+                <a:latin typeface="+mn-lt"/>
+                <a:ea typeface="+mn-ea"/>
+                <a:cs typeface="+mn-cs"/>
+              </a:defRPr>
+            </a:lvl9pPr>
+          </a:lstStyle>
+          <a:p>
+            <a:r>
+              <a:rPr lang="en-US" dirty="0"/>
+              <a:t>Machine execution is through alternating timed transitions and mode switches</a:t>
+            </a:r>
+          </a:p>
+          <a:p>
+            <a:pPr marL="0" indent="0">
+              <a:buNone/>
+            </a:pPr>
+            <a:endParaRPr lang="en-US" dirty="0"/>
+          </a:p>
+        </p:txBody>
+      </p:sp>
+    </p:spTree>
+    <p:extLst>
+      <p:ext uri="{BB962C8B-B14F-4D97-AF65-F5344CB8AC3E}">
+        <p14:creationId xmlns:p14="http://schemas.microsoft.com/office/powerpoint/2010/main" val="3387314526"/>
+      </p:ext>
+    </p:extLst>
+  </p:cSld>
+  <p:clrMapOvr>
+    <a:masterClrMapping/>
+  </p:clrMapOvr>
+  <p:timing>
+    <p:tnLst>
+      <p:par>
+        <p:cTn id="1" dur="indefinite" restart="never" nodeType="tmRoot">
+          <p:childTnLst>
+            <p:seq concurrent="1" nextAc="seek">
+              <p:cTn id="2" dur="indefinite" nodeType="mainSeq">
+                <p:childTnLst>
+                  <p:par>
+                    <p:cTn id="3" fill="hold">
+                      <p:stCondLst>
+                        <p:cond delay="indefinite"/>
+                      </p:stCondLst>
+                      <p:childTnLst>
+                        <p:par>
+                          <p:cTn id="4" fill="hold">
+                            <p:stCondLst>
+                              <p:cond delay="0"/>
+                            </p:stCondLst>
+                            <p:childTnLst>
+                              <p:par>
+                                <p:cTn id="5" presetID="1" presetClass="entr" presetSubtype="0" fill="hold" nodeType="clickEffect">
+                                  <p:stCondLst>
+                                    <p:cond delay="0"/>
+                                  </p:stCondLst>
+                                  <p:childTnLst>
+                                    <p:set>
+                                      <p:cBhvr>
+                                        <p:cTn id="6" dur="1" fill="hold">
+                                          <p:stCondLst>
+                                            <p:cond delay="0"/>
+                                          </p:stCondLst>
+                                        </p:cTn>
+                                        <p:tgtEl>
+                                          <p:spTgt spid="50"/>
+                                        </p:tgtEl>
+                                        <p:attrNameLst>
+                                          <p:attrName>style.visibility</p:attrName>
+                                        </p:attrNameLst>
+                                      </p:cBhvr>
+                                      <p:to>
+                                        <p:strVal val="visible"/>
+                                      </p:to>
+                                    </p:set>
+                                  </p:childTnLst>
+                                </p:cTn>
+                              </p:par>
+                              <p:par>
+                                <p:cTn id="7" presetID="1" presetClass="entr" presetSubtype="0" fill="hold" grpId="0" nodeType="withEffect">
+                                  <p:stCondLst>
+                                    <p:cond delay="0"/>
+                                  </p:stCondLst>
+                                  <p:childTnLst>
+                                    <p:set>
+                                      <p:cBhvr>
+                                        <p:cTn id="8" dur="1" fill="hold">
+                                          <p:stCondLst>
+                                            <p:cond delay="0"/>
+                                          </p:stCondLst>
+                                        </p:cTn>
+                                        <p:tgtEl>
+                                          <p:spTgt spid="45"/>
+                                        </p:tgtEl>
+                                        <p:attrNameLst>
+                                          <p:attrName>style.visibility</p:attrName>
+                                        </p:attrNameLst>
+                                      </p:cBhvr>
+                                      <p:to>
+                                        <p:strVal val="visible"/>
+                                      </p:to>
+                                    </p:set>
+                                  </p:childTnLst>
+                                </p:cTn>
+                              </p:par>
+                              <p:par>
+                                <p:cTn id="9" presetID="1" presetClass="entr" presetSubtype="0" fill="hold" nodeType="withEffect">
+                                  <p:stCondLst>
+                                    <p:cond delay="0"/>
+                                  </p:stCondLst>
+                                  <p:childTnLst>
+                                    <p:set>
+                                      <p:cBhvr>
+                                        <p:cTn id="10" dur="1" fill="hold">
+                                          <p:stCondLst>
+                                            <p:cond delay="0"/>
+                                          </p:stCondLst>
+                                        </p:cTn>
+                                        <p:tgtEl>
+                                          <p:spTgt spid="18"/>
+                                        </p:tgtEl>
+                                        <p:attrNameLst>
+                                          <p:attrName>style.visibility</p:attrName>
+                                        </p:attrNameLst>
+                                      </p:cBhvr>
+                                      <p:to>
+                                        <p:strVal val="visible"/>
+                                      </p:to>
+                                    </p:set>
+                                  </p:childTnLst>
+                                </p:cTn>
+                              </p:par>
+                            </p:childTnLst>
+                          </p:cTn>
+                        </p:par>
+                      </p:childTnLst>
+                    </p:cTn>
+                  </p:par>
+                  <p:par>
+                    <p:cTn id="11" fill="hold">
+                      <p:stCondLst>
+                        <p:cond delay="indefinite"/>
+                      </p:stCondLst>
+                      <p:childTnLst>
+                        <p:par>
+                          <p:cTn id="12" fill="hold">
+                            <p:stCondLst>
+                              <p:cond delay="0"/>
+                            </p:stCondLst>
+                            <p:childTnLst>
+                              <p:par>
+                                <p:cTn id="13" presetID="1" presetClass="entr" presetSubtype="0" fill="hold" nodeType="clickEffect">
+                                  <p:stCondLst>
+                                    <p:cond delay="0"/>
+                                  </p:stCondLst>
+                                  <p:childTnLst>
+                                    <p:set>
+                                      <p:cBhvr>
+                                        <p:cTn id="14" dur="1" fill="hold">
+                                          <p:stCondLst>
+                                            <p:cond delay="0"/>
+                                          </p:stCondLst>
+                                        </p:cTn>
+                                        <p:tgtEl>
+                                          <p:spTgt spid="47"/>
+                                        </p:tgtEl>
+                                        <p:attrNameLst>
+                                          <p:attrName>style.visibility</p:attrName>
+                                        </p:attrNameLst>
+                                      </p:cBhvr>
+                                      <p:to>
+                                        <p:strVal val="visible"/>
+                                      </p:to>
+                                    </p:set>
+                                  </p:childTnLst>
+                                </p:cTn>
+                              </p:par>
+                              <p:par>
+                                <p:cTn id="15" presetID="1" presetClass="entr" presetSubtype="0" fill="hold" grpId="0" nodeType="withEffect">
+                                  <p:stCondLst>
+                                    <p:cond delay="0"/>
+                                  </p:stCondLst>
+                                  <p:childTnLst>
+                                    <p:set>
+                                      <p:cBhvr>
+                                        <p:cTn id="16" dur="1" fill="hold">
+                                          <p:stCondLst>
+                                            <p:cond delay="0"/>
+                                          </p:stCondLst>
+                                        </p:cTn>
+                                        <p:tgtEl>
+                                          <p:spTgt spid="57"/>
+                                        </p:tgtEl>
+                                        <p:attrNameLst>
+                                          <p:attrName>style.visibility</p:attrName>
+                                        </p:attrNameLst>
+                                      </p:cBhvr>
+                                      <p:to>
+                                        <p:strVal val="visible"/>
+                                      </p:to>
+                                    </p:set>
+                                  </p:childTnLst>
+                                </p:cTn>
+                              </p:par>
+                              <p:par>
+                                <p:cTn id="17" presetID="1" presetClass="entr" presetSubtype="0" fill="hold" grpId="0" nodeType="withEffect">
+                                  <p:stCondLst>
+                                    <p:cond delay="0"/>
+                                  </p:stCondLst>
+                                  <p:childTnLst>
+                                    <p:set>
+                                      <p:cBhvr>
+                                        <p:cTn id="18" dur="1" fill="hold">
+                                          <p:stCondLst>
+                                            <p:cond delay="0"/>
+                                          </p:stCondLst>
+                                        </p:cTn>
+                                        <p:tgtEl>
+                                          <p:spTgt spid="46"/>
+                                        </p:tgtEl>
+                                        <p:attrNameLst>
+                                          <p:attrName>style.visibility</p:attrName>
+                                        </p:attrNameLst>
+                                      </p:cBhvr>
+                                      <p:to>
+                                        <p:strVal val="visible"/>
+                                      </p:to>
+                                    </p:set>
+                                  </p:childTnLst>
+                                </p:cTn>
+                              </p:par>
+                            </p:childTnLst>
+                          </p:cTn>
+                        </p:par>
+                      </p:childTnLst>
+                    </p:cTn>
+                  </p:par>
+                  <p:par>
+                    <p:cTn id="19" fill="hold">
+                      <p:stCondLst>
+                        <p:cond delay="indefinite"/>
+                      </p:stCondLst>
+                      <p:childTnLst>
+                        <p:par>
+                          <p:cTn id="20" fill="hold">
+                            <p:stCondLst>
+                              <p:cond delay="0"/>
+                            </p:stCondLst>
+                            <p:childTnLst>
+                              <p:par>
+                                <p:cTn id="21" presetID="1" presetClass="entr" presetSubtype="0" fill="hold" nodeType="clickEffect">
+                                  <p:stCondLst>
+                                    <p:cond delay="0"/>
+                                  </p:stCondLst>
+                                  <p:childTnLst>
+                                    <p:set>
+                                      <p:cBhvr>
+                                        <p:cTn id="22" dur="1" fill="hold">
+                                          <p:stCondLst>
+                                            <p:cond delay="0"/>
+                                          </p:stCondLst>
+                                        </p:cTn>
+                                        <p:tgtEl>
+                                          <p:spTgt spid="53"/>
+                                        </p:tgtEl>
+                                        <p:attrNameLst>
+                                          <p:attrName>style.visibility</p:attrName>
+                                        </p:attrNameLst>
+                                      </p:cBhvr>
+                                      <p:to>
+                                        <p:strVal val="visible"/>
+                                      </p:to>
+                                    </p:set>
+                                  </p:childTnLst>
+                                </p:cTn>
+                              </p:par>
+                              <p:par>
+                                <p:cTn id="23" presetID="1" presetClass="entr" presetSubtype="0" fill="hold" nodeType="withEffect">
+                                  <p:stCondLst>
+                                    <p:cond delay="0"/>
+                                  </p:stCondLst>
+                                  <p:childTnLst>
+                                    <p:set>
+                                      <p:cBhvr>
+                                        <p:cTn id="24" dur="1" fill="hold">
+                                          <p:stCondLst>
+                                            <p:cond delay="0"/>
+                                          </p:stCondLst>
+                                        </p:cTn>
+                                        <p:tgtEl>
+                                          <p:spTgt spid="51"/>
+                                        </p:tgtEl>
+                                        <p:attrNameLst>
+                                          <p:attrName>style.visibility</p:attrName>
+                                        </p:attrNameLst>
+                                      </p:cBhvr>
+                                      <p:to>
+                                        <p:strVal val="visible"/>
+                                      </p:to>
+                                    </p:set>
+                                  </p:childTnLst>
+                                </p:cTn>
+                              </p:par>
+                              <p:par>
+                                <p:cTn id="25" presetID="1" presetClass="entr" presetSubtype="0" fill="hold" grpId="0" nodeType="withEffect">
+                                  <p:stCondLst>
+                                    <p:cond delay="0"/>
+                                  </p:stCondLst>
+                                  <p:childTnLst>
+                                    <p:set>
+                                      <p:cBhvr>
+                                        <p:cTn id="26" dur="1" fill="hold">
+                                          <p:stCondLst>
+                                            <p:cond delay="0"/>
+                                          </p:stCondLst>
+                                        </p:cTn>
+                                        <p:tgtEl>
+                                          <p:spTgt spid="56"/>
+                                        </p:tgtEl>
+                                        <p:attrNameLst>
+                                          <p:attrName>style.visibility</p:attrName>
+                                        </p:attrNameLst>
+                                      </p:cBhvr>
+                                      <p:to>
+                                        <p:strVal val="visible"/>
+                                      </p:to>
+                                    </p:set>
+                                  </p:childTnLst>
+                                </p:cTn>
+                              </p:par>
+                            </p:childTnLst>
+                          </p:cTn>
+                        </p:par>
+                      </p:childTnLst>
+                    </p:cTn>
+                  </p:par>
+                  <p:par>
+                    <p:cTn id="27" fill="hold">
+                      <p:stCondLst>
+                        <p:cond delay="indefinite"/>
+                      </p:stCondLst>
+                      <p:childTnLst>
+                        <p:par>
+                          <p:cTn id="28" fill="hold">
+                            <p:stCondLst>
+                              <p:cond delay="0"/>
+                            </p:stCondLst>
+                            <p:childTnLst>
+                              <p:par>
+                                <p:cTn id="29" presetID="1" presetClass="entr" presetSubtype="0" fill="hold" grpId="0" nodeType="clickEffect">
+                                  <p:stCondLst>
+                                    <p:cond delay="0"/>
+                                  </p:stCondLst>
+                                  <p:childTnLst>
+                                    <p:set>
+                                      <p:cBhvr>
+                                        <p:cTn id="30" dur="1" fill="hold">
+                                          <p:stCondLst>
+                                            <p:cond delay="0"/>
+                                          </p:stCondLst>
+                                        </p:cTn>
+                                        <p:tgtEl>
+                                          <p:spTgt spid="52"/>
+                                        </p:tgtEl>
+                                        <p:attrNameLst>
+                                          <p:attrName>style.visibility</p:attrName>
+                                        </p:attrNameLst>
+                                      </p:cBhvr>
+                                      <p:to>
+                                        <p:strVal val="visible"/>
+                                      </p:to>
+                                    </p:set>
+                                  </p:childTnLst>
+                                </p:cTn>
+                              </p:par>
+                              <p:par>
+                                <p:cTn id="31" presetID="1" presetClass="entr" presetSubtype="0" fill="hold" nodeType="withEffect">
+                                  <p:stCondLst>
+                                    <p:cond delay="0"/>
+                                  </p:stCondLst>
+                                  <p:childTnLst>
+                                    <p:set>
+                                      <p:cBhvr>
+                                        <p:cTn id="32" dur="1" fill="hold">
+                                          <p:stCondLst>
+                                            <p:cond delay="0"/>
+                                          </p:stCondLst>
+                                        </p:cTn>
+                                        <p:tgtEl>
+                                          <p:spTgt spid="59"/>
+                                        </p:tgtEl>
+                                        <p:attrNameLst>
+                                          <p:attrName>style.visibility</p:attrName>
+                                        </p:attrNameLst>
+                                      </p:cBhvr>
+                                      <p:to>
+                                        <p:strVal val="visible"/>
+                                      </p:to>
+                                    </p:set>
+                                  </p:childTnLst>
+                                </p:cTn>
+                              </p:par>
+                              <p:par>
+                                <p:cTn id="33" presetID="1" presetClass="entr" presetSubtype="0" fill="hold" grpId="0" nodeType="withEffect">
+                                  <p:stCondLst>
+                                    <p:cond delay="0"/>
+                                  </p:stCondLst>
+                                  <p:childTnLst>
+                                    <p:set>
+                                      <p:cBhvr>
+                                        <p:cTn id="34" dur="1" fill="hold">
+                                          <p:stCondLst>
+                                            <p:cond delay="0"/>
+                                          </p:stCondLst>
+                                        </p:cTn>
+                                        <p:tgtEl>
+                                          <p:spTgt spid="58"/>
+                                        </p:tgtEl>
+                                        <p:attrNameLst>
+                                          <p:attrName>style.visibility</p:attrName>
+                                        </p:attrNameLst>
+                                      </p:cBhvr>
+                                      <p:to>
+                                        <p:strVal val="visible"/>
+                                      </p:to>
+                                    </p:set>
+                                  </p:childTnLst>
+                                </p:cTn>
+                              </p:par>
+                            </p:childTnLst>
+                          </p:cTn>
+                        </p:par>
+                      </p:childTnLst>
+                    </p:cTn>
+                  </p:par>
+                </p:childTnLst>
+              </p:cTn>
+              <p:prevCondLst>
+                <p:cond evt="onPrev" delay="0">
+                  <p:tgtEl>
+                    <p:sldTgt/>
+                  </p:tgtEl>
+                </p:cond>
+              </p:prevCondLst>
+              <p:nextCondLst>
+                <p:cond evt="onNext" delay="0">
+                  <p:tgtEl>
+                    <p:sldTgt/>
+                  </p:tgtEl>
+                </p:cond>
+              </p:nextCondLst>
+            </p:seq>
+          </p:childTnLst>
+        </p:cTn>
+      </p:par>
+    </p:tnLst>
+    <p:bldLst>
+      <p:bldP spid="45" grpId="0"/>
+      <p:bldP spid="46" grpId="0"/>
+      <p:bldP spid="52" grpId="0"/>
+      <p:bldP spid="56" grpId="0"/>
+      <p:bldP spid="57" grpId="0"/>
+      <p:bldP spid="58" grpId="0"/>
+    </p:bldLst>
+  </p:timing>
+</p:sld>
+</file>
+
+<file path=ppt/slides/slide8.xml><?xml version="1.0" encoding="utf-8"?>
+<p:sld xmlns:a="http://schemas.openxmlformats.org/drawingml/2006/main" xmlns:r="http://schemas.openxmlformats.org/officeDocument/2006/relationships" xmlns:p="http://schemas.openxmlformats.org/presentationml/2006/main">
+  <p:cSld>
+    <p:spTree>
+      <p:nvGrpSpPr>
+        <p:cNvPr id="1" name=""/>
+        <p:cNvGrpSpPr/>
+        <p:nvPr/>
+      </p:nvGrpSpPr>
+      <p:grpSpPr>
+        <a:xfrm>
+          <a:off x="0" y="0"/>
+          <a:ext cx="0" cy="0"/>
+          <a:chOff x="0" y="0"/>
+          <a:chExt cx="0" cy="0"/>
+        </a:xfrm>
+      </p:grpSpPr>
+      <p:sp>
+        <p:nvSpPr>
+          <p:cNvPr id="3" name="Title 2">
+            <a:extLst>
+              <a:ext uri="{FF2B5EF4-FFF2-40B4-BE49-F238E27FC236}">
+                <a16:creationId xmlns:a16="http://schemas.microsoft.com/office/drawing/2014/main" id="{770E9C3A-B37F-4ADF-899B-AC2EA49325FB}"/>
+              </a:ext>
+            </a:extLst>
+          </p:cNvPr>
+          <p:cNvSpPr>
+            <a:spLocks noGrp="1"/>
+          </p:cNvSpPr>
+          <p:nvPr>
+            <p:ph type="title"/>
+          </p:nvPr>
+        </p:nvSpPr>
+        <p:spPr/>
+        <p:txBody>
+          <a:bodyPr/>
+          <a:lstStyle/>
+          <a:p>
+            <a:r>
+              <a:rPr lang="en-US" dirty="0"/>
+              <a:t>Timed Process Execution</a:t>
+            </a:r>
+          </a:p>
+        </p:txBody>
+      </p:sp>
+      <p:sp>
+        <p:nvSpPr>
+          <p:cNvPr id="2" name="Slide Number Placeholder 1">
+            <a:extLst>
+              <a:ext uri="{FF2B5EF4-FFF2-40B4-BE49-F238E27FC236}">
+                <a16:creationId xmlns:a16="http://schemas.microsoft.com/office/drawing/2014/main" id="{5569DC68-C7C5-4EAA-BA37-B354B5C0087D}"/>
+              </a:ext>
+            </a:extLst>
+          </p:cNvPr>
+          <p:cNvSpPr>
+            <a:spLocks noGrp="1"/>
+          </p:cNvSpPr>
+          <p:nvPr>
+            <p:ph type="sldNum" sz="quarter" idx="12"/>
+          </p:nvPr>
+        </p:nvSpPr>
+        <p:spPr/>
+        <p:txBody>
+          <a:bodyPr/>
+          <a:lstStyle/>
+          <a:p>
+            <a:fld id="{29AAD378-655A-49C6-813C-9FD132EF7440}" type="slidenum">
+              <a:rPr lang="en-US" smtClean="0"/>
+              <a:pPr/>
+              <a:t>8</a:t>
+            </a:fld>
+            <a:endParaRPr lang="en-US"/>
+          </a:p>
+        </p:txBody>
+      </p:sp>
+      <p:grpSp>
+        <p:nvGrpSpPr>
+          <p:cNvPr id="6" name="Group 5">
+            <a:extLst>
+              <a:ext uri="{FF2B5EF4-FFF2-40B4-BE49-F238E27FC236}">
+                <a16:creationId xmlns:a16="http://schemas.microsoft.com/office/drawing/2014/main" id="{EAF05A70-151F-4D00-8318-7E27654935D8}"/>
+              </a:ext>
+            </a:extLst>
+          </p:cNvPr>
+          <p:cNvGrpSpPr/>
+          <p:nvPr/>
+        </p:nvGrpSpPr>
+        <p:grpSpPr>
+          <a:xfrm>
+            <a:off x="0" y="1761949"/>
+            <a:ext cx="6960123" cy="2714303"/>
+            <a:chOff x="218533" y="2084624"/>
+            <a:chExt cx="6960123" cy="2714303"/>
+          </a:xfrm>
+        </p:grpSpPr>
+        <p:sp>
+          <p:nvSpPr>
+            <p:cNvPr id="22" name="Oval 21">
+              <a:extLst>
+                <a:ext uri="{FF2B5EF4-FFF2-40B4-BE49-F238E27FC236}">
+                  <a16:creationId xmlns:a16="http://schemas.microsoft.com/office/drawing/2014/main" id="{CA0C8245-FFA9-4E8B-85F0-1B050A46C67A}"/>
+                </a:ext>
+              </a:extLst>
+            </p:cNvPr>
+            <p:cNvSpPr/>
+            <p:nvPr/>
+          </p:nvSpPr>
+          <p:spPr>
+            <a:xfrm>
+              <a:off x="1420201" y="3028057"/>
+              <a:ext cx="826586" cy="624023"/>
+            </a:xfrm>
+            <a:prstGeom prst="ellipse">
+              <a:avLst/>
+            </a:prstGeom>
+            <a:ln w="25400"/>
+          </p:spPr>
+          <p:style>
+            <a:lnRef idx="2">
+              <a:schemeClr val="accent6"/>
+            </a:lnRef>
+            <a:fillRef idx="1">
+              <a:schemeClr val="lt1"/>
+            </a:fillRef>
+            <a:effectRef idx="0">
+              <a:schemeClr val="accent6"/>
+            </a:effectRef>
+            <a:fontRef idx="minor">
+              <a:schemeClr val="dk1"/>
+            </a:fontRef>
+          </p:style>
+          <p:txBody>
+            <a:bodyPr lIns="0" tIns="0" rIns="0" bIns="0" rtlCol="0" anchor="ctr"/>
+            <a:lstStyle/>
+            <a:p>
+              <a:pPr algn="ctr"/>
+              <a:r>
+                <a:rPr lang="en-US" dirty="0"/>
+                <a:t>off</a:t>
+              </a:r>
+              <a:endParaRPr lang="en-US" baseline="-25000" dirty="0"/>
+            </a:p>
+          </p:txBody>
+        </p:sp>
+        <p:sp>
+          <p:nvSpPr>
+            <p:cNvPr id="24" name="Oval 23">
+              <a:extLst>
+                <a:ext uri="{FF2B5EF4-FFF2-40B4-BE49-F238E27FC236}">
+                  <a16:creationId xmlns:a16="http://schemas.microsoft.com/office/drawing/2014/main" id="{71BB710A-0FF0-4D7A-AFCB-FA4BEF44552F}"/>
+                </a:ext>
+              </a:extLst>
+            </p:cNvPr>
+            <p:cNvSpPr/>
+            <p:nvPr/>
+          </p:nvSpPr>
+          <p:spPr>
+            <a:xfrm>
+              <a:off x="3604600" y="3028057"/>
+              <a:ext cx="826586" cy="624023"/>
+            </a:xfrm>
+            <a:prstGeom prst="ellipse">
+              <a:avLst/>
+            </a:prstGeom>
+            <a:ln w="25400"/>
+          </p:spPr>
+          <p:style>
+            <a:lnRef idx="2">
+              <a:schemeClr val="accent6"/>
+            </a:lnRef>
+            <a:fillRef idx="1">
+              <a:schemeClr val="lt1"/>
+            </a:fillRef>
+            <a:effectRef idx="0">
+              <a:schemeClr val="accent6"/>
+            </a:effectRef>
+            <a:fontRef idx="minor">
+              <a:schemeClr val="dk1"/>
+            </a:fontRef>
+          </p:style>
+          <p:txBody>
+            <a:bodyPr lIns="0" tIns="0" rIns="0" bIns="0" rtlCol="0" anchor="ctr"/>
+            <a:lstStyle/>
+            <a:p>
+              <a:pPr algn="ctr"/>
+              <a:r>
+                <a:rPr lang="en-US" dirty="0"/>
+                <a:t>dim</a:t>
+              </a:r>
+              <a:endParaRPr lang="en-US" baseline="-25000" dirty="0"/>
+            </a:p>
+          </p:txBody>
+        </p:sp>
+        <p:sp>
+          <p:nvSpPr>
+            <p:cNvPr id="25" name="Oval 24">
+              <a:extLst>
+                <a:ext uri="{FF2B5EF4-FFF2-40B4-BE49-F238E27FC236}">
+                  <a16:creationId xmlns:a16="http://schemas.microsoft.com/office/drawing/2014/main" id="{B679D6B6-0898-4C7B-8577-1913F9654600}"/>
+                </a:ext>
+              </a:extLst>
+            </p:cNvPr>
+            <p:cNvSpPr/>
+            <p:nvPr/>
+          </p:nvSpPr>
+          <p:spPr>
+            <a:xfrm>
+              <a:off x="6140367" y="3028057"/>
+              <a:ext cx="826586" cy="624023"/>
+            </a:xfrm>
+            <a:prstGeom prst="ellipse">
+              <a:avLst/>
+            </a:prstGeom>
+            <a:ln w="25400"/>
+          </p:spPr>
+          <p:style>
+            <a:lnRef idx="2">
+              <a:schemeClr val="accent6"/>
+            </a:lnRef>
+            <a:fillRef idx="1">
+              <a:schemeClr val="lt1"/>
+            </a:fillRef>
+            <a:effectRef idx="0">
+              <a:schemeClr val="accent6"/>
+            </a:effectRef>
+            <a:fontRef idx="minor">
+              <a:schemeClr val="dk1"/>
+            </a:fontRef>
+          </p:style>
+          <p:txBody>
+            <a:bodyPr lIns="0" tIns="0" rIns="0" bIns="0" rtlCol="0" anchor="ctr"/>
+            <a:lstStyle/>
+            <a:p>
+              <a:pPr algn="ctr"/>
+              <a:r>
+                <a:rPr lang="en-US" dirty="0"/>
+                <a:t>bright</a:t>
+              </a:r>
+              <a:endParaRPr lang="en-US" baseline="-25000" dirty="0"/>
+            </a:p>
+          </p:txBody>
+        </p:sp>
+        <p:cxnSp>
+          <p:nvCxnSpPr>
+            <p:cNvPr id="26" name="Straight Arrow Connector 25">
+              <a:extLst>
+                <a:ext uri="{FF2B5EF4-FFF2-40B4-BE49-F238E27FC236}">
+                  <a16:creationId xmlns:a16="http://schemas.microsoft.com/office/drawing/2014/main" id="{82BA8503-B15E-4BB9-87B9-008E0210FD96}"/>
+                </a:ext>
+              </a:extLst>
+            </p:cNvPr>
+            <p:cNvCxnSpPr>
+              <a:stCxn id="22" idx="6"/>
+              <a:endCxn id="24" idx="2"/>
+            </p:cNvCxnSpPr>
+            <p:nvPr/>
+          </p:nvCxnSpPr>
+          <p:spPr>
+            <a:xfrm>
+              <a:off x="2246787" y="3340069"/>
+              <a:ext cx="1357813" cy="0"/>
+            </a:xfrm>
+            <a:prstGeom prst="straightConnector1">
+              <a:avLst/>
+            </a:prstGeom>
+            <a:ln w="25400">
+              <a:solidFill>
+                <a:schemeClr val="accent6"/>
+              </a:solidFill>
+              <a:tailEnd type="triangle" w="lg" len="lg"/>
+            </a:ln>
+          </p:spPr>
+          <p:style>
+            <a:lnRef idx="1">
+              <a:schemeClr val="accent1"/>
+            </a:lnRef>
+            <a:fillRef idx="0">
+              <a:schemeClr val="accent1"/>
+            </a:fillRef>
+            <a:effectRef idx="0">
+              <a:schemeClr val="accent1"/>
+            </a:effectRef>
+            <a:fontRef idx="minor">
+              <a:schemeClr val="tx1"/>
+            </a:fontRef>
+          </p:style>
+        </p:cxnSp>
+        <p:cxnSp>
+          <p:nvCxnSpPr>
+            <p:cNvPr id="28" name="Straight Arrow Connector 27">
+              <a:extLst>
+                <a:ext uri="{FF2B5EF4-FFF2-40B4-BE49-F238E27FC236}">
+                  <a16:creationId xmlns:a16="http://schemas.microsoft.com/office/drawing/2014/main" id="{4C3652D4-8421-49BF-9176-7E628CA5AF25}"/>
+                </a:ext>
+              </a:extLst>
+            </p:cNvPr>
+            <p:cNvCxnSpPr>
+              <a:cxnSpLocks/>
+              <a:stCxn id="24" idx="6"/>
+              <a:endCxn id="25" idx="2"/>
+            </p:cNvCxnSpPr>
+            <p:nvPr/>
+          </p:nvCxnSpPr>
+          <p:spPr>
+            <a:xfrm>
+              <a:off x="4431186" y="3340069"/>
+              <a:ext cx="1709181" cy="0"/>
+            </a:xfrm>
+            <a:prstGeom prst="straightConnector1">
+              <a:avLst/>
+            </a:prstGeom>
+            <a:ln w="25400">
+              <a:solidFill>
+                <a:schemeClr val="accent6"/>
+              </a:solidFill>
+              <a:tailEnd type="triangle" w="lg" len="lg"/>
+            </a:ln>
+          </p:spPr>
+          <p:style>
+            <a:lnRef idx="1">
+              <a:schemeClr val="accent1"/>
+            </a:lnRef>
+            <a:fillRef idx="0">
+              <a:schemeClr val="accent1"/>
+            </a:fillRef>
+            <a:effectRef idx="0">
+              <a:schemeClr val="accent1"/>
+            </a:effectRef>
+            <a:fontRef idx="minor">
+              <a:schemeClr val="tx1"/>
+            </a:fontRef>
+          </p:style>
+        </p:cxnSp>
+        <p:sp>
+          <p:nvSpPr>
+            <p:cNvPr id="30" name="Freeform: Shape 29">
+              <a:extLst>
+                <a:ext uri="{FF2B5EF4-FFF2-40B4-BE49-F238E27FC236}">
+                  <a16:creationId xmlns:a16="http://schemas.microsoft.com/office/drawing/2014/main" id="{F51677A0-730A-480E-BEA2-5515A9AF0E03}"/>
+                </a:ext>
+              </a:extLst>
+            </p:cNvPr>
+            <p:cNvSpPr/>
+            <p:nvPr/>
+          </p:nvSpPr>
+          <p:spPr>
+            <a:xfrm>
+              <a:off x="2081685" y="3601484"/>
+              <a:ext cx="4357535" cy="885991"/>
+            </a:xfrm>
+            <a:custGeom>
+              <a:avLst/>
+              <a:gdLst>
+                <a:gd name="connsiteX0" fmla="*/ 4445000 w 4445000"/>
+                <a:gd name="connsiteY0" fmla="*/ 33867 h 326122"/>
+                <a:gd name="connsiteX1" fmla="*/ 2065867 w 4445000"/>
+                <a:gd name="connsiteY1" fmla="*/ 325967 h 326122"/>
+                <a:gd name="connsiteX2" fmla="*/ 0 w 4445000"/>
+                <a:gd name="connsiteY2" fmla="*/ 0 h 326122"/>
+                <a:gd name="connsiteX0" fmla="*/ 4351866 w 4351866"/>
+                <a:gd name="connsiteY0" fmla="*/ 25400 h 326051"/>
+                <a:gd name="connsiteX1" fmla="*/ 2065867 w 4351866"/>
+                <a:gd name="connsiteY1" fmla="*/ 325967 h 326051"/>
+                <a:gd name="connsiteX2" fmla="*/ 0 w 4351866"/>
+                <a:gd name="connsiteY2" fmla="*/ 0 h 326051"/>
+                <a:gd name="connsiteX0" fmla="*/ 4246033 w 4246033"/>
+                <a:gd name="connsiteY0" fmla="*/ 21167 h 326024"/>
+                <a:gd name="connsiteX1" fmla="*/ 2065867 w 4246033"/>
+                <a:gd name="connsiteY1" fmla="*/ 325967 h 326024"/>
+                <a:gd name="connsiteX2" fmla="*/ 0 w 4246033"/>
+                <a:gd name="connsiteY2" fmla="*/ 0 h 326024"/>
+              </a:gdLst>
+              <a:ahLst/>
+              <a:cxnLst>
+                <a:cxn ang="0">
+                  <a:pos x="connsiteX0" y="connsiteY0"/>
+                </a:cxn>
+                <a:cxn ang="0">
+                  <a:pos x="connsiteX1" y="connsiteY1"/>
+                </a:cxn>
+                <a:cxn ang="0">
+                  <a:pos x="connsiteX2" y="connsiteY2"/>
+                </a:cxn>
+              </a:cxnLst>
+              <a:rect l="l" t="t" r="r" b="b"/>
+              <a:pathLst>
+                <a:path w="4246033" h="326024">
+                  <a:moveTo>
+                    <a:pt x="4246033" y="21167"/>
+                  </a:moveTo>
+                  <a:cubicBezTo>
+                    <a:pt x="3426883" y="170039"/>
+                    <a:pt x="2773539" y="329495"/>
+                    <a:pt x="2065867" y="325967"/>
+                  </a:cubicBezTo>
+                  <a:cubicBezTo>
+                    <a:pt x="1358195" y="322439"/>
+                    <a:pt x="662517" y="160161"/>
+                    <a:pt x="0" y="0"/>
+                  </a:cubicBezTo>
+                </a:path>
+              </a:pathLst>
+            </a:custGeom>
+            <a:ln w="25400">
+              <a:solidFill>
+                <a:schemeClr val="accent6"/>
+              </a:solidFill>
+              <a:tailEnd type="triangle" w="lg" len="lg"/>
+            </a:ln>
+          </p:spPr>
+          <p:style>
+            <a:lnRef idx="1">
+              <a:schemeClr val="accent1"/>
+            </a:lnRef>
+            <a:fillRef idx="0">
+              <a:schemeClr val="accent1"/>
+            </a:fillRef>
+            <a:effectRef idx="0">
+              <a:schemeClr val="accent1"/>
+            </a:effectRef>
+            <a:fontRef idx="minor">
+              <a:schemeClr val="tx1"/>
+            </a:fontRef>
+          </p:style>
+          <p:txBody>
+            <a:bodyPr rtlCol="0" anchor="ctr"/>
+            <a:lstStyle/>
+            <a:p>
+              <a:pPr algn="ctr"/>
+              <a:endParaRPr lang="en-US" dirty="0"/>
+            </a:p>
+          </p:txBody>
+        </p:sp>
+        <p:sp>
+          <p:nvSpPr>
+            <p:cNvPr id="32" name="Freeform: Shape 31">
+              <a:extLst>
+                <a:ext uri="{FF2B5EF4-FFF2-40B4-BE49-F238E27FC236}">
+                  <a16:creationId xmlns:a16="http://schemas.microsoft.com/office/drawing/2014/main" id="{2871A72B-8AFB-4D93-9AAB-1713A7DC9CD8}"/>
+                </a:ext>
+              </a:extLst>
+            </p:cNvPr>
+            <p:cNvSpPr/>
+            <p:nvPr/>
+          </p:nvSpPr>
+          <p:spPr>
+            <a:xfrm>
+              <a:off x="6797620" y="2824136"/>
+              <a:ext cx="381036" cy="373257"/>
+            </a:xfrm>
+            <a:custGeom>
+              <a:avLst/>
+              <a:gdLst>
+                <a:gd name="connsiteX0" fmla="*/ 135466 w 341178"/>
+                <a:gd name="connsiteY0" fmla="*/ 374093 h 374093"/>
+                <a:gd name="connsiteX1" fmla="*/ 292100 w 341178"/>
+                <a:gd name="connsiteY1" fmla="*/ 327526 h 374093"/>
+                <a:gd name="connsiteX2" fmla="*/ 338666 w 341178"/>
+                <a:gd name="connsiteY2" fmla="*/ 204760 h 374093"/>
+                <a:gd name="connsiteX3" fmla="*/ 317500 w 341178"/>
+                <a:gd name="connsiteY3" fmla="*/ 90460 h 374093"/>
+                <a:gd name="connsiteX4" fmla="*/ 173566 w 341178"/>
+                <a:gd name="connsiteY4" fmla="*/ 1560 h 374093"/>
+                <a:gd name="connsiteX5" fmla="*/ 67733 w 341178"/>
+                <a:gd name="connsiteY5" fmla="*/ 35426 h 374093"/>
+                <a:gd name="connsiteX6" fmla="*/ 21166 w 341178"/>
+                <a:gd name="connsiteY6" fmla="*/ 56593 h 374093"/>
+                <a:gd name="connsiteX7" fmla="*/ 0 w 341178"/>
+                <a:gd name="connsiteY7" fmla="*/ 251326 h 374093"/>
+                <a:gd name="connsiteX0" fmla="*/ 135466 w 341178"/>
+                <a:gd name="connsiteY0" fmla="*/ 373504 h 373504"/>
+                <a:gd name="connsiteX1" fmla="*/ 292100 w 341178"/>
+                <a:gd name="connsiteY1" fmla="*/ 326937 h 373504"/>
+                <a:gd name="connsiteX2" fmla="*/ 338666 w 341178"/>
+                <a:gd name="connsiteY2" fmla="*/ 204171 h 373504"/>
+                <a:gd name="connsiteX3" fmla="*/ 317500 w 341178"/>
+                <a:gd name="connsiteY3" fmla="*/ 89871 h 373504"/>
+                <a:gd name="connsiteX4" fmla="*/ 173566 w 341178"/>
+                <a:gd name="connsiteY4" fmla="*/ 971 h 373504"/>
+                <a:gd name="connsiteX5" fmla="*/ 21166 w 341178"/>
+                <a:gd name="connsiteY5" fmla="*/ 56004 h 373504"/>
+                <a:gd name="connsiteX6" fmla="*/ 0 w 341178"/>
+                <a:gd name="connsiteY6" fmla="*/ 250737 h 373504"/>
+                <a:gd name="connsiteX0" fmla="*/ 135466 w 341178"/>
+                <a:gd name="connsiteY0" fmla="*/ 372533 h 372533"/>
+                <a:gd name="connsiteX1" fmla="*/ 292100 w 341178"/>
+                <a:gd name="connsiteY1" fmla="*/ 325966 h 372533"/>
+                <a:gd name="connsiteX2" fmla="*/ 338666 w 341178"/>
+                <a:gd name="connsiteY2" fmla="*/ 203200 h 372533"/>
+                <a:gd name="connsiteX3" fmla="*/ 317500 w 341178"/>
+                <a:gd name="connsiteY3" fmla="*/ 88900 h 372533"/>
+                <a:gd name="connsiteX4" fmla="*/ 173566 w 341178"/>
+                <a:gd name="connsiteY4" fmla="*/ 0 h 372533"/>
+                <a:gd name="connsiteX5" fmla="*/ 29632 w 341178"/>
+                <a:gd name="connsiteY5" fmla="*/ 88900 h 372533"/>
+                <a:gd name="connsiteX6" fmla="*/ 0 w 341178"/>
+                <a:gd name="connsiteY6" fmla="*/ 249766 h 372533"/>
+                <a:gd name="connsiteX0" fmla="*/ 135466 w 339364"/>
+                <a:gd name="connsiteY0" fmla="*/ 373286 h 373286"/>
+                <a:gd name="connsiteX1" fmla="*/ 292100 w 339364"/>
+                <a:gd name="connsiteY1" fmla="*/ 326719 h 373286"/>
+                <a:gd name="connsiteX2" fmla="*/ 338666 w 339364"/>
+                <a:gd name="connsiteY2" fmla="*/ 203953 h 373286"/>
+                <a:gd name="connsiteX3" fmla="*/ 309033 w 339364"/>
+                <a:gd name="connsiteY3" fmla="*/ 55786 h 373286"/>
+                <a:gd name="connsiteX4" fmla="*/ 173566 w 339364"/>
+                <a:gd name="connsiteY4" fmla="*/ 753 h 373286"/>
+                <a:gd name="connsiteX5" fmla="*/ 29632 w 339364"/>
+                <a:gd name="connsiteY5" fmla="*/ 89653 h 373286"/>
+                <a:gd name="connsiteX6" fmla="*/ 0 w 339364"/>
+                <a:gd name="connsiteY6" fmla="*/ 250519 h 373286"/>
+                <a:gd name="connsiteX0" fmla="*/ 135466 w 347533"/>
+                <a:gd name="connsiteY0" fmla="*/ 373354 h 373354"/>
+                <a:gd name="connsiteX1" fmla="*/ 292100 w 347533"/>
+                <a:gd name="connsiteY1" fmla="*/ 326787 h 373354"/>
+                <a:gd name="connsiteX2" fmla="*/ 347132 w 347533"/>
+                <a:gd name="connsiteY2" fmla="*/ 220954 h 373354"/>
+                <a:gd name="connsiteX3" fmla="*/ 309033 w 347533"/>
+                <a:gd name="connsiteY3" fmla="*/ 55854 h 373354"/>
+                <a:gd name="connsiteX4" fmla="*/ 173566 w 347533"/>
+                <a:gd name="connsiteY4" fmla="*/ 821 h 373354"/>
+                <a:gd name="connsiteX5" fmla="*/ 29632 w 347533"/>
+                <a:gd name="connsiteY5" fmla="*/ 89721 h 373354"/>
+                <a:gd name="connsiteX6" fmla="*/ 0 w 347533"/>
+                <a:gd name="connsiteY6" fmla="*/ 250587 h 373354"/>
+                <a:gd name="connsiteX0" fmla="*/ 135466 w 381139"/>
+                <a:gd name="connsiteY0" fmla="*/ 373257 h 373257"/>
+                <a:gd name="connsiteX1" fmla="*/ 292100 w 381139"/>
+                <a:gd name="connsiteY1" fmla="*/ 326690 h 373257"/>
+                <a:gd name="connsiteX2" fmla="*/ 380999 w 381139"/>
+                <a:gd name="connsiteY2" fmla="*/ 195457 h 373257"/>
+                <a:gd name="connsiteX3" fmla="*/ 309033 w 381139"/>
+                <a:gd name="connsiteY3" fmla="*/ 55757 h 373257"/>
+                <a:gd name="connsiteX4" fmla="*/ 173566 w 381139"/>
+                <a:gd name="connsiteY4" fmla="*/ 724 h 373257"/>
+                <a:gd name="connsiteX5" fmla="*/ 29632 w 381139"/>
+                <a:gd name="connsiteY5" fmla="*/ 89624 h 373257"/>
+                <a:gd name="connsiteX6" fmla="*/ 0 w 381139"/>
+                <a:gd name="connsiteY6" fmla="*/ 250490 h 373257"/>
+                <a:gd name="connsiteX0" fmla="*/ 135466 w 381036"/>
+                <a:gd name="connsiteY0" fmla="*/ 373257 h 373257"/>
+                <a:gd name="connsiteX1" fmla="*/ 300567 w 381036"/>
+                <a:gd name="connsiteY1" fmla="*/ 313990 h 373257"/>
+                <a:gd name="connsiteX2" fmla="*/ 380999 w 381036"/>
+                <a:gd name="connsiteY2" fmla="*/ 195457 h 373257"/>
+                <a:gd name="connsiteX3" fmla="*/ 309033 w 381036"/>
+                <a:gd name="connsiteY3" fmla="*/ 55757 h 373257"/>
+                <a:gd name="connsiteX4" fmla="*/ 173566 w 381036"/>
+                <a:gd name="connsiteY4" fmla="*/ 724 h 373257"/>
+                <a:gd name="connsiteX5" fmla="*/ 29632 w 381036"/>
+                <a:gd name="connsiteY5" fmla="*/ 89624 h 373257"/>
+                <a:gd name="connsiteX6" fmla="*/ 0 w 381036"/>
+                <a:gd name="connsiteY6" fmla="*/ 250490 h 373257"/>
+              </a:gdLst>
+              <a:ahLst/>
+              <a:cxnLst>
+                <a:cxn ang="0">
+                  <a:pos x="connsiteX0" y="connsiteY0"/>
+                </a:cxn>
+                <a:cxn ang="0">
+                  <a:pos x="connsiteX1" y="connsiteY1"/>
+                </a:cxn>
+                <a:cxn ang="0">
+                  <a:pos x="connsiteX2" y="connsiteY2"/>
+                </a:cxn>
+                <a:cxn ang="0">
+                  <a:pos x="connsiteX3" y="connsiteY3"/>
+                </a:cxn>
+                <a:cxn ang="0">
+                  <a:pos x="connsiteX4" y="connsiteY4"/>
+                </a:cxn>
+                <a:cxn ang="0">
+                  <a:pos x="connsiteX5" y="connsiteY5"/>
+                </a:cxn>
+                <a:cxn ang="0">
+                  <a:pos x="connsiteX6" y="connsiteY6"/>
+                </a:cxn>
+              </a:cxnLst>
+              <a:rect l="l" t="t" r="r" b="b"/>
+              <a:pathLst>
+                <a:path w="381036" h="373257">
+                  <a:moveTo>
+                    <a:pt x="135466" y="373257"/>
+                  </a:moveTo>
+                  <a:cubicBezTo>
+                    <a:pt x="196849" y="364084"/>
+                    <a:pt x="259645" y="343623"/>
+                    <a:pt x="300567" y="313990"/>
+                  </a:cubicBezTo>
+                  <a:cubicBezTo>
+                    <a:pt x="341489" y="284357"/>
+                    <a:pt x="379588" y="238496"/>
+                    <a:pt x="380999" y="195457"/>
+                  </a:cubicBezTo>
+                  <a:cubicBezTo>
+                    <a:pt x="382410" y="152418"/>
+                    <a:pt x="343605" y="88212"/>
+                    <a:pt x="309033" y="55757"/>
+                  </a:cubicBezTo>
+                  <a:cubicBezTo>
+                    <a:pt x="274461" y="23302"/>
+                    <a:pt x="220133" y="-4920"/>
+                    <a:pt x="173566" y="724"/>
+                  </a:cubicBezTo>
+                  <a:cubicBezTo>
+                    <a:pt x="126999" y="6368"/>
+                    <a:pt x="58560" y="47996"/>
+                    <a:pt x="29632" y="89624"/>
+                  </a:cubicBezTo>
+                  <a:cubicBezTo>
+                    <a:pt x="18343" y="125607"/>
+                    <a:pt x="4938" y="171115"/>
+                    <a:pt x="0" y="250490"/>
+                  </a:cubicBezTo>
+                </a:path>
+              </a:pathLst>
+            </a:custGeom>
+            <a:ln w="25400">
+              <a:solidFill>
+                <a:schemeClr val="accent6"/>
+              </a:solidFill>
+              <a:tailEnd type="triangle" w="lg" len="lg"/>
+            </a:ln>
+          </p:spPr>
+          <p:style>
+            <a:lnRef idx="1">
+              <a:schemeClr val="accent1"/>
+            </a:lnRef>
+            <a:fillRef idx="0">
+              <a:schemeClr val="accent1"/>
+            </a:fillRef>
+            <a:effectRef idx="0">
+              <a:schemeClr val="accent1"/>
+            </a:effectRef>
+            <a:fontRef idx="minor">
+              <a:schemeClr val="tx1"/>
+            </a:fontRef>
+          </p:style>
+          <p:txBody>
+            <a:bodyPr rot="0" spcFirstLastPara="0" vertOverflow="overflow" horzOverflow="overflow" vert="horz" wrap="square" lIns="91440" tIns="45720" rIns="91440" bIns="45720" numCol="1" spcCol="0" rtlCol="0" fromWordArt="0" anchor="ctr" anchorCtr="0" forceAA="0" compatLnSpc="1">
+              <a:prstTxWarp prst="textNoShape">
+                <a:avLst/>
+              </a:prstTxWarp>
+              <a:noAutofit/>
+            </a:bodyPr>
+            <a:lstStyle/>
+            <a:p>
+              <a:pPr algn="ctr"/>
+              <a:endParaRPr lang="en-US">
+                <a:solidFill>
+                  <a:schemeClr val="tx1"/>
+                </a:solidFill>
+              </a:endParaRPr>
+            </a:p>
+          </p:txBody>
+        </p:sp>
+        <mc:AlternateContent xmlns:mc="http://schemas.openxmlformats.org/markup-compatibility/2006" xmlns:a14="http://schemas.microsoft.com/office/drawing/2010/main">
+          <mc:Choice Requires="a14">
+            <p:sp>
+              <p:nvSpPr>
+                <p:cNvPr id="34" name="TextBox 33">
+                  <a:extLst>
+                    <a:ext uri="{FF2B5EF4-FFF2-40B4-BE49-F238E27FC236}">
+                      <a16:creationId xmlns:a16="http://schemas.microsoft.com/office/drawing/2014/main" id="{DE585711-9EC9-4D91-94BB-9B4354BAF368}"/>
+                    </a:ext>
+                  </a:extLst>
+                </p:cNvPr>
+                <p:cNvSpPr txBox="1"/>
+                <p:nvPr/>
+              </p:nvSpPr>
+              <p:spPr>
+                <a:xfrm>
+                  <a:off x="2336776" y="3311403"/>
+                  <a:ext cx="1324914" cy="584775"/>
+                </a:xfrm>
+                <a:prstGeom prst="rect">
+                  <a:avLst/>
+                </a:prstGeom>
+                <a:noFill/>
+              </p:spPr>
+              <p:txBody>
+                <a:bodyPr wrap="none" rtlCol="0">
+                  <a:spAutoFit/>
+                </a:bodyPr>
+                <a:lstStyle/>
+                <a:p>
+                  <a:r>
+                    <a:rPr lang="en-US" sz="1600" dirty="0"/>
+                    <a:t>(press==1)?</a:t>
+                  </a:r>
+                  <a14:m>
+                    <m:oMath xmlns:m="http://schemas.openxmlformats.org/officeDocument/2006/math">
+                      <m:r>
+                        <a:rPr lang="en-US" sz="1600" b="0" i="1" smtClean="0">
+                          <a:latin typeface="Cambria Math" panose="02040503050406030204" pitchFamily="18" charset="0"/>
+                        </a:rPr>
+                        <m:t>→</m:t>
+                      </m:r>
+                    </m:oMath>
+                  </a14:m>
+                  <a:endParaRPr lang="en-US" sz="1600" dirty="0"/>
+                </a:p>
+                <a:p>
+                  <a:r>
+                    <a:rPr lang="en-US" sz="1600" dirty="0"/>
+                    <a:t> c:=0</a:t>
+                  </a:r>
+                </a:p>
+              </p:txBody>
+            </p:sp>
+          </mc:Choice>
+          <mc:Fallback xmlns="">
+            <p:sp>
+              <p:nvSpPr>
+                <p:cNvPr id="34" name="TextBox 33">
+                  <a:extLst>
+                    <a:ext uri="{FF2B5EF4-FFF2-40B4-BE49-F238E27FC236}">
+                      <a16:creationId xmlns:a16="http://schemas.microsoft.com/office/drawing/2014/main" id="{DE585711-9EC9-4D91-94BB-9B4354BAF368}"/>
+                    </a:ext>
+                  </a:extLst>
+                </p:cNvPr>
+                <p:cNvSpPr txBox="1">
+                  <a:spLocks noRot="1" noChangeAspect="1" noMove="1" noResize="1" noEditPoints="1" noAdjustHandles="1" noChangeArrowheads="1" noChangeShapeType="1" noTextEdit="1"/>
+                </p:cNvSpPr>
+                <p:nvPr/>
+              </p:nvSpPr>
+              <p:spPr>
+                <a:xfrm>
+                  <a:off x="2336776" y="3311403"/>
+                  <a:ext cx="1324914" cy="584775"/>
+                </a:xfrm>
+                <a:prstGeom prst="rect">
+                  <a:avLst/>
+                </a:prstGeom>
+                <a:blipFill>
+                  <a:blip r:embed="rId2"/>
+                  <a:stretch>
+                    <a:fillRect l="-2765" t="-3125" b="-12500"/>
+                  </a:stretch>
+                </a:blipFill>
+              </p:spPr>
+              <p:txBody>
+                <a:bodyPr/>
+                <a:lstStyle/>
+                <a:p>
+                  <a:r>
+                    <a:rPr lang="en-US">
+                      <a:noFill/>
+                    </a:rPr>
+                    <a:t> </a:t>
+                  </a:r>
+                </a:p>
+              </p:txBody>
+            </p:sp>
+          </mc:Fallback>
+        </mc:AlternateContent>
+        <p:sp>
+          <p:nvSpPr>
+            <p:cNvPr id="35" name="TextBox 34">
+              <a:extLst>
+                <a:ext uri="{FF2B5EF4-FFF2-40B4-BE49-F238E27FC236}">
+                  <a16:creationId xmlns:a16="http://schemas.microsoft.com/office/drawing/2014/main" id="{73EC712A-B635-4F40-92FF-8999EC26453B}"/>
+                </a:ext>
+              </a:extLst>
+            </p:cNvPr>
+            <p:cNvSpPr txBox="1"/>
+            <p:nvPr/>
+          </p:nvSpPr>
+          <p:spPr>
+            <a:xfrm>
+              <a:off x="3644938" y="4460373"/>
+              <a:ext cx="1153393" cy="338554"/>
+            </a:xfrm>
+            <a:prstGeom prst="rect">
+              <a:avLst/>
+            </a:prstGeom>
+            <a:noFill/>
+          </p:spPr>
+          <p:txBody>
+            <a:bodyPr wrap="none" rtlCol="0">
+              <a:spAutoFit/>
+            </a:bodyPr>
+            <a:lstStyle/>
+            <a:p>
+              <a:r>
+                <a:rPr lang="en-US" sz="1600" dirty="0"/>
+                <a:t>(press==1)?</a:t>
+              </a:r>
+            </a:p>
+          </p:txBody>
+        </p:sp>
+        <p:cxnSp>
+          <p:nvCxnSpPr>
+            <p:cNvPr id="39" name="Straight Arrow Connector 38">
+              <a:extLst>
+                <a:ext uri="{FF2B5EF4-FFF2-40B4-BE49-F238E27FC236}">
+                  <a16:creationId xmlns:a16="http://schemas.microsoft.com/office/drawing/2014/main" id="{47E1598E-D9F5-4B55-B6D8-A8E6F2F111EC}"/>
+                </a:ext>
+              </a:extLst>
+            </p:cNvPr>
+            <p:cNvCxnSpPr>
+              <a:cxnSpLocks/>
+              <a:endCxn id="22" idx="2"/>
+            </p:cNvCxnSpPr>
+            <p:nvPr/>
+          </p:nvCxnSpPr>
+          <p:spPr>
+            <a:xfrm>
+              <a:off x="589102" y="3340069"/>
+              <a:ext cx="831099" cy="0"/>
+            </a:xfrm>
+            <a:prstGeom prst="straightConnector1">
+              <a:avLst/>
+            </a:prstGeom>
+            <a:ln w="25400">
+              <a:solidFill>
+                <a:schemeClr val="accent6"/>
+              </a:solidFill>
+              <a:tailEnd type="triangle" w="lg" len="lg"/>
+            </a:ln>
+          </p:spPr>
+          <p:style>
+            <a:lnRef idx="1">
+              <a:schemeClr val="accent1"/>
+            </a:lnRef>
+            <a:fillRef idx="0">
+              <a:schemeClr val="accent1"/>
+            </a:fillRef>
+            <a:effectRef idx="0">
+              <a:schemeClr val="accent1"/>
+            </a:effectRef>
+            <a:fontRef idx="minor">
+              <a:schemeClr val="tx1"/>
+            </a:fontRef>
+          </p:style>
+        </p:cxnSp>
+        <p:sp>
+          <p:nvSpPr>
+            <p:cNvPr id="41" name="TextBox 40">
+              <a:extLst>
+                <a:ext uri="{FF2B5EF4-FFF2-40B4-BE49-F238E27FC236}">
+                  <a16:creationId xmlns:a16="http://schemas.microsoft.com/office/drawing/2014/main" id="{2F6D1E69-406C-49D4-B36E-93BB23218E5F}"/>
+                </a:ext>
+              </a:extLst>
+            </p:cNvPr>
+            <p:cNvSpPr txBox="1"/>
+            <p:nvPr/>
+          </p:nvSpPr>
+          <p:spPr>
+            <a:xfrm>
+              <a:off x="218533" y="2928958"/>
+              <a:ext cx="1000595" cy="338554"/>
+            </a:xfrm>
+            <a:prstGeom prst="rect">
+              <a:avLst/>
+            </a:prstGeom>
+            <a:noFill/>
+          </p:spPr>
+          <p:txBody>
+            <a:bodyPr wrap="none" rtlCol="0">
+              <a:spAutoFit/>
+            </a:bodyPr>
+            <a:lstStyle/>
+            <a:p>
+              <a:r>
+                <a:rPr lang="en-US" sz="1600" dirty="0"/>
+                <a:t>clock c:=0</a:t>
+              </a:r>
+            </a:p>
+          </p:txBody>
+        </p:sp>
+        <p:sp>
+          <p:nvSpPr>
+            <p:cNvPr id="5" name="Freeform: Shape 4">
+              <a:extLst>
+                <a:ext uri="{FF2B5EF4-FFF2-40B4-BE49-F238E27FC236}">
+                  <a16:creationId xmlns:a16="http://schemas.microsoft.com/office/drawing/2014/main" id="{AE5758A1-CDD1-46D6-82AD-E3EA29295B29}"/>
+                </a:ext>
+              </a:extLst>
+            </p:cNvPr>
+            <p:cNvSpPr/>
+            <p:nvPr/>
+          </p:nvSpPr>
+          <p:spPr>
+            <a:xfrm>
+              <a:off x="1821116" y="2474254"/>
+              <a:ext cx="2120793" cy="573427"/>
+            </a:xfrm>
+            <a:custGeom>
+              <a:avLst/>
+              <a:gdLst>
+                <a:gd name="connsiteX0" fmla="*/ 2013217 w 2013217"/>
+                <a:gd name="connsiteY0" fmla="*/ 522518 h 522518"/>
+                <a:gd name="connsiteX1" fmla="*/ 1114185 w 2013217"/>
+                <a:gd name="connsiteY1" fmla="*/ 4 h 522518"/>
+                <a:gd name="connsiteX2" fmla="*/ 0 w 2013217"/>
+                <a:gd name="connsiteY2" fmla="*/ 514834 h 522518"/>
+              </a:gdLst>
+              <a:ahLst/>
+              <a:cxnLst>
+                <a:cxn ang="0">
+                  <a:pos x="connsiteX0" y="connsiteY0"/>
+                </a:cxn>
+                <a:cxn ang="0">
+                  <a:pos x="connsiteX1" y="connsiteY1"/>
+                </a:cxn>
+                <a:cxn ang="0">
+                  <a:pos x="connsiteX2" y="connsiteY2"/>
+                </a:cxn>
+              </a:cxnLst>
+              <a:rect l="l" t="t" r="r" b="b"/>
+              <a:pathLst>
+                <a:path w="2013217" h="522518">
+                  <a:moveTo>
+                    <a:pt x="2013217" y="522518"/>
+                  </a:moveTo>
+                  <a:cubicBezTo>
+                    <a:pt x="1731469" y="261901"/>
+                    <a:pt x="1449721" y="1285"/>
+                    <a:pt x="1114185" y="4"/>
+                  </a:cubicBezTo>
+                  <a:cubicBezTo>
+                    <a:pt x="778649" y="-1277"/>
+                    <a:pt x="389324" y="256778"/>
+                    <a:pt x="0" y="514834"/>
+                  </a:cubicBezTo>
+                </a:path>
+              </a:pathLst>
+            </a:custGeom>
+            <a:ln w="25400">
+              <a:solidFill>
+                <a:schemeClr val="accent6"/>
+              </a:solidFill>
+              <a:tailEnd type="triangle" w="lg" len="lg"/>
+            </a:ln>
+          </p:spPr>
+          <p:style>
+            <a:lnRef idx="1">
+              <a:schemeClr val="accent1"/>
+            </a:lnRef>
+            <a:fillRef idx="0">
+              <a:schemeClr val="accent1"/>
+            </a:fillRef>
+            <a:effectRef idx="0">
+              <a:schemeClr val="accent1"/>
+            </a:effectRef>
+            <a:fontRef idx="minor">
+              <a:schemeClr val="tx1"/>
+            </a:fontRef>
+          </p:style>
+          <p:txBody>
+            <a:bodyPr rtlCol="0" anchor="ctr"/>
+            <a:lstStyle/>
+            <a:p>
+              <a:pPr algn="ctr"/>
+              <a:endParaRPr lang="en-US">
+                <a:solidFill>
+                  <a:schemeClr val="tx1"/>
+                </a:solidFill>
+              </a:endParaRPr>
+            </a:p>
+          </p:txBody>
+        </p:sp>
+        <mc:AlternateContent xmlns:mc="http://schemas.openxmlformats.org/markup-compatibility/2006" xmlns:a14="http://schemas.microsoft.com/office/drawing/2010/main">
+          <mc:Choice Requires="a14">
+            <p:sp>
+              <p:nvSpPr>
+                <p:cNvPr id="42" name="TextBox 41">
+                  <a:extLst>
+                    <a:ext uri="{FF2B5EF4-FFF2-40B4-BE49-F238E27FC236}">
+                      <a16:creationId xmlns:a16="http://schemas.microsoft.com/office/drawing/2014/main" id="{B2E98396-B45C-474D-B7D2-8F47B43A9B24}"/>
+                    </a:ext>
+                  </a:extLst>
+                </p:cNvPr>
+                <p:cNvSpPr txBox="1"/>
+                <p:nvPr/>
+              </p:nvSpPr>
+              <p:spPr>
+                <a:xfrm>
+                  <a:off x="1962574" y="2084624"/>
+                  <a:ext cx="1837875" cy="338554"/>
+                </a:xfrm>
+                <a:prstGeom prst="rect">
+                  <a:avLst/>
+                </a:prstGeom>
+                <a:noFill/>
+              </p:spPr>
+              <p:txBody>
+                <a:bodyPr wrap="none" rtlCol="0">
+                  <a:spAutoFit/>
+                </a:bodyPr>
+                <a:lstStyle/>
+                <a:p>
+                  <a:r>
+                    <a:rPr lang="en-US" sz="1600" dirty="0"/>
+                    <a:t>(press==1)? </a:t>
+                  </a:r>
+                  <a14:m>
+                    <m:oMath xmlns:m="http://schemas.openxmlformats.org/officeDocument/2006/math">
+                      <m:r>
+                        <a:rPr lang="en-US" sz="1600" b="0" i="1" smtClean="0">
+                          <a:latin typeface="Cambria Math" panose="02040503050406030204" pitchFamily="18" charset="0"/>
+                        </a:rPr>
+                        <m:t>∧</m:t>
+                      </m:r>
+                    </m:oMath>
+                  </a14:m>
+                  <a:r>
+                    <a:rPr lang="en-US" sz="1600" dirty="0"/>
+                    <a:t> (c</a:t>
+                  </a:r>
+                  <a14:m>
+                    <m:oMath xmlns:m="http://schemas.openxmlformats.org/officeDocument/2006/math">
+                      <m:r>
+                        <a:rPr lang="en-US" sz="1600" b="0" i="1" smtClean="0">
+                          <a:latin typeface="Cambria Math" panose="02040503050406030204" pitchFamily="18" charset="0"/>
+                        </a:rPr>
+                        <m:t>≥</m:t>
+                      </m:r>
+                    </m:oMath>
+                  </a14:m>
+                  <a:r>
+                    <a:rPr lang="en-US" sz="1600" dirty="0"/>
+                    <a:t>1)</a:t>
+                  </a:r>
+                </a:p>
+              </p:txBody>
+            </p:sp>
+          </mc:Choice>
+          <mc:Fallback xmlns="">
+            <p:sp>
+              <p:nvSpPr>
+                <p:cNvPr id="42" name="TextBox 41">
+                  <a:extLst>
+                    <a:ext uri="{FF2B5EF4-FFF2-40B4-BE49-F238E27FC236}">
+                      <a16:creationId xmlns:a16="http://schemas.microsoft.com/office/drawing/2014/main" id="{B2E98396-B45C-474D-B7D2-8F47B43A9B24}"/>
+                    </a:ext>
+                  </a:extLst>
+                </p:cNvPr>
+                <p:cNvSpPr txBox="1">
+                  <a:spLocks noRot="1" noChangeAspect="1" noMove="1" noResize="1" noEditPoints="1" noAdjustHandles="1" noChangeArrowheads="1" noChangeShapeType="1" noTextEdit="1"/>
+                </p:cNvSpPr>
+                <p:nvPr/>
+              </p:nvSpPr>
+              <p:spPr>
+                <a:xfrm>
+                  <a:off x="1962574" y="2084624"/>
+                  <a:ext cx="1837875" cy="338554"/>
+                </a:xfrm>
+                <a:prstGeom prst="rect">
+                  <a:avLst/>
+                </a:prstGeom>
+                <a:blipFill>
+                  <a:blip r:embed="rId3"/>
+                  <a:stretch>
+                    <a:fillRect l="-1656" t="-5455" r="-662" b="-23636"/>
+                  </a:stretch>
+                </a:blipFill>
+              </p:spPr>
+              <p:txBody>
+                <a:bodyPr/>
+                <a:lstStyle/>
+                <a:p>
+                  <a:r>
+                    <a:rPr lang="en-US">
+                      <a:noFill/>
+                    </a:rPr>
+                    <a:t> </a:t>
+                  </a:r>
+                </a:p>
+              </p:txBody>
+            </p:sp>
+          </mc:Fallback>
+        </mc:AlternateContent>
+        <mc:AlternateContent xmlns:mc="http://schemas.openxmlformats.org/markup-compatibility/2006" xmlns:a14="http://schemas.microsoft.com/office/drawing/2010/main">
+          <mc:Choice Requires="a14">
+            <p:sp>
+              <p:nvSpPr>
+                <p:cNvPr id="43" name="TextBox 42">
+                  <a:extLst>
+                    <a:ext uri="{FF2B5EF4-FFF2-40B4-BE49-F238E27FC236}">
+                      <a16:creationId xmlns:a16="http://schemas.microsoft.com/office/drawing/2014/main" id="{3CD2E81B-B28E-49C4-8A68-30990BFA5384}"/>
+                    </a:ext>
+                  </a:extLst>
+                </p:cNvPr>
+                <p:cNvSpPr txBox="1"/>
+                <p:nvPr/>
+              </p:nvSpPr>
+              <p:spPr>
+                <a:xfrm>
+                  <a:off x="4414591" y="2934966"/>
+                  <a:ext cx="1837875" cy="338554"/>
+                </a:xfrm>
+                <a:prstGeom prst="rect">
+                  <a:avLst/>
+                </a:prstGeom>
+                <a:noFill/>
+              </p:spPr>
+              <p:txBody>
+                <a:bodyPr wrap="none" rtlCol="0">
+                  <a:spAutoFit/>
+                </a:bodyPr>
+                <a:lstStyle/>
+                <a:p>
+                  <a:r>
+                    <a:rPr lang="en-US" sz="1600" dirty="0"/>
+                    <a:t>(press==1)? </a:t>
+                  </a:r>
+                  <a14:m>
+                    <m:oMath xmlns:m="http://schemas.openxmlformats.org/officeDocument/2006/math">
+                      <m:r>
+                        <a:rPr lang="en-US" sz="1600" b="0" i="1" smtClean="0">
+                          <a:latin typeface="Cambria Math" panose="02040503050406030204" pitchFamily="18" charset="0"/>
+                        </a:rPr>
+                        <m:t>∧</m:t>
+                      </m:r>
+                    </m:oMath>
+                  </a14:m>
+                  <a:r>
+                    <a:rPr lang="en-US" sz="1600" dirty="0"/>
+                    <a:t> (c</a:t>
+                  </a:r>
+                  <a14:m>
+                    <m:oMath xmlns:m="http://schemas.openxmlformats.org/officeDocument/2006/math">
+                      <m:r>
+                        <a:rPr lang="en-US" sz="1600" b="0" i="1" smtClean="0">
+                          <a:latin typeface="Cambria Math" panose="02040503050406030204" pitchFamily="18" charset="0"/>
+                        </a:rPr>
+                        <m:t>≤</m:t>
+                      </m:r>
+                    </m:oMath>
+                  </a14:m>
+                  <a:r>
+                    <a:rPr lang="en-US" sz="1600" dirty="0"/>
+                    <a:t>1)</a:t>
+                  </a:r>
+                </a:p>
+              </p:txBody>
+            </p:sp>
+          </mc:Choice>
+          <mc:Fallback xmlns="">
+            <p:sp>
+              <p:nvSpPr>
+                <p:cNvPr id="43" name="TextBox 42">
+                  <a:extLst>
+                    <a:ext uri="{FF2B5EF4-FFF2-40B4-BE49-F238E27FC236}">
+                      <a16:creationId xmlns:a16="http://schemas.microsoft.com/office/drawing/2014/main" id="{3CD2E81B-B28E-49C4-8A68-30990BFA5384}"/>
+                    </a:ext>
+                  </a:extLst>
+                </p:cNvPr>
+                <p:cNvSpPr txBox="1">
+                  <a:spLocks noRot="1" noChangeAspect="1" noMove="1" noResize="1" noEditPoints="1" noAdjustHandles="1" noChangeArrowheads="1" noChangeShapeType="1" noTextEdit="1"/>
+                </p:cNvSpPr>
+                <p:nvPr/>
+              </p:nvSpPr>
+              <p:spPr>
+                <a:xfrm>
+                  <a:off x="4414591" y="2934966"/>
+                  <a:ext cx="1837875" cy="338554"/>
+                </a:xfrm>
+                <a:prstGeom prst="rect">
+                  <a:avLst/>
+                </a:prstGeom>
+                <a:blipFill>
+                  <a:blip r:embed="rId4"/>
+                  <a:stretch>
+                    <a:fillRect l="-1993" t="-5357" r="-664" b="-21429"/>
+                  </a:stretch>
+                </a:blipFill>
+              </p:spPr>
+              <p:txBody>
+                <a:bodyPr/>
+                <a:lstStyle/>
+                <a:p>
+                  <a:r>
+                    <a:rPr lang="en-US">
+                      <a:noFill/>
+                    </a:rPr>
+                    <a:t> </a:t>
+                  </a:r>
+                </a:p>
+              </p:txBody>
+            </p:sp>
+          </mc:Fallback>
+        </mc:AlternateContent>
+      </p:grpSp>
+      <p:sp>
+        <p:nvSpPr>
+          <p:cNvPr id="44" name="Content Placeholder 1">
+            <a:extLst>
+              <a:ext uri="{FF2B5EF4-FFF2-40B4-BE49-F238E27FC236}">
+                <a16:creationId xmlns:a16="http://schemas.microsoft.com/office/drawing/2014/main" id="{0AD1BA37-FF7A-4151-A991-56F206543512}"/>
+              </a:ext>
+            </a:extLst>
+          </p:cNvPr>
+          <p:cNvSpPr>
+            <a:spLocks noGrp="1"/>
+          </p:cNvSpPr>
+          <p:nvPr>
+            <p:ph idx="1"/>
+          </p:nvPr>
+        </p:nvSpPr>
+        <p:spPr>
+          <a:xfrm>
+            <a:off x="377541" y="4896242"/>
+            <a:ext cx="771016" cy="338554"/>
+          </a:xfrm>
+        </p:spPr>
+        <p:txBody>
+          <a:bodyPr lIns="0" tIns="0" rIns="0" bIns="0">
+            <a:normAutofit/>
+          </a:bodyPr>
+          <a:lstStyle/>
+          <a:p>
+            <a:pPr marL="0" indent="0">
+              <a:buNone/>
+            </a:pPr>
+            <a:r>
+              <a:rPr lang="en-US" sz="2400" dirty="0"/>
+              <a:t>(off,0)</a:t>
+            </a:r>
+          </a:p>
+          <a:p>
+            <a:pPr marL="0" indent="0">
+              <a:buNone/>
+            </a:pPr>
+            <a:endParaRPr lang="en-US" sz="2400" dirty="0"/>
+          </a:p>
+          <a:p>
+            <a:pPr marL="0" indent="0">
+              <a:buNone/>
+            </a:pPr>
+            <a:endParaRPr lang="en-US" sz="2400" dirty="0"/>
+          </a:p>
+        </p:txBody>
+      </p:sp>
+      <p:sp>
+        <p:nvSpPr>
+          <p:cNvPr id="45" name="Content Placeholder 1">
+            <a:extLst>
+              <a:ext uri="{FF2B5EF4-FFF2-40B4-BE49-F238E27FC236}">
+                <a16:creationId xmlns:a16="http://schemas.microsoft.com/office/drawing/2014/main" id="{50A2248D-741E-4EAE-BD1D-88032C49FB26}"/>
+              </a:ext>
+            </a:extLst>
+          </p:cNvPr>
+          <p:cNvSpPr txBox="1">
+            <a:spLocks/>
+          </p:cNvSpPr>
+          <p:nvPr/>
+        </p:nvSpPr>
+        <p:spPr>
+          <a:xfrm>
+            <a:off x="2009695" y="4896242"/>
+            <a:ext cx="1110241" cy="338554"/>
+          </a:xfrm>
+          <a:prstGeom prst="rect">
+            <a:avLst/>
+          </a:prstGeom>
+        </p:spPr>
+        <p:txBody>
+          <a:bodyPr vert="horz" lIns="0" tIns="0" rIns="0" bIns="0" rtlCol="0">
+            <a:normAutofit/>
+          </a:bodyPr>
+          <a:lstStyle>
+            <a:lvl1pPr marL="457200" marR="0" indent="-457200" algn="l" defTabSz="914400" rtl="0" eaLnBrk="1" fontAlgn="auto" latinLnBrk="0" hangingPunct="1">
+              <a:lnSpc>
+                <a:spcPct val="90000"/>
+              </a:lnSpc>
+              <a:spcBef>
+                <a:spcPts val="1000"/>
+              </a:spcBef>
+              <a:spcAft>
+                <a:spcPts val="0"/>
+              </a:spcAft>
+              <a:buClr>
+                <a:srgbClr val="FF9B9B"/>
+              </a:buClr>
+              <a:buSzPct val="80000"/>
+              <a:buFont typeface="Wingdings 3" panose="05040102010807070707" pitchFamily="18" charset="2"/>
+              <a:buChar char=""/>
+              <a:tabLst/>
+              <a:defRPr lang="en-US" sz="2800" kern="1200" noProof="0">
+                <a:solidFill>
+                  <a:schemeClr val="tx1"/>
+                </a:solidFill>
+                <a:latin typeface="+mn-lt"/>
+                <a:ea typeface="+mn-ea"/>
+                <a:cs typeface="+mn-cs"/>
+              </a:defRPr>
+            </a:lvl1pPr>
+            <a:lvl2pPr marL="685800" marR="0" indent="-274320" algn="l" defTabSz="914400" rtl="0" eaLnBrk="1" fontAlgn="auto" latinLnBrk="0" hangingPunct="1">
+              <a:lnSpc>
+                <a:spcPct val="90000"/>
+              </a:lnSpc>
+              <a:spcBef>
+                <a:spcPts val="500"/>
+              </a:spcBef>
+              <a:spcAft>
+                <a:spcPts val="0"/>
+              </a:spcAft>
+              <a:buClr>
+                <a:srgbClr val="FFA3A3"/>
+              </a:buClr>
+              <a:buSzPct val="75000"/>
+              <a:buFont typeface="Wingdings 3" panose="05040102010807070707" pitchFamily="18" charset="2"/>
+              <a:buChar char=""/>
+              <a:tabLst/>
+              <a:defRPr lang="en-US" sz="2800" kern="1200" noProof="0">
+                <a:solidFill>
+                  <a:schemeClr val="tx1"/>
+                </a:solidFill>
+                <a:latin typeface="+mn-lt"/>
+                <a:ea typeface="+mn-ea"/>
+                <a:cs typeface="+mn-cs"/>
+              </a:defRPr>
+            </a:lvl2pPr>
+            <a:lvl3pPr marL="1143000" marR="0" indent="-228600" algn="l" defTabSz="914400" rtl="0" eaLnBrk="1" fontAlgn="auto" latinLnBrk="0" hangingPunct="1">
+              <a:lnSpc>
+                <a:spcPct val="90000"/>
+              </a:lnSpc>
+              <a:spcBef>
+                <a:spcPts val="500"/>
+              </a:spcBef>
+              <a:spcAft>
+                <a:spcPts val="0"/>
+              </a:spcAft>
+              <a:buClr>
+                <a:srgbClr val="FF9797"/>
+              </a:buClr>
+              <a:buSzPct val="70000"/>
+              <a:buFont typeface="Wingdings 3" panose="05040102010807070707" pitchFamily="18" charset="2"/>
+              <a:buChar char=""/>
+              <a:tabLst/>
+              <a:defRPr lang="en-US" sz="2800" kern="1200" noProof="0">
+                <a:solidFill>
+                  <a:schemeClr val="tx1"/>
+                </a:solidFill>
+                <a:latin typeface="+mn-lt"/>
+                <a:ea typeface="+mn-ea"/>
+                <a:cs typeface="+mn-cs"/>
+              </a:defRPr>
+            </a:lvl3pPr>
+            <a:lvl4pPr marL="1600200" marR="0" indent="-228600" algn="l" defTabSz="914400" rtl="0" eaLnBrk="1" fontAlgn="auto" latinLnBrk="0" hangingPunct="1">
+              <a:lnSpc>
+                <a:spcPct val="90000"/>
+              </a:lnSpc>
+              <a:spcBef>
+                <a:spcPts val="500"/>
+              </a:spcBef>
+              <a:spcAft>
+                <a:spcPts val="0"/>
+              </a:spcAft>
+              <a:buClr>
+                <a:srgbClr val="FF9B9B"/>
+              </a:buClr>
+              <a:buSzPct val="65000"/>
+              <a:buFont typeface="Wingdings 3" panose="05040102010807070707" pitchFamily="18" charset="2"/>
+              <a:buChar char=""/>
+              <a:tabLst/>
+              <a:defRPr lang="en-US" sz="2800" kern="1200" noProof="0">
+                <a:solidFill>
+                  <a:schemeClr val="tx1"/>
+                </a:solidFill>
+                <a:latin typeface="+mn-lt"/>
+                <a:ea typeface="+mn-ea"/>
+                <a:cs typeface="+mn-cs"/>
+              </a:defRPr>
+            </a:lvl4pPr>
+            <a:lvl5pPr marL="2057400" marR="0" indent="-228600" algn="l" defTabSz="914400" rtl="0" eaLnBrk="1" fontAlgn="auto" latinLnBrk="0" hangingPunct="1">
+              <a:lnSpc>
+                <a:spcPct val="90000"/>
+              </a:lnSpc>
+              <a:spcBef>
+                <a:spcPts val="500"/>
+              </a:spcBef>
+              <a:spcAft>
+                <a:spcPts val="0"/>
+              </a:spcAft>
+              <a:buClr>
+                <a:srgbClr val="FF9B9B"/>
+              </a:buClr>
+              <a:buSzPct val="60000"/>
+              <a:buFont typeface="Wingdings 3" panose="05040102010807070707" pitchFamily="18" charset="2"/>
+              <a:buChar char=""/>
+              <a:tabLst/>
+              <a:defRPr lang="en-US" sz="2800" kern="1200" noProof="0">
+                <a:solidFill>
+                  <a:schemeClr val="tx1"/>
+                </a:solidFill>
+                <a:latin typeface="+mn-lt"/>
+                <a:ea typeface="+mn-ea"/>
+                <a:cs typeface="+mn-cs"/>
+              </a:defRPr>
+            </a:lvl5pPr>
+            <a:lvl6pPr marL="2514600" indent="-228600" algn="l" defTabSz="914400" rtl="0" eaLnBrk="1" latinLnBrk="0" hangingPunct="1">
+              <a:lnSpc>
+                <a:spcPct val="90000"/>
+              </a:lnSpc>
+              <a:spcBef>
+                <a:spcPts val="500"/>
+              </a:spcBef>
+              <a:buFont typeface="Arial" panose="020B0604020202020204" pitchFamily="34" charset="0"/>
+              <a:buChar char="•"/>
+              <a:defRPr sz="1800" kern="1200">
+                <a:solidFill>
+                  <a:schemeClr val="tx1"/>
+                </a:solidFill>
+                <a:latin typeface="+mn-lt"/>
+                <a:ea typeface="+mn-ea"/>
+                <a:cs typeface="+mn-cs"/>
+              </a:defRPr>
+            </a:lvl6pPr>
+            <a:lvl7pPr marL="2971800" indent="-228600" algn="l" defTabSz="914400" rtl="0" eaLnBrk="1" latinLnBrk="0" hangingPunct="1">
+              <a:lnSpc>
+                <a:spcPct val="90000"/>
+              </a:lnSpc>
+              <a:spcBef>
+                <a:spcPts val="500"/>
+              </a:spcBef>
+              <a:buFont typeface="Arial" panose="020B0604020202020204" pitchFamily="34" charset="0"/>
+              <a:buChar char="•"/>
+              <a:defRPr sz="1800" kern="1200">
+                <a:solidFill>
+                  <a:schemeClr val="tx1"/>
+                </a:solidFill>
+                <a:latin typeface="+mn-lt"/>
+                <a:ea typeface="+mn-ea"/>
+                <a:cs typeface="+mn-cs"/>
+              </a:defRPr>
+            </a:lvl7pPr>
+            <a:lvl8pPr marL="3429000" indent="-228600" algn="l" defTabSz="914400" rtl="0" eaLnBrk="1" latinLnBrk="0" hangingPunct="1">
+              <a:lnSpc>
+                <a:spcPct val="90000"/>
+              </a:lnSpc>
+              <a:spcBef>
+                <a:spcPts val="500"/>
+              </a:spcBef>
+              <a:buFont typeface="Arial" panose="020B0604020202020204" pitchFamily="34" charset="0"/>
+              <a:buChar char="•"/>
+              <a:defRPr sz="1800" kern="1200">
+                <a:solidFill>
+                  <a:schemeClr val="tx1"/>
+                </a:solidFill>
+                <a:latin typeface="+mn-lt"/>
+                <a:ea typeface="+mn-ea"/>
+                <a:cs typeface="+mn-cs"/>
+              </a:defRPr>
+            </a:lvl8pPr>
+            <a:lvl9pPr marL="3886200" indent="-228600" algn="l" defTabSz="914400" rtl="0" eaLnBrk="1" latinLnBrk="0" hangingPunct="1">
+              <a:lnSpc>
+                <a:spcPct val="90000"/>
+              </a:lnSpc>
+              <a:spcBef>
+                <a:spcPts val="500"/>
+              </a:spcBef>
+              <a:buFont typeface="Arial" panose="020B0604020202020204" pitchFamily="34" charset="0"/>
+              <a:buChar char="•"/>
+              <a:defRPr sz="1800" kern="1200">
+                <a:solidFill>
+                  <a:schemeClr val="tx1"/>
+                </a:solidFill>
+                <a:latin typeface="+mn-lt"/>
+                <a:ea typeface="+mn-ea"/>
+                <a:cs typeface="+mn-cs"/>
+              </a:defRPr>
+            </a:lvl9pPr>
+          </a:lstStyle>
+          <a:p>
+            <a:pPr marL="0" indent="0">
+              <a:buFont typeface="Wingdings 3" panose="05040102010807070707" pitchFamily="18" charset="2"/>
+              <a:buNone/>
+            </a:pPr>
+            <a:r>
+              <a:rPr lang="en-US" sz="2400" dirty="0"/>
+              <a:t>(off,0.5)</a:t>
+            </a:r>
+          </a:p>
+          <a:p>
+            <a:pPr marL="0" indent="0">
+              <a:buFont typeface="Wingdings 3" panose="05040102010807070707" pitchFamily="18" charset="2"/>
+              <a:buNone/>
+            </a:pPr>
+            <a:endParaRPr lang="en-US" sz="2400" dirty="0"/>
+          </a:p>
+          <a:p>
+            <a:pPr marL="0" indent="0">
+              <a:buFont typeface="Wingdings 3" panose="05040102010807070707" pitchFamily="18" charset="2"/>
+              <a:buNone/>
+            </a:pPr>
+            <a:endParaRPr lang="en-US" sz="2400" dirty="0"/>
+          </a:p>
+        </p:txBody>
+      </p:sp>
+      <p:cxnSp>
+        <p:nvCxnSpPr>
+          <p:cNvPr id="18" name="Straight Arrow Connector 17">
+            <a:extLst>
+              <a:ext uri="{FF2B5EF4-FFF2-40B4-BE49-F238E27FC236}">
+                <a16:creationId xmlns:a16="http://schemas.microsoft.com/office/drawing/2014/main" id="{26F9AD23-1CAD-4346-BD46-7B936CA40EBD}"/>
+              </a:ext>
+            </a:extLst>
+          </p:cNvPr>
+          <p:cNvCxnSpPr>
+            <a:stCxn id="44" idx="3"/>
+            <a:endCxn id="45" idx="1"/>
+          </p:cNvCxnSpPr>
+          <p:nvPr/>
+        </p:nvCxnSpPr>
+        <p:spPr>
+          <a:xfrm>
+            <a:off x="1148557" y="5065519"/>
+            <a:ext cx="861138" cy="0"/>
+          </a:xfrm>
+          <a:prstGeom prst="straightConnector1">
+            <a:avLst/>
+          </a:prstGeom>
+          <a:ln w="25400">
+            <a:solidFill>
+              <a:schemeClr val="tx1"/>
+            </a:solidFill>
+            <a:tailEnd type="triangle" w="lg" len="lg"/>
+          </a:ln>
+        </p:spPr>
+        <p:style>
+          <a:lnRef idx="1">
+            <a:schemeClr val="accent1"/>
+          </a:lnRef>
+          <a:fillRef idx="0">
+            <a:schemeClr val="accent1"/>
+          </a:fillRef>
+          <a:effectRef idx="0">
+            <a:schemeClr val="accent1"/>
+          </a:effectRef>
+          <a:fontRef idx="minor">
+            <a:schemeClr val="tx1"/>
+          </a:fontRef>
+        </p:style>
+      </p:cxnSp>
+      <p:sp>
+        <p:nvSpPr>
+          <p:cNvPr id="46" name="Content Placeholder 1">
+            <a:extLst>
+              <a:ext uri="{FF2B5EF4-FFF2-40B4-BE49-F238E27FC236}">
+                <a16:creationId xmlns:a16="http://schemas.microsoft.com/office/drawing/2014/main" id="{A2B34E28-C683-4FED-96F5-4D731FDABA7E}"/>
+              </a:ext>
+            </a:extLst>
+          </p:cNvPr>
+          <p:cNvSpPr txBox="1">
+            <a:spLocks/>
+          </p:cNvSpPr>
+          <p:nvPr/>
+        </p:nvSpPr>
+        <p:spPr>
+          <a:xfrm>
+            <a:off x="3869919" y="4891239"/>
+            <a:ext cx="1110241" cy="338554"/>
+          </a:xfrm>
+          <a:prstGeom prst="rect">
+            <a:avLst/>
+          </a:prstGeom>
+        </p:spPr>
+        <p:txBody>
+          <a:bodyPr vert="horz" lIns="0" tIns="0" rIns="0" bIns="0" rtlCol="0">
+            <a:normAutofit/>
+          </a:bodyPr>
+          <a:lstStyle>
+            <a:lvl1pPr marL="457200" marR="0" indent="-457200" algn="l" defTabSz="914400" rtl="0" eaLnBrk="1" fontAlgn="auto" latinLnBrk="0" hangingPunct="1">
+              <a:lnSpc>
+                <a:spcPct val="90000"/>
+              </a:lnSpc>
+              <a:spcBef>
+                <a:spcPts val="1000"/>
+              </a:spcBef>
+              <a:spcAft>
+                <a:spcPts val="0"/>
+              </a:spcAft>
+              <a:buClr>
+                <a:srgbClr val="FF9B9B"/>
+              </a:buClr>
+              <a:buSzPct val="80000"/>
+              <a:buFont typeface="Wingdings 3" panose="05040102010807070707" pitchFamily="18" charset="2"/>
+              <a:buChar char=""/>
+              <a:tabLst/>
+              <a:defRPr lang="en-US" sz="2800" kern="1200" noProof="0">
+                <a:solidFill>
+                  <a:schemeClr val="tx1"/>
+                </a:solidFill>
+                <a:latin typeface="+mn-lt"/>
+                <a:ea typeface="+mn-ea"/>
+                <a:cs typeface="+mn-cs"/>
+              </a:defRPr>
+            </a:lvl1pPr>
+            <a:lvl2pPr marL="685800" marR="0" indent="-274320" algn="l" defTabSz="914400" rtl="0" eaLnBrk="1" fontAlgn="auto" latinLnBrk="0" hangingPunct="1">
+              <a:lnSpc>
+                <a:spcPct val="90000"/>
+              </a:lnSpc>
+              <a:spcBef>
+                <a:spcPts val="500"/>
+              </a:spcBef>
+              <a:spcAft>
+                <a:spcPts val="0"/>
+              </a:spcAft>
+              <a:buClr>
+                <a:srgbClr val="FFA3A3"/>
+              </a:buClr>
+              <a:buSzPct val="75000"/>
+              <a:buFont typeface="Wingdings 3" panose="05040102010807070707" pitchFamily="18" charset="2"/>
+              <a:buChar char=""/>
+              <a:tabLst/>
+              <a:defRPr lang="en-US" sz="2800" kern="1200" noProof="0">
+                <a:solidFill>
+                  <a:schemeClr val="tx1"/>
+                </a:solidFill>
+                <a:latin typeface="+mn-lt"/>
+                <a:ea typeface="+mn-ea"/>
+                <a:cs typeface="+mn-cs"/>
+              </a:defRPr>
+            </a:lvl2pPr>
+            <a:lvl3pPr marL="1143000" marR="0" indent="-228600" algn="l" defTabSz="914400" rtl="0" eaLnBrk="1" fontAlgn="auto" latinLnBrk="0" hangingPunct="1">
+              <a:lnSpc>
+                <a:spcPct val="90000"/>
+              </a:lnSpc>
+              <a:spcBef>
+                <a:spcPts val="500"/>
+              </a:spcBef>
+              <a:spcAft>
+                <a:spcPts val="0"/>
+              </a:spcAft>
+              <a:buClr>
+                <a:srgbClr val="FF9797"/>
+              </a:buClr>
+              <a:buSzPct val="70000"/>
+              <a:buFont typeface="Wingdings 3" panose="05040102010807070707" pitchFamily="18" charset="2"/>
+              <a:buChar char=""/>
+              <a:tabLst/>
+              <a:defRPr lang="en-US" sz="2800" kern="1200" noProof="0">
+                <a:solidFill>
+                  <a:schemeClr val="tx1"/>
+                </a:solidFill>
+                <a:latin typeface="+mn-lt"/>
+                <a:ea typeface="+mn-ea"/>
+                <a:cs typeface="+mn-cs"/>
+              </a:defRPr>
+            </a:lvl3pPr>
+            <a:lvl4pPr marL="1600200" marR="0" indent="-228600" algn="l" defTabSz="914400" rtl="0" eaLnBrk="1" fontAlgn="auto" latinLnBrk="0" hangingPunct="1">
+              <a:lnSpc>
+                <a:spcPct val="90000"/>
+              </a:lnSpc>
+              <a:spcBef>
+                <a:spcPts val="500"/>
+              </a:spcBef>
+              <a:spcAft>
+                <a:spcPts val="0"/>
+              </a:spcAft>
+              <a:buClr>
+                <a:srgbClr val="FF9B9B"/>
+              </a:buClr>
+              <a:buSzPct val="65000"/>
+              <a:buFont typeface="Wingdings 3" panose="05040102010807070707" pitchFamily="18" charset="2"/>
+              <a:buChar char=""/>
+              <a:tabLst/>
+              <a:defRPr lang="en-US" sz="2800" kern="1200" noProof="0">
+                <a:solidFill>
+                  <a:schemeClr val="tx1"/>
+                </a:solidFill>
+                <a:latin typeface="+mn-lt"/>
+                <a:ea typeface="+mn-ea"/>
+                <a:cs typeface="+mn-cs"/>
+              </a:defRPr>
+            </a:lvl4pPr>
+            <a:lvl5pPr marL="2057400" marR="0" indent="-228600" algn="l" defTabSz="914400" rtl="0" eaLnBrk="1" fontAlgn="auto" latinLnBrk="0" hangingPunct="1">
+              <a:lnSpc>
+                <a:spcPct val="90000"/>
+              </a:lnSpc>
+              <a:spcBef>
+                <a:spcPts val="500"/>
+              </a:spcBef>
+              <a:spcAft>
+                <a:spcPts val="0"/>
+              </a:spcAft>
+              <a:buClr>
+                <a:srgbClr val="FF9B9B"/>
+              </a:buClr>
+              <a:buSzPct val="60000"/>
+              <a:buFont typeface="Wingdings 3" panose="05040102010807070707" pitchFamily="18" charset="2"/>
+              <a:buChar char=""/>
+              <a:tabLst/>
+              <a:defRPr lang="en-US" sz="2800" kern="1200" noProof="0">
+                <a:solidFill>
+                  <a:schemeClr val="tx1"/>
+                </a:solidFill>
+                <a:latin typeface="+mn-lt"/>
+                <a:ea typeface="+mn-ea"/>
+                <a:cs typeface="+mn-cs"/>
+              </a:defRPr>
+            </a:lvl5pPr>
+            <a:lvl6pPr marL="2514600" indent="-228600" algn="l" defTabSz="914400" rtl="0" eaLnBrk="1" latinLnBrk="0" hangingPunct="1">
+              <a:lnSpc>
+                <a:spcPct val="90000"/>
+              </a:lnSpc>
+              <a:spcBef>
+                <a:spcPts val="500"/>
+              </a:spcBef>
+              <a:buFont typeface="Arial" panose="020B0604020202020204" pitchFamily="34" charset="0"/>
+              <a:buChar char="•"/>
+              <a:defRPr sz="1800" kern="1200">
+                <a:solidFill>
+                  <a:schemeClr val="tx1"/>
+                </a:solidFill>
+                <a:latin typeface="+mn-lt"/>
+                <a:ea typeface="+mn-ea"/>
+                <a:cs typeface="+mn-cs"/>
+              </a:defRPr>
+            </a:lvl6pPr>
+            <a:lvl7pPr marL="2971800" indent="-228600" algn="l" defTabSz="914400" rtl="0" eaLnBrk="1" latinLnBrk="0" hangingPunct="1">
+              <a:lnSpc>
+                <a:spcPct val="90000"/>
+              </a:lnSpc>
+              <a:spcBef>
+                <a:spcPts val="500"/>
+              </a:spcBef>
+              <a:buFont typeface="Arial" panose="020B0604020202020204" pitchFamily="34" charset="0"/>
+              <a:buChar char="•"/>
+              <a:defRPr sz="1800" kern="1200">
+                <a:solidFill>
+                  <a:schemeClr val="tx1"/>
+                </a:solidFill>
+                <a:latin typeface="+mn-lt"/>
+                <a:ea typeface="+mn-ea"/>
+                <a:cs typeface="+mn-cs"/>
+              </a:defRPr>
+            </a:lvl7pPr>
+            <a:lvl8pPr marL="3429000" indent="-228600" algn="l" defTabSz="914400" rtl="0" eaLnBrk="1" latinLnBrk="0" hangingPunct="1">
+              <a:lnSpc>
+                <a:spcPct val="90000"/>
+              </a:lnSpc>
+              <a:spcBef>
+                <a:spcPts val="500"/>
+              </a:spcBef>
+              <a:buFont typeface="Arial" panose="020B0604020202020204" pitchFamily="34" charset="0"/>
+              <a:buChar char="•"/>
+              <a:defRPr sz="1800" kern="1200">
+                <a:solidFill>
+                  <a:schemeClr val="tx1"/>
+                </a:solidFill>
+                <a:latin typeface="+mn-lt"/>
+                <a:ea typeface="+mn-ea"/>
+                <a:cs typeface="+mn-cs"/>
+              </a:defRPr>
+            </a:lvl8pPr>
+            <a:lvl9pPr marL="3886200" indent="-228600" algn="l" defTabSz="914400" rtl="0" eaLnBrk="1" latinLnBrk="0" hangingPunct="1">
+              <a:lnSpc>
+                <a:spcPct val="90000"/>
+              </a:lnSpc>
+              <a:spcBef>
+                <a:spcPts val="500"/>
+              </a:spcBef>
+              <a:buFont typeface="Arial" panose="020B0604020202020204" pitchFamily="34" charset="0"/>
+              <a:buChar char="•"/>
+              <a:defRPr sz="1800" kern="1200">
+                <a:solidFill>
+                  <a:schemeClr val="tx1"/>
+                </a:solidFill>
+                <a:latin typeface="+mn-lt"/>
+                <a:ea typeface="+mn-ea"/>
+                <a:cs typeface="+mn-cs"/>
+              </a:defRPr>
+            </a:lvl9pPr>
+          </a:lstStyle>
+          <a:p>
+            <a:pPr marL="0" indent="0">
+              <a:buFont typeface="Wingdings 3" panose="05040102010807070707" pitchFamily="18" charset="2"/>
+              <a:buNone/>
+            </a:pPr>
+            <a:r>
+              <a:rPr lang="en-US" sz="2400" dirty="0"/>
+              <a:t>(dim,0)</a:t>
+            </a:r>
+          </a:p>
+          <a:p>
+            <a:pPr marL="0" indent="0">
+              <a:buFont typeface="Wingdings 3" panose="05040102010807070707" pitchFamily="18" charset="2"/>
+              <a:buNone/>
+            </a:pPr>
+            <a:endParaRPr lang="en-US" sz="2400" dirty="0"/>
+          </a:p>
+          <a:p>
+            <a:pPr marL="0" indent="0">
+              <a:buFont typeface="Wingdings 3" panose="05040102010807070707" pitchFamily="18" charset="2"/>
+              <a:buNone/>
+            </a:pPr>
+            <a:endParaRPr lang="en-US" sz="2400" dirty="0"/>
+          </a:p>
+        </p:txBody>
+      </p:sp>
+      <p:cxnSp>
+        <p:nvCxnSpPr>
+          <p:cNvPr id="47" name="Straight Arrow Connector 46">
+            <a:extLst>
+              <a:ext uri="{FF2B5EF4-FFF2-40B4-BE49-F238E27FC236}">
+                <a16:creationId xmlns:a16="http://schemas.microsoft.com/office/drawing/2014/main" id="{BD240075-F142-40FB-8BC4-4EDEBA3D2A91}"/>
+              </a:ext>
+            </a:extLst>
+          </p:cNvPr>
+          <p:cNvCxnSpPr>
+            <a:cxnSpLocks/>
+            <a:endCxn id="46" idx="1"/>
+          </p:cNvCxnSpPr>
+          <p:nvPr/>
+        </p:nvCxnSpPr>
+        <p:spPr>
+          <a:xfrm>
+            <a:off x="3008781" y="5060516"/>
+            <a:ext cx="861138" cy="0"/>
+          </a:xfrm>
+          <a:prstGeom prst="straightConnector1">
+            <a:avLst/>
+          </a:prstGeom>
+          <a:ln w="25400">
+            <a:solidFill>
+              <a:schemeClr val="tx1"/>
+            </a:solidFill>
+            <a:tailEnd type="triangle" w="lg" len="lg"/>
+          </a:ln>
+        </p:spPr>
+        <p:style>
+          <a:lnRef idx="1">
+            <a:schemeClr val="accent1"/>
+          </a:lnRef>
+          <a:fillRef idx="0">
+            <a:schemeClr val="accent1"/>
+          </a:fillRef>
+          <a:effectRef idx="0">
+            <a:schemeClr val="accent1"/>
+          </a:effectRef>
+          <a:fontRef idx="minor">
+            <a:schemeClr val="tx1"/>
+          </a:fontRef>
+        </p:style>
+      </p:cxnSp>
+      <p:pic>
+        <p:nvPicPr>
+          <p:cNvPr id="50" name="Graphic 49" descr="Clock">
+            <a:extLst>
+              <a:ext uri="{FF2B5EF4-FFF2-40B4-BE49-F238E27FC236}">
+                <a16:creationId xmlns:a16="http://schemas.microsoft.com/office/drawing/2014/main" id="{8965D917-7E09-4568-8726-30A2CAE6964D}"/>
+              </a:ext>
+            </a:extLst>
+          </p:cNvPr>
+          <p:cNvPicPr>
+            <a:picLocks noChangeAspect="1"/>
+          </p:cNvPicPr>
+          <p:nvPr/>
+        </p:nvPicPr>
+        <p:blipFill>
+          <a:blip r:embed="rId5">
+            <a:extLst>
+              <a:ext uri="{28A0092B-C50C-407E-A947-70E740481C1C}">
+                <a14:useLocalDpi xmlns:a14="http://schemas.microsoft.com/office/drawing/2010/main" val="0"/>
+              </a:ext>
+              <a:ext uri="{96DAC541-7B7A-43D3-8B79-37D633B846F1}">
+                <asvg:svgBlip xmlns:asvg="http://schemas.microsoft.com/office/drawing/2016/SVG/main" r:embed="rId6"/>
+              </a:ext>
+            </a:extLst>
+          </a:blip>
+          <a:stretch>
+            <a:fillRect/>
+          </a:stretch>
+        </p:blipFill>
+        <p:spPr>
+          <a:xfrm>
+            <a:off x="1288798" y="4958314"/>
+            <a:ext cx="449052" cy="449052"/>
+          </a:xfrm>
+          <a:prstGeom prst="rect">
+            <a:avLst/>
+          </a:prstGeom>
+        </p:spPr>
+      </p:pic>
+      <p:sp>
+        <p:nvSpPr>
+          <p:cNvPr id="57" name="TextBox 56">
+            <a:extLst>
+              <a:ext uri="{FF2B5EF4-FFF2-40B4-BE49-F238E27FC236}">
+                <a16:creationId xmlns:a16="http://schemas.microsoft.com/office/drawing/2014/main" id="{9BABA4F6-06AC-450F-9D65-ED9D3DD23A8A}"/>
+              </a:ext>
+            </a:extLst>
+          </p:cNvPr>
+          <p:cNvSpPr txBox="1"/>
+          <p:nvPr/>
+        </p:nvSpPr>
+        <p:spPr>
+          <a:xfrm>
+            <a:off x="2932658" y="4714875"/>
+            <a:ext cx="1033488" cy="307777"/>
+          </a:xfrm>
+          <a:prstGeom prst="rect">
+            <a:avLst/>
+          </a:prstGeom>
+          <a:noFill/>
+        </p:spPr>
+        <p:txBody>
+          <a:bodyPr wrap="none" rtlCol="0">
+            <a:spAutoFit/>
+          </a:bodyPr>
+          <a:lstStyle/>
+          <a:p>
+            <a:r>
+              <a:rPr lang="en-US" sz="1400" dirty="0"/>
+              <a:t>(press==1)?</a:t>
+            </a:r>
+          </a:p>
+        </p:txBody>
+      </p:sp>
       <p:cxnSp>
         <p:nvCxnSpPr>
           <p:cNvPr id="60" name="Straight Arrow Connector 59">
@@ -40594,7 +43617,11 @@
           <a:lstStyle/>
           <a:p>
             <a:r>
-              <a:rPr lang="en-US" sz="1400" dirty="0"/>
+              <a:rPr lang="en-US" sz="1400" dirty="0">
+                <a:solidFill>
+                  <a:srgbClr val="FF0000"/>
+                </a:solidFill>
+              </a:rPr>
               <a:t>(press==1)?</a:t>
             </a:r>
           </a:p>
@@ -40872,13 +43899,474 @@
     </p:spTree>
     <p:extLst>
       <p:ext uri="{BB962C8B-B14F-4D97-AF65-F5344CB8AC3E}">
-        <p14:creationId xmlns:p14="http://schemas.microsoft.com/office/powerpoint/2010/main" val="3387314526"/>
+        <p14:creationId xmlns:p14="http://schemas.microsoft.com/office/powerpoint/2010/main" val="1150946797"/>
       </p:ext>
     </p:extLst>
   </p:cSld>
   <p:clrMapOvr>
     <a:masterClrMapping/>
   </p:clrMapOvr>
+  <p:timing>
+    <p:tnLst>
+      <p:par>
+        <p:cTn id="1" dur="indefinite" restart="never" nodeType="tmRoot">
+          <p:childTnLst>
+            <p:seq concurrent="1" nextAc="seek">
+              <p:cTn id="2" dur="indefinite" nodeType="mainSeq">
+                <p:childTnLst>
+                  <p:par>
+                    <p:cTn id="3" fill="hold">
+                      <p:stCondLst>
+                        <p:cond delay="indefinite"/>
+                      </p:stCondLst>
+                      <p:childTnLst>
+                        <p:par>
+                          <p:cTn id="4" fill="hold">
+                            <p:stCondLst>
+                              <p:cond delay="0"/>
+                            </p:stCondLst>
+                            <p:childTnLst>
+                              <p:par>
+                                <p:cTn id="5" presetID="1" presetClass="entr" presetSubtype="0" fill="hold" nodeType="clickEffect">
+                                  <p:stCondLst>
+                                    <p:cond delay="0"/>
+                                  </p:stCondLst>
+                                  <p:childTnLst>
+                                    <p:set>
+                                      <p:cBhvr>
+                                        <p:cTn id="6" dur="1" fill="hold">
+                                          <p:stCondLst>
+                                            <p:cond delay="0"/>
+                                          </p:stCondLst>
+                                        </p:cTn>
+                                        <p:tgtEl>
+                                          <p:spTgt spid="50"/>
+                                        </p:tgtEl>
+                                        <p:attrNameLst>
+                                          <p:attrName>style.visibility</p:attrName>
+                                        </p:attrNameLst>
+                                      </p:cBhvr>
+                                      <p:to>
+                                        <p:strVal val="visible"/>
+                                      </p:to>
+                                    </p:set>
+                                  </p:childTnLst>
+                                </p:cTn>
+                              </p:par>
+                              <p:par>
+                                <p:cTn id="7" presetID="1" presetClass="entr" presetSubtype="0" fill="hold" grpId="0" nodeType="withEffect">
+                                  <p:stCondLst>
+                                    <p:cond delay="0"/>
+                                  </p:stCondLst>
+                                  <p:childTnLst>
+                                    <p:set>
+                                      <p:cBhvr>
+                                        <p:cTn id="8" dur="1" fill="hold">
+                                          <p:stCondLst>
+                                            <p:cond delay="0"/>
+                                          </p:stCondLst>
+                                        </p:cTn>
+                                        <p:tgtEl>
+                                          <p:spTgt spid="45"/>
+                                        </p:tgtEl>
+                                        <p:attrNameLst>
+                                          <p:attrName>style.visibility</p:attrName>
+                                        </p:attrNameLst>
+                                      </p:cBhvr>
+                                      <p:to>
+                                        <p:strVal val="visible"/>
+                                      </p:to>
+                                    </p:set>
+                                  </p:childTnLst>
+                                </p:cTn>
+                              </p:par>
+                              <p:par>
+                                <p:cTn id="9" presetID="1" presetClass="entr" presetSubtype="0" fill="hold" nodeType="withEffect">
+                                  <p:stCondLst>
+                                    <p:cond delay="0"/>
+                                  </p:stCondLst>
+                                  <p:childTnLst>
+                                    <p:set>
+                                      <p:cBhvr>
+                                        <p:cTn id="10" dur="1" fill="hold">
+                                          <p:stCondLst>
+                                            <p:cond delay="0"/>
+                                          </p:stCondLst>
+                                        </p:cTn>
+                                        <p:tgtEl>
+                                          <p:spTgt spid="18"/>
+                                        </p:tgtEl>
+                                        <p:attrNameLst>
+                                          <p:attrName>style.visibility</p:attrName>
+                                        </p:attrNameLst>
+                                      </p:cBhvr>
+                                      <p:to>
+                                        <p:strVal val="visible"/>
+                                      </p:to>
+                                    </p:set>
+                                  </p:childTnLst>
+                                </p:cTn>
+                              </p:par>
+                            </p:childTnLst>
+                          </p:cTn>
+                        </p:par>
+                      </p:childTnLst>
+                    </p:cTn>
+                  </p:par>
+                  <p:par>
+                    <p:cTn id="11" fill="hold">
+                      <p:stCondLst>
+                        <p:cond delay="indefinite"/>
+                      </p:stCondLst>
+                      <p:childTnLst>
+                        <p:par>
+                          <p:cTn id="12" fill="hold">
+                            <p:stCondLst>
+                              <p:cond delay="0"/>
+                            </p:stCondLst>
+                            <p:childTnLst>
+                              <p:par>
+                                <p:cTn id="13" presetID="1" presetClass="entr" presetSubtype="0" fill="hold" nodeType="clickEffect">
+                                  <p:stCondLst>
+                                    <p:cond delay="0"/>
+                                  </p:stCondLst>
+                                  <p:childTnLst>
+                                    <p:set>
+                                      <p:cBhvr>
+                                        <p:cTn id="14" dur="1" fill="hold">
+                                          <p:stCondLst>
+                                            <p:cond delay="0"/>
+                                          </p:stCondLst>
+                                        </p:cTn>
+                                        <p:tgtEl>
+                                          <p:spTgt spid="47"/>
+                                        </p:tgtEl>
+                                        <p:attrNameLst>
+                                          <p:attrName>style.visibility</p:attrName>
+                                        </p:attrNameLst>
+                                      </p:cBhvr>
+                                      <p:to>
+                                        <p:strVal val="visible"/>
+                                      </p:to>
+                                    </p:set>
+                                  </p:childTnLst>
+                                </p:cTn>
+                              </p:par>
+                              <p:par>
+                                <p:cTn id="15" presetID="1" presetClass="entr" presetSubtype="0" fill="hold" grpId="0" nodeType="withEffect">
+                                  <p:stCondLst>
+                                    <p:cond delay="0"/>
+                                  </p:stCondLst>
+                                  <p:childTnLst>
+                                    <p:set>
+                                      <p:cBhvr>
+                                        <p:cTn id="16" dur="1" fill="hold">
+                                          <p:stCondLst>
+                                            <p:cond delay="0"/>
+                                          </p:stCondLst>
+                                        </p:cTn>
+                                        <p:tgtEl>
+                                          <p:spTgt spid="57"/>
+                                        </p:tgtEl>
+                                        <p:attrNameLst>
+                                          <p:attrName>style.visibility</p:attrName>
+                                        </p:attrNameLst>
+                                      </p:cBhvr>
+                                      <p:to>
+                                        <p:strVal val="visible"/>
+                                      </p:to>
+                                    </p:set>
+                                  </p:childTnLst>
+                                </p:cTn>
+                              </p:par>
+                              <p:par>
+                                <p:cTn id="17" presetID="1" presetClass="entr" presetSubtype="0" fill="hold" grpId="0" nodeType="withEffect">
+                                  <p:stCondLst>
+                                    <p:cond delay="0"/>
+                                  </p:stCondLst>
+                                  <p:childTnLst>
+                                    <p:set>
+                                      <p:cBhvr>
+                                        <p:cTn id="18" dur="1" fill="hold">
+                                          <p:stCondLst>
+                                            <p:cond delay="0"/>
+                                          </p:stCondLst>
+                                        </p:cTn>
+                                        <p:tgtEl>
+                                          <p:spTgt spid="46"/>
+                                        </p:tgtEl>
+                                        <p:attrNameLst>
+                                          <p:attrName>style.visibility</p:attrName>
+                                        </p:attrNameLst>
+                                      </p:cBhvr>
+                                      <p:to>
+                                        <p:strVal val="visible"/>
+                                      </p:to>
+                                    </p:set>
+                                  </p:childTnLst>
+                                </p:cTn>
+                              </p:par>
+                            </p:childTnLst>
+                          </p:cTn>
+                        </p:par>
+                      </p:childTnLst>
+                    </p:cTn>
+                  </p:par>
+                  <p:par>
+                    <p:cTn id="19" fill="hold">
+                      <p:stCondLst>
+                        <p:cond delay="indefinite"/>
+                      </p:stCondLst>
+                      <p:childTnLst>
+                        <p:par>
+                          <p:cTn id="20" fill="hold">
+                            <p:stCondLst>
+                              <p:cond delay="0"/>
+                            </p:stCondLst>
+                            <p:childTnLst>
+                              <p:par>
+                                <p:cTn id="21" presetID="1" presetClass="entr" presetSubtype="0" fill="hold" nodeType="clickEffect">
+                                  <p:stCondLst>
+                                    <p:cond delay="0"/>
+                                  </p:stCondLst>
+                                  <p:childTnLst>
+                                    <p:set>
+                                      <p:cBhvr>
+                                        <p:cTn id="22" dur="1" fill="hold">
+                                          <p:stCondLst>
+                                            <p:cond delay="0"/>
+                                          </p:stCondLst>
+                                        </p:cTn>
+                                        <p:tgtEl>
+                                          <p:spTgt spid="64"/>
+                                        </p:tgtEl>
+                                        <p:attrNameLst>
+                                          <p:attrName>style.visibility</p:attrName>
+                                        </p:attrNameLst>
+                                      </p:cBhvr>
+                                      <p:to>
+                                        <p:strVal val="visible"/>
+                                      </p:to>
+                                    </p:set>
+                                  </p:childTnLst>
+                                </p:cTn>
+                              </p:par>
+                              <p:par>
+                                <p:cTn id="23" presetID="1" presetClass="entr" presetSubtype="0" fill="hold" nodeType="withEffect">
+                                  <p:stCondLst>
+                                    <p:cond delay="0"/>
+                                  </p:stCondLst>
+                                  <p:childTnLst>
+                                    <p:set>
+                                      <p:cBhvr>
+                                        <p:cTn id="24" dur="1" fill="hold">
+                                          <p:stCondLst>
+                                            <p:cond delay="0"/>
+                                          </p:stCondLst>
+                                        </p:cTn>
+                                        <p:tgtEl>
+                                          <p:spTgt spid="63"/>
+                                        </p:tgtEl>
+                                        <p:attrNameLst>
+                                          <p:attrName>style.visibility</p:attrName>
+                                        </p:attrNameLst>
+                                      </p:cBhvr>
+                                      <p:to>
+                                        <p:strVal val="visible"/>
+                                      </p:to>
+                                    </p:set>
+                                  </p:childTnLst>
+                                </p:cTn>
+                              </p:par>
+                              <p:par>
+                                <p:cTn id="25" presetID="1" presetClass="entr" presetSubtype="0" fill="hold" nodeType="withEffect">
+                                  <p:stCondLst>
+                                    <p:cond delay="0"/>
+                                  </p:stCondLst>
+                                  <p:childTnLst>
+                                    <p:set>
+                                      <p:cBhvr>
+                                        <p:cTn id="26" dur="1" fill="hold">
+                                          <p:stCondLst>
+                                            <p:cond delay="0"/>
+                                          </p:stCondLst>
+                                        </p:cTn>
+                                        <p:tgtEl>
+                                          <p:spTgt spid="60"/>
+                                        </p:tgtEl>
+                                        <p:attrNameLst>
+                                          <p:attrName>style.visibility</p:attrName>
+                                        </p:attrNameLst>
+                                      </p:cBhvr>
+                                      <p:to>
+                                        <p:strVal val="visible"/>
+                                      </p:to>
+                                    </p:set>
+                                  </p:childTnLst>
+                                </p:cTn>
+                              </p:par>
+                              <p:par>
+                                <p:cTn id="27" presetID="1" presetClass="entr" presetSubtype="0" fill="hold" grpId="0" nodeType="withEffect">
+                                  <p:stCondLst>
+                                    <p:cond delay="0"/>
+                                  </p:stCondLst>
+                                  <p:childTnLst>
+                                    <p:set>
+                                      <p:cBhvr>
+                                        <p:cTn id="28" dur="1" fill="hold">
+                                          <p:stCondLst>
+                                            <p:cond delay="0"/>
+                                          </p:stCondLst>
+                                        </p:cTn>
+                                        <p:tgtEl>
+                                          <p:spTgt spid="65"/>
+                                        </p:tgtEl>
+                                        <p:attrNameLst>
+                                          <p:attrName>style.visibility</p:attrName>
+                                        </p:attrNameLst>
+                                      </p:cBhvr>
+                                      <p:to>
+                                        <p:strVal val="visible"/>
+                                      </p:to>
+                                    </p:set>
+                                  </p:childTnLst>
+                                </p:cTn>
+                              </p:par>
+                            </p:childTnLst>
+                          </p:cTn>
+                        </p:par>
+                      </p:childTnLst>
+                    </p:cTn>
+                  </p:par>
+                  <p:par>
+                    <p:cTn id="29" fill="hold">
+                      <p:stCondLst>
+                        <p:cond delay="indefinite"/>
+                      </p:stCondLst>
+                      <p:childTnLst>
+                        <p:par>
+                          <p:cTn id="30" fill="hold">
+                            <p:stCondLst>
+                              <p:cond delay="0"/>
+                            </p:stCondLst>
+                            <p:childTnLst>
+                              <p:par>
+                                <p:cTn id="31" presetID="1" presetClass="entr" presetSubtype="0" fill="hold" grpId="0" nodeType="clickEffect">
+                                  <p:stCondLst>
+                                    <p:cond delay="0"/>
+                                  </p:stCondLst>
+                                  <p:childTnLst>
+                                    <p:set>
+                                      <p:cBhvr>
+                                        <p:cTn id="32" dur="1" fill="hold">
+                                          <p:stCondLst>
+                                            <p:cond delay="0"/>
+                                          </p:stCondLst>
+                                        </p:cTn>
+                                        <p:tgtEl>
+                                          <p:spTgt spid="40"/>
+                                        </p:tgtEl>
+                                        <p:attrNameLst>
+                                          <p:attrName>style.visibility</p:attrName>
+                                        </p:attrNameLst>
+                                      </p:cBhvr>
+                                      <p:to>
+                                        <p:strVal val="visible"/>
+                                      </p:to>
+                                    </p:set>
+                                  </p:childTnLst>
+                                </p:cTn>
+                              </p:par>
+                              <p:par>
+                                <p:cTn id="33" presetID="1" presetClass="entr" presetSubtype="0" fill="hold" nodeType="withEffect">
+                                  <p:stCondLst>
+                                    <p:cond delay="0"/>
+                                  </p:stCondLst>
+                                  <p:childTnLst>
+                                    <p:set>
+                                      <p:cBhvr>
+                                        <p:cTn id="34" dur="1" fill="hold">
+                                          <p:stCondLst>
+                                            <p:cond delay="0"/>
+                                          </p:stCondLst>
+                                        </p:cTn>
+                                        <p:tgtEl>
+                                          <p:spTgt spid="37"/>
+                                        </p:tgtEl>
+                                        <p:attrNameLst>
+                                          <p:attrName>style.visibility</p:attrName>
+                                        </p:attrNameLst>
+                                      </p:cBhvr>
+                                      <p:to>
+                                        <p:strVal val="visible"/>
+                                      </p:to>
+                                    </p:set>
+                                  </p:childTnLst>
+                                </p:cTn>
+                              </p:par>
+                              <p:par>
+                                <p:cTn id="35" presetID="1" presetClass="entr" presetSubtype="0" fill="hold" grpId="0" nodeType="withEffect">
+                                  <p:stCondLst>
+                                    <p:cond delay="0"/>
+                                  </p:stCondLst>
+                                  <p:childTnLst>
+                                    <p:set>
+                                      <p:cBhvr>
+                                        <p:cTn id="36" dur="1" fill="hold">
+                                          <p:stCondLst>
+                                            <p:cond delay="0"/>
+                                          </p:stCondLst>
+                                        </p:cTn>
+                                        <p:tgtEl>
+                                          <p:spTgt spid="48"/>
+                                        </p:tgtEl>
+                                        <p:attrNameLst>
+                                          <p:attrName>style.visibility</p:attrName>
+                                        </p:attrNameLst>
+                                      </p:cBhvr>
+                                      <p:to>
+                                        <p:strVal val="visible"/>
+                                      </p:to>
+                                    </p:set>
+                                  </p:childTnLst>
+                                </p:cTn>
+                              </p:par>
+                            </p:childTnLst>
+                          </p:cTn>
+                        </p:par>
+                      </p:childTnLst>
+                    </p:cTn>
+                  </p:par>
+                </p:childTnLst>
+              </p:cTn>
+              <p:prevCondLst>
+                <p:cond evt="onPrev" delay="0">
+                  <p:tgtEl>
+                    <p:sldTgt/>
+                  </p:tgtEl>
+                </p:cond>
+              </p:prevCondLst>
+              <p:nextCondLst>
+                <p:cond evt="onNext" delay="0">
+                  <p:tgtEl>
+                    <p:sldTgt/>
+                  </p:tgtEl>
+                </p:cond>
+              </p:nextCondLst>
+            </p:seq>
+          </p:childTnLst>
+        </p:cTn>
+      </p:par>
+    </p:tnLst>
+    <p:bldLst>
+      <p:bldP spid="45" grpId="0"/>
+      <p:bldP spid="46" grpId="0"/>
+      <p:bldP spid="57" grpId="0"/>
+      <p:bldP spid="65" grpId="0"/>
+      <p:bldP spid="40" grpId="0"/>
+      <p:bldP spid="48" grpId="0"/>
+    </p:bldLst>
+  </p:timing>
 </p:sld>
 </file>
 

--- a/teaching/cs513-autocps-fall-2024/slides/TimedModels.pptx
+++ b/teaching/cs513-autocps-fall-2024/slides/TimedModels.pptx
@@ -8649,6 +8649,235 @@
   <p:clrMapOvr>
     <a:masterClrMapping/>
   </p:clrMapOvr>
+  <p:timing>
+    <p:tnLst>
+      <p:par>
+        <p:cTn id="1" dur="indefinite" restart="never" nodeType="tmRoot">
+          <p:childTnLst>
+            <p:seq concurrent="1" nextAc="seek">
+              <p:cTn id="2" dur="indefinite" nodeType="mainSeq">
+                <p:childTnLst>
+                  <p:par>
+                    <p:cTn id="3" fill="hold">
+                      <p:stCondLst>
+                        <p:cond delay="indefinite"/>
+                      </p:stCondLst>
+                      <p:childTnLst>
+                        <p:par>
+                          <p:cTn id="4" fill="hold">
+                            <p:stCondLst>
+                              <p:cond delay="0"/>
+                            </p:stCondLst>
+                            <p:childTnLst>
+                              <p:par>
+                                <p:cTn id="5" presetID="1" presetClass="entr" presetSubtype="0" fill="hold" grpId="0" nodeType="clickEffect">
+                                  <p:stCondLst>
+                                    <p:cond delay="0"/>
+                                  </p:stCondLst>
+                                  <p:childTnLst>
+                                    <p:set>
+                                      <p:cBhvr>
+                                        <p:cTn id="6" dur="1" fill="hold">
+                                          <p:stCondLst>
+                                            <p:cond delay="0"/>
+                                          </p:stCondLst>
+                                        </p:cTn>
+                                        <p:tgtEl>
+                                          <p:spTgt spid="2">
+                                            <p:txEl>
+                                              <p:pRg st="0" end="0"/>
+                                            </p:txEl>
+                                          </p:spTgt>
+                                        </p:tgtEl>
+                                        <p:attrNameLst>
+                                          <p:attrName>style.visibility</p:attrName>
+                                        </p:attrNameLst>
+                                      </p:cBhvr>
+                                      <p:to>
+                                        <p:strVal val="visible"/>
+                                      </p:to>
+                                    </p:set>
+                                  </p:childTnLst>
+                                </p:cTn>
+                              </p:par>
+                            </p:childTnLst>
+                          </p:cTn>
+                        </p:par>
+                      </p:childTnLst>
+                    </p:cTn>
+                  </p:par>
+                  <p:par>
+                    <p:cTn id="7" fill="hold">
+                      <p:stCondLst>
+                        <p:cond delay="indefinite"/>
+                      </p:stCondLst>
+                      <p:childTnLst>
+                        <p:par>
+                          <p:cTn id="8" fill="hold">
+                            <p:stCondLst>
+                              <p:cond delay="0"/>
+                            </p:stCondLst>
+                            <p:childTnLst>
+                              <p:par>
+                                <p:cTn id="9" presetID="1" presetClass="entr" presetSubtype="0" fill="hold" grpId="0" nodeType="clickEffect">
+                                  <p:stCondLst>
+                                    <p:cond delay="0"/>
+                                  </p:stCondLst>
+                                  <p:childTnLst>
+                                    <p:set>
+                                      <p:cBhvr>
+                                        <p:cTn id="10" dur="1" fill="hold">
+                                          <p:stCondLst>
+                                            <p:cond delay="0"/>
+                                          </p:stCondLst>
+                                        </p:cTn>
+                                        <p:tgtEl>
+                                          <p:spTgt spid="2">
+                                            <p:txEl>
+                                              <p:pRg st="1" end="1"/>
+                                            </p:txEl>
+                                          </p:spTgt>
+                                        </p:tgtEl>
+                                        <p:attrNameLst>
+                                          <p:attrName>style.visibility</p:attrName>
+                                        </p:attrNameLst>
+                                      </p:cBhvr>
+                                      <p:to>
+                                        <p:strVal val="visible"/>
+                                      </p:to>
+                                    </p:set>
+                                  </p:childTnLst>
+                                </p:cTn>
+                              </p:par>
+                            </p:childTnLst>
+                          </p:cTn>
+                        </p:par>
+                      </p:childTnLst>
+                    </p:cTn>
+                  </p:par>
+                  <p:par>
+                    <p:cTn id="11" fill="hold">
+                      <p:stCondLst>
+                        <p:cond delay="indefinite"/>
+                      </p:stCondLst>
+                      <p:childTnLst>
+                        <p:par>
+                          <p:cTn id="12" fill="hold">
+                            <p:stCondLst>
+                              <p:cond delay="0"/>
+                            </p:stCondLst>
+                            <p:childTnLst>
+                              <p:par>
+                                <p:cTn id="13" presetID="1" presetClass="entr" presetSubtype="0" fill="hold" grpId="0" nodeType="clickEffect">
+                                  <p:stCondLst>
+                                    <p:cond delay="0"/>
+                                  </p:stCondLst>
+                                  <p:childTnLst>
+                                    <p:set>
+                                      <p:cBhvr>
+                                        <p:cTn id="14" dur="1" fill="hold">
+                                          <p:stCondLst>
+                                            <p:cond delay="0"/>
+                                          </p:stCondLst>
+                                        </p:cTn>
+                                        <p:tgtEl>
+                                          <p:spTgt spid="2">
+                                            <p:txEl>
+                                              <p:pRg st="2" end="2"/>
+                                            </p:txEl>
+                                          </p:spTgt>
+                                        </p:tgtEl>
+                                        <p:attrNameLst>
+                                          <p:attrName>style.visibility</p:attrName>
+                                        </p:attrNameLst>
+                                      </p:cBhvr>
+                                      <p:to>
+                                        <p:strVal val="visible"/>
+                                      </p:to>
+                                    </p:set>
+                                  </p:childTnLst>
+                                </p:cTn>
+                              </p:par>
+                            </p:childTnLst>
+                          </p:cTn>
+                        </p:par>
+                      </p:childTnLst>
+                    </p:cTn>
+                  </p:par>
+                  <p:par>
+                    <p:cTn id="15" fill="hold">
+                      <p:stCondLst>
+                        <p:cond delay="indefinite"/>
+                      </p:stCondLst>
+                      <p:childTnLst>
+                        <p:par>
+                          <p:cTn id="16" fill="hold">
+                            <p:stCondLst>
+                              <p:cond delay="0"/>
+                            </p:stCondLst>
+                            <p:childTnLst>
+                              <p:par>
+                                <p:cTn id="17" presetID="1" presetClass="entr" presetSubtype="0" fill="hold" grpId="0" nodeType="clickEffect">
+                                  <p:stCondLst>
+                                    <p:cond delay="0"/>
+                                  </p:stCondLst>
+                                  <p:childTnLst>
+                                    <p:set>
+                                      <p:cBhvr>
+                                        <p:cTn id="18" dur="1" fill="hold">
+                                          <p:stCondLst>
+                                            <p:cond delay="0"/>
+                                          </p:stCondLst>
+                                        </p:cTn>
+                                        <p:tgtEl>
+                                          <p:spTgt spid="2">
+                                            <p:txEl>
+                                              <p:pRg st="3" end="3"/>
+                                            </p:txEl>
+                                          </p:spTgt>
+                                        </p:tgtEl>
+                                        <p:attrNameLst>
+                                          <p:attrName>style.visibility</p:attrName>
+                                        </p:attrNameLst>
+                                      </p:cBhvr>
+                                      <p:to>
+                                        <p:strVal val="visible"/>
+                                      </p:to>
+                                    </p:set>
+                                  </p:childTnLst>
+                                </p:cTn>
+                              </p:par>
+                            </p:childTnLst>
+                          </p:cTn>
+                        </p:par>
+                      </p:childTnLst>
+                    </p:cTn>
+                  </p:par>
+                </p:childTnLst>
+              </p:cTn>
+              <p:prevCondLst>
+                <p:cond evt="onPrev" delay="0">
+                  <p:tgtEl>
+                    <p:sldTgt/>
+                  </p:tgtEl>
+                </p:cond>
+              </p:prevCondLst>
+              <p:nextCondLst>
+                <p:cond evt="onNext" delay="0">
+                  <p:tgtEl>
+                    <p:sldTgt/>
+                  </p:tgtEl>
+                </p:cond>
+              </p:nextCondLst>
+            </p:seq>
+          </p:childTnLst>
+        </p:cTn>
+      </p:par>
+    </p:tnLst>
+    <p:bldLst>
+      <p:bldP spid="2" grpId="0" build="p"/>
+    </p:bldLst>
+  </p:timing>
 </p:sld>
 </file>
 
@@ -10147,8 +10376,8 @@
               </a:p>
             </p:txBody>
           </p:sp>
-          <mc:AlternateContent xmlns:mc="http://schemas.openxmlformats.org/markup-compatibility/2006" xmlns:a14="http://schemas.microsoft.com/office/drawing/2010/main">
-            <mc:Choice Requires="a14">
+          <mc:AlternateContent xmlns:mc="http://schemas.openxmlformats.org/markup-compatibility/2006">
+            <mc:Choice xmlns:a14="http://schemas.microsoft.com/office/drawing/2010/main" Requires="a14">
               <p:sp>
                 <p:nvSpPr>
                   <p:cNvPr id="20" name="Oval 19">
@@ -10223,6 +10452,15 @@
                     </a:r>
                     <a14:m>
                       <m:oMath xmlns:m="http://schemas.openxmlformats.org/officeDocument/2006/math">
+                        <m:r>
+                          <a:rPr lang="en-US" b="0" i="1" smtClean="0">
+                            <a:solidFill>
+                              <a:schemeClr val="tx1"/>
+                            </a:solidFill>
+                            <a:latin typeface="Cambria Math" panose="02040503050406030204" pitchFamily="18" charset="0"/>
+                          </a:rPr>
+                          <m:t>≤</m:t>
+                        </m:r>
                         <m:sSub>
                           <m:sSubPr>
                             <m:ctrlPr>
@@ -10242,19 +10480,7 @@
                                 </a:solidFill>
                                 <a:latin typeface="Cambria Math" panose="02040503050406030204" pitchFamily="18" charset="0"/>
                               </a:rPr>
-                              <m:t>≥</m:t>
-                            </m:r>
-                            <m:r>
-                              <m:rPr>
-                                <m:sty m:val="p"/>
-                              </m:rPr>
-                              <a:rPr lang="en-US" b="0" i="0" smtClean="0">
-                                <a:solidFill>
-                                  <a:schemeClr val="tx1"/>
-                                </a:solidFill>
-                                <a:latin typeface="Cambria Math" panose="02040503050406030204" pitchFamily="18" charset="0"/>
-                              </a:rPr>
-                              <m:t>A</m:t>
+                              <m:t>𝐴</m:t>
                             </m:r>
                           </m:e>
                           <m:sub>
@@ -10280,7 +10506,7 @@
                 </p:txBody>
               </p:sp>
             </mc:Choice>
-            <mc:Fallback xmlns="">
+            <mc:Fallback>
               <p:sp>
                 <p:nvSpPr>
                   <p:cNvPr id="20" name="Oval 19">
